--- a/Presentacion_2.pptx
+++ b/Presentacion_2.pptx
@@ -2,19 +2,18 @@
 <file path=ppt/presentation.xml><?xml version="1.0" encoding="utf-8"?>
 <p:presentation xmlns:a="http://schemas.openxmlformats.org/drawingml/2006/main" xmlns:r="http://schemas.openxmlformats.org/officeDocument/2006/relationships" xmlns:p="http://schemas.openxmlformats.org/presentationml/2006/main" saveSubsetFonts="1">
   <p:sldMasterIdLst>
-    <p:sldMasterId id="2147483648" r:id="rId1"/>
+    <p:sldMasterId id="2147483648" r:id="rId4"/>
   </p:sldMasterIdLst>
   <p:notesMasterIdLst>
-    <p:notesMasterId r:id="rId9"/>
+    <p:notesMasterId r:id="rId11"/>
   </p:notesMasterIdLst>
   <p:sldIdLst>
-    <p:sldId id="256" r:id="rId2"/>
-    <p:sldId id="257" r:id="rId3"/>
-    <p:sldId id="258" r:id="rId4"/>
-    <p:sldId id="259" r:id="rId5"/>
-    <p:sldId id="263" r:id="rId6"/>
-    <p:sldId id="261" r:id="rId7"/>
-    <p:sldId id="262" r:id="rId8"/>
+    <p:sldId id="256" r:id="rId5"/>
+    <p:sldId id="257" r:id="rId6"/>
+    <p:sldId id="258" r:id="rId7"/>
+    <p:sldId id="261" r:id="rId8"/>
+    <p:sldId id="264" r:id="rId9"/>
+    <p:sldId id="262" r:id="rId10"/>
   </p:sldIdLst>
   <p:sldSz cx="12192000" cy="6858000"/>
   <p:notesSz cx="6858000" cy="9144000"/>
@@ -121,242 +120,6 @@
 </p:presentation>
 </file>
 
-<file path=ppt/revisionInfo.xml><?xml version="1.0" encoding="utf-8"?>
-<p1510:revInfo xmlns:a="http://schemas.openxmlformats.org/drawingml/2006/main" xmlns:r="http://schemas.openxmlformats.org/officeDocument/2006/relationships" xmlns:p1510="http://schemas.microsoft.com/office/powerpoint/2015/10/main">
-  <p1510:revLst>
-    <p1510:client id="{36A83015-A26A-4D77-A2C2-1D065C4418D7}" v="22" dt="2022-05-12T06:06:25.789"/>
-  </p1510:revLst>
-</p1510:revInfo>
-</file>
-
-<file path=ppt/changesInfos/changesInfo1.xml><?xml version="1.0" encoding="utf-8"?>
-<pc:chgInfo xmlns:a="http://schemas.openxmlformats.org/drawingml/2006/main" xmlns:r="http://schemas.openxmlformats.org/officeDocument/2006/relationships" xmlns:ac="http://schemas.microsoft.com/office/drawing/2013/main/command" xmlns:pc="http://schemas.microsoft.com/office/powerpoint/2013/main/command">
-  <pc:docChgLst>
-    <pc:chgData name="PHILLIPA PAZ PAREDES CORTEZ" userId="678853ba-3373-4f18-84be-8599e2ba6e0c" providerId="ADAL" clId="{36A83015-A26A-4D77-A2C2-1D065C4418D7}"/>
-    <pc:docChg chg="undo redo custSel addSld delSld modSld">
-      <pc:chgData name="PHILLIPA PAZ PAREDES CORTEZ" userId="678853ba-3373-4f18-84be-8599e2ba6e0c" providerId="ADAL" clId="{36A83015-A26A-4D77-A2C2-1D065C4418D7}" dt="2022-05-12T06:09:17.568" v="59" actId="2696"/>
-      <pc:docMkLst>
-        <pc:docMk/>
-      </pc:docMkLst>
-      <pc:sldChg chg="addSp delSp modSp add del mod">
-        <pc:chgData name="PHILLIPA PAZ PAREDES CORTEZ" userId="678853ba-3373-4f18-84be-8599e2ba6e0c" providerId="ADAL" clId="{36A83015-A26A-4D77-A2C2-1D065C4418D7}" dt="2022-05-12T06:09:17.568" v="59" actId="2696"/>
-        <pc:sldMkLst>
-          <pc:docMk/>
-          <pc:sldMk cId="258915529" sldId="260"/>
-        </pc:sldMkLst>
-        <pc:spChg chg="del">
-          <ac:chgData name="PHILLIPA PAZ PAREDES CORTEZ" userId="678853ba-3373-4f18-84be-8599e2ba6e0c" providerId="ADAL" clId="{36A83015-A26A-4D77-A2C2-1D065C4418D7}" dt="2022-05-12T05:52:39.261" v="2" actId="26606"/>
-          <ac:spMkLst>
-            <pc:docMk/>
-            <pc:sldMk cId="258915529" sldId="260"/>
-            <ac:spMk id="75" creationId="{D99D2C73-08B0-4F6B-A8E9-4651E6BDBE48}"/>
-          </ac:spMkLst>
-        </pc:spChg>
-        <pc:spChg chg="del">
-          <ac:chgData name="PHILLIPA PAZ PAREDES CORTEZ" userId="678853ba-3373-4f18-84be-8599e2ba6e0c" providerId="ADAL" clId="{36A83015-A26A-4D77-A2C2-1D065C4418D7}" dt="2022-05-12T05:52:39.261" v="2" actId="26606"/>
-          <ac:spMkLst>
-            <pc:docMk/>
-            <pc:sldMk cId="258915529" sldId="260"/>
-            <ac:spMk id="77" creationId="{968DB88C-7EF2-487C-85D1-848F61F13E3F}"/>
-          </ac:spMkLst>
-        </pc:spChg>
-        <pc:spChg chg="add">
-          <ac:chgData name="PHILLIPA PAZ PAREDES CORTEZ" userId="678853ba-3373-4f18-84be-8599e2ba6e0c" providerId="ADAL" clId="{36A83015-A26A-4D77-A2C2-1D065C4418D7}" dt="2022-05-12T06:04:33.592" v="41" actId="26606"/>
-          <ac:spMkLst>
-            <pc:docMk/>
-            <pc:sldMk cId="258915529" sldId="260"/>
-            <ac:spMk id="88" creationId="{9E90EB45-EEE9-4563-8179-65EF62AE0978}"/>
-          </ac:spMkLst>
-        </pc:spChg>
-        <pc:spChg chg="add">
-          <ac:chgData name="PHILLIPA PAZ PAREDES CORTEZ" userId="678853ba-3373-4f18-84be-8599e2ba6e0c" providerId="ADAL" clId="{36A83015-A26A-4D77-A2C2-1D065C4418D7}" dt="2022-05-12T06:04:33.592" v="41" actId="26606"/>
-          <ac:spMkLst>
-            <pc:docMk/>
-            <pc:sldMk cId="258915529" sldId="260"/>
-            <ac:spMk id="90" creationId="{23D0EF74-AD1E-4FD9-914D-8EC9058EBBA3}"/>
-          </ac:spMkLst>
-        </pc:spChg>
-        <pc:spChg chg="add del">
-          <ac:chgData name="PHILLIPA PAZ PAREDES CORTEZ" userId="678853ba-3373-4f18-84be-8599e2ba6e0c" providerId="ADAL" clId="{36A83015-A26A-4D77-A2C2-1D065C4418D7}" dt="2022-05-12T06:04:33.592" v="41" actId="26606"/>
-          <ac:spMkLst>
-            <pc:docMk/>
-            <pc:sldMk cId="258915529" sldId="260"/>
-            <ac:spMk id="139" creationId="{A169D286-F4D7-4C8B-A6BD-D05384C7F1D8}"/>
-          </ac:spMkLst>
-        </pc:spChg>
-        <pc:spChg chg="add del">
-          <ac:chgData name="PHILLIPA PAZ PAREDES CORTEZ" userId="678853ba-3373-4f18-84be-8599e2ba6e0c" providerId="ADAL" clId="{36A83015-A26A-4D77-A2C2-1D065C4418D7}" dt="2022-05-12T06:04:33.592" v="41" actId="26606"/>
-          <ac:spMkLst>
-            <pc:docMk/>
-            <pc:sldMk cId="258915529" sldId="260"/>
-            <ac:spMk id="141" creationId="{39E8235E-135E-4261-8F54-2B316E493C42}"/>
-          </ac:spMkLst>
-        </pc:spChg>
-        <pc:spChg chg="add del">
-          <ac:chgData name="PHILLIPA PAZ PAREDES CORTEZ" userId="678853ba-3373-4f18-84be-8599e2ba6e0c" providerId="ADAL" clId="{36A83015-A26A-4D77-A2C2-1D065C4418D7}" dt="2022-05-12T06:04:33.592" v="41" actId="26606"/>
-          <ac:spMkLst>
-            <pc:docMk/>
-            <pc:sldMk cId="258915529" sldId="260"/>
-            <ac:spMk id="143" creationId="{D4ED8EC3-4D57-4620-93CE-4E6661F09A3E}"/>
-          </ac:spMkLst>
-        </pc:spChg>
-        <pc:spChg chg="add del">
-          <ac:chgData name="PHILLIPA PAZ PAREDES CORTEZ" userId="678853ba-3373-4f18-84be-8599e2ba6e0c" providerId="ADAL" clId="{36A83015-A26A-4D77-A2C2-1D065C4418D7}" dt="2022-05-12T06:04:33.592" v="41" actId="26606"/>
-          <ac:spMkLst>
-            <pc:docMk/>
-            <pc:sldMk cId="258915529" sldId="260"/>
-            <ac:spMk id="145" creationId="{83BCB34A-2F40-4F41-8488-A134C1C155B7}"/>
-          </ac:spMkLst>
-        </pc:spChg>
-        <pc:spChg chg="add del">
-          <ac:chgData name="PHILLIPA PAZ PAREDES CORTEZ" userId="678853ba-3373-4f18-84be-8599e2ba6e0c" providerId="ADAL" clId="{36A83015-A26A-4D77-A2C2-1D065C4418D7}" dt="2022-05-12T06:04:33.592" v="41" actId="26606"/>
-          <ac:spMkLst>
-            <pc:docMk/>
-            <pc:sldMk cId="258915529" sldId="260"/>
-            <ac:spMk id="147" creationId="{F78382DC-4207-465E-B379-1E16448AA222}"/>
-          </ac:spMkLst>
-        </pc:spChg>
-        <pc:picChg chg="del">
-          <ac:chgData name="PHILLIPA PAZ PAREDES CORTEZ" userId="678853ba-3373-4f18-84be-8599e2ba6e0c" providerId="ADAL" clId="{36A83015-A26A-4D77-A2C2-1D065C4418D7}" dt="2022-05-12T05:51:47.359" v="0" actId="478"/>
-          <ac:picMkLst>
-            <pc:docMk/>
-            <pc:sldMk cId="258915529" sldId="260"/>
-            <ac:picMk id="20" creationId="{AF6B2B97-4953-317F-5DDD-10A4304FBCE0}"/>
-          </ac:picMkLst>
-        </pc:picChg>
-        <pc:picChg chg="add del mod">
-          <ac:chgData name="PHILLIPA PAZ PAREDES CORTEZ" userId="678853ba-3373-4f18-84be-8599e2ba6e0c" providerId="ADAL" clId="{36A83015-A26A-4D77-A2C2-1D065C4418D7}" dt="2022-05-12T05:57:51.554" v="22" actId="478"/>
-          <ac:picMkLst>
-            <pc:docMk/>
-            <pc:sldMk cId="258915529" sldId="260"/>
-            <ac:picMk id="22" creationId="{153CFE95-2939-DC79-0AB3-AE9A37192F42}"/>
-          </ac:picMkLst>
-        </pc:picChg>
-        <pc:picChg chg="add del mod">
-          <ac:chgData name="PHILLIPA PAZ PAREDES CORTEZ" userId="678853ba-3373-4f18-84be-8599e2ba6e0c" providerId="ADAL" clId="{36A83015-A26A-4D77-A2C2-1D065C4418D7}" dt="2022-05-12T06:03:47.414" v="26" actId="478"/>
-          <ac:picMkLst>
-            <pc:docMk/>
-            <pc:sldMk cId="258915529" sldId="260"/>
-            <ac:picMk id="24" creationId="{F42A29A4-E257-34B1-D624-0CD674F42B0B}"/>
-          </ac:picMkLst>
-        </pc:picChg>
-        <pc:picChg chg="add mod">
-          <ac:chgData name="PHILLIPA PAZ PAREDES CORTEZ" userId="678853ba-3373-4f18-84be-8599e2ba6e0c" providerId="ADAL" clId="{36A83015-A26A-4D77-A2C2-1D065C4418D7}" dt="2022-05-12T06:04:33.592" v="41" actId="26606"/>
-          <ac:picMkLst>
-            <pc:docMk/>
-            <pc:sldMk cId="258915529" sldId="260"/>
-            <ac:picMk id="26" creationId="{C19032A3-C9CC-91AB-C0B0-B3DBBE0BD005}"/>
-          </ac:picMkLst>
-        </pc:picChg>
-        <pc:picChg chg="add del mod">
-          <ac:chgData name="PHILLIPA PAZ PAREDES CORTEZ" userId="678853ba-3373-4f18-84be-8599e2ba6e0c" providerId="ADAL" clId="{36A83015-A26A-4D77-A2C2-1D065C4418D7}" dt="2022-05-12T06:04:24.566" v="39" actId="21"/>
-          <ac:picMkLst>
-            <pc:docMk/>
-            <pc:sldMk cId="258915529" sldId="260"/>
-            <ac:picMk id="28" creationId="{81521A11-425C-8D16-DFCB-DFA99DF8DECC}"/>
-          </ac:picMkLst>
-        </pc:picChg>
-        <pc:picChg chg="add mod ord">
-          <ac:chgData name="PHILLIPA PAZ PAREDES CORTEZ" userId="678853ba-3373-4f18-84be-8599e2ba6e0c" providerId="ADAL" clId="{36A83015-A26A-4D77-A2C2-1D065C4418D7}" dt="2022-05-12T06:04:33.592" v="41" actId="26606"/>
-          <ac:picMkLst>
-            <pc:docMk/>
-            <pc:sldMk cId="258915529" sldId="260"/>
-            <ac:picMk id="39" creationId="{029A926B-DDFF-8C4A-AC0C-6B8CE1A06469}"/>
-          </ac:picMkLst>
-        </pc:picChg>
-        <pc:picChg chg="del mod">
-          <ac:chgData name="PHILLIPA PAZ PAREDES CORTEZ" userId="678853ba-3373-4f18-84be-8599e2ba6e0c" providerId="ADAL" clId="{36A83015-A26A-4D77-A2C2-1D065C4418D7}" dt="2022-05-12T05:53:07.140" v="15" actId="478"/>
-          <ac:picMkLst>
-            <pc:docMk/>
-            <pc:sldMk cId="258915529" sldId="260"/>
-            <ac:picMk id="1030" creationId="{D79D1CAD-9578-C4F5-C046-B0A076143C96}"/>
-          </ac:picMkLst>
-        </pc:picChg>
-        <pc:picChg chg="add del mod">
-          <ac:chgData name="PHILLIPA PAZ PAREDES CORTEZ" userId="678853ba-3373-4f18-84be-8599e2ba6e0c" providerId="ADAL" clId="{36A83015-A26A-4D77-A2C2-1D065C4418D7}" dt="2022-05-12T05:57:59.041" v="23" actId="21"/>
-          <ac:picMkLst>
-            <pc:docMk/>
-            <pc:sldMk cId="258915529" sldId="260"/>
-            <ac:picMk id="1038" creationId="{DD483D23-4B6B-5161-B2D8-139EE94BF5C5}"/>
-          </ac:picMkLst>
-        </pc:picChg>
-      </pc:sldChg>
-      <pc:sldChg chg="addSp delSp modSp new mod setBg">
-        <pc:chgData name="PHILLIPA PAZ PAREDES CORTEZ" userId="678853ba-3373-4f18-84be-8599e2ba6e0c" providerId="ADAL" clId="{36A83015-A26A-4D77-A2C2-1D065C4418D7}" dt="2022-05-12T06:06:25.788" v="56" actId="1076"/>
-        <pc:sldMkLst>
-          <pc:docMk/>
-          <pc:sldMk cId="1747008654" sldId="263"/>
-        </pc:sldMkLst>
-        <pc:spChg chg="del mod">
-          <ac:chgData name="PHILLIPA PAZ PAREDES CORTEZ" userId="678853ba-3373-4f18-84be-8599e2ba6e0c" providerId="ADAL" clId="{36A83015-A26A-4D77-A2C2-1D065C4418D7}" dt="2022-05-12T06:05:38.734" v="51" actId="478"/>
-          <ac:spMkLst>
-            <pc:docMk/>
-            <pc:sldMk cId="1747008654" sldId="263"/>
-            <ac:spMk id="2" creationId="{9CFDD06D-92FD-A555-6153-BCDB9D200535}"/>
-          </ac:spMkLst>
-        </pc:spChg>
-        <pc:spChg chg="del">
-          <ac:chgData name="PHILLIPA PAZ PAREDES CORTEZ" userId="678853ba-3373-4f18-84be-8599e2ba6e0c" providerId="ADAL" clId="{36A83015-A26A-4D77-A2C2-1D065C4418D7}" dt="2022-05-12T06:05:13.510" v="43" actId="26606"/>
-          <ac:spMkLst>
-            <pc:docMk/>
-            <pc:sldMk cId="1747008654" sldId="263"/>
-            <ac:spMk id="3" creationId="{5E6F6B24-E89A-43EE-830A-86BF5F3BC758}"/>
-          </ac:spMkLst>
-        </pc:spChg>
-        <pc:spChg chg="add">
-          <ac:chgData name="PHILLIPA PAZ PAREDES CORTEZ" userId="678853ba-3373-4f18-84be-8599e2ba6e0c" providerId="ADAL" clId="{36A83015-A26A-4D77-A2C2-1D065C4418D7}" dt="2022-05-12T06:05:13.510" v="43" actId="26606"/>
-          <ac:spMkLst>
-            <pc:docMk/>
-            <pc:sldMk cId="1747008654" sldId="263"/>
-            <ac:spMk id="8" creationId="{FB5B0058-AF13-4859-B429-4EDDE2A26F7F}"/>
-          </ac:spMkLst>
-        </pc:spChg>
-        <pc:picChg chg="add mod ord">
-          <ac:chgData name="PHILLIPA PAZ PAREDES CORTEZ" userId="678853ba-3373-4f18-84be-8599e2ba6e0c" providerId="ADAL" clId="{36A83015-A26A-4D77-A2C2-1D065C4418D7}" dt="2022-05-12T06:06:13.549" v="54" actId="1076"/>
-          <ac:picMkLst>
-            <pc:docMk/>
-            <pc:sldMk cId="1747008654" sldId="263"/>
-            <ac:picMk id="7" creationId="{50B41756-4313-6797-3DCD-1A597EB2FEB8}"/>
-          </ac:picMkLst>
-        </pc:picChg>
-        <pc:picChg chg="add mod">
-          <ac:chgData name="PHILLIPA PAZ PAREDES CORTEZ" userId="678853ba-3373-4f18-84be-8599e2ba6e0c" providerId="ADAL" clId="{36A83015-A26A-4D77-A2C2-1D065C4418D7}" dt="2022-05-12T06:06:02.909" v="53" actId="1076"/>
-          <ac:picMkLst>
-            <pc:docMk/>
-            <pc:sldMk cId="1747008654" sldId="263"/>
-            <ac:picMk id="9" creationId="{A9809DCD-22A3-CEB6-5CAA-6EED476E3D4B}"/>
-          </ac:picMkLst>
-        </pc:picChg>
-        <pc:picChg chg="add mod">
-          <ac:chgData name="PHILLIPA PAZ PAREDES CORTEZ" userId="678853ba-3373-4f18-84be-8599e2ba6e0c" providerId="ADAL" clId="{36A83015-A26A-4D77-A2C2-1D065C4418D7}" dt="2022-05-12T06:06:25.788" v="56" actId="1076"/>
-          <ac:picMkLst>
-            <pc:docMk/>
-            <pc:sldMk cId="1747008654" sldId="263"/>
-            <ac:picMk id="11" creationId="{881E3E8C-C144-6774-E2A1-56DF72416EC4}"/>
-          </ac:picMkLst>
-        </pc:picChg>
-        <pc:cxnChg chg="add">
-          <ac:chgData name="PHILLIPA PAZ PAREDES CORTEZ" userId="678853ba-3373-4f18-84be-8599e2ba6e0c" providerId="ADAL" clId="{36A83015-A26A-4D77-A2C2-1D065C4418D7}" dt="2022-05-12T06:05:13.510" v="43" actId="26606"/>
-          <ac:cxnSpMkLst>
-            <pc:docMk/>
-            <pc:sldMk cId="1747008654" sldId="263"/>
-            <ac:cxnSpMk id="10" creationId="{EC4521DE-248E-440D-AAD6-FD9E7D34B3BF}"/>
-          </ac:cxnSpMkLst>
-        </pc:cxnChg>
-        <pc:cxnChg chg="add">
-          <ac:chgData name="PHILLIPA PAZ PAREDES CORTEZ" userId="678853ba-3373-4f18-84be-8599e2ba6e0c" providerId="ADAL" clId="{36A83015-A26A-4D77-A2C2-1D065C4418D7}" dt="2022-05-12T06:05:13.510" v="43" actId="26606"/>
-          <ac:cxnSpMkLst>
-            <pc:docMk/>
-            <pc:sldMk cId="1747008654" sldId="263"/>
-            <ac:cxnSpMk id="12" creationId="{442C13FA-4C0F-42D0-9626-5BA6040D8C31}"/>
-          </ac:cxnSpMkLst>
-        </pc:cxnChg>
-      </pc:sldChg>
-    </pc:docChg>
-  </pc:docChgLst>
-</pc:chgInfo>
-</file>
-
 <file path=ppt/notesMasters/notesMaster1.xml><?xml version="1.0" encoding="utf-8"?>
 <p:notesMaster xmlns:a="http://schemas.openxmlformats.org/drawingml/2006/main" xmlns:r="http://schemas.openxmlformats.org/officeDocument/2006/relationships" xmlns:p="http://schemas.openxmlformats.org/presentationml/2006/main">
   <p:cSld>
@@ -439,7 +202,7 @@
           <a:p>
             <a:fld id="{F1D168F1-FA41-45ED-B8B6-705B31AA893B}" type="datetimeFigureOut">
               <a:rPr lang="es-CL" smtClean="0"/>
-              <a:t>12-05-2022</a:t>
+              <a:t>22-06-2022</a:t>
             </a:fld>
             <a:endParaRPr lang="es-CL"/>
           </a:p>
@@ -751,18 +514,6 @@
           <a:bodyPr/>
           <a:lstStyle/>
           <a:p>
-            <a:r>
-              <a:rPr lang="es-MX" dirty="0"/>
-              <a:t>En la actualidad se puede ver un mayor índice de manejo de armas en la calle, así como también asaltos armados en nuestro país.​Cantidad de fallecidos y heridos de bala han aumentado.​Aumento de tiroteos en la vía </a:t>
-            </a:r>
-            <a:r>
-              <a:rPr lang="es-MX" dirty="0" err="1"/>
-              <a:t>pública.¿Es</a:t>
-            </a:r>
-            <a:r>
-              <a:rPr lang="es-MX" dirty="0"/>
-              <a:t> posible que estos tiroteos se agraven?-  Tiroteos en escuelas​- Tiroteos en centros comerciales</a:t>
-            </a:r>
             <a:endParaRPr lang="es-CL" dirty="0"/>
           </a:p>
         </p:txBody>
@@ -794,6 +545,90 @@
     <p:extLst>
       <p:ext uri="{BB962C8B-B14F-4D97-AF65-F5344CB8AC3E}">
         <p14:creationId xmlns:p14="http://schemas.microsoft.com/office/powerpoint/2010/main" val="912863717"/>
+      </p:ext>
+    </p:extLst>
+  </p:cSld>
+  <p:clrMapOvr>
+    <a:masterClrMapping/>
+  </p:clrMapOvr>
+</p:notes>
+</file>
+
+<file path=ppt/notesSlides/notesSlide2.xml><?xml version="1.0" encoding="utf-8"?>
+<p:notes xmlns:a="http://schemas.openxmlformats.org/drawingml/2006/main" xmlns:r="http://schemas.openxmlformats.org/officeDocument/2006/relationships" xmlns:p="http://schemas.openxmlformats.org/presentationml/2006/main">
+  <p:cSld>
+    <p:spTree>
+      <p:nvGrpSpPr>
+        <p:cNvPr id="1" name=""/>
+        <p:cNvGrpSpPr/>
+        <p:nvPr/>
+      </p:nvGrpSpPr>
+      <p:grpSpPr>
+        <a:xfrm>
+          <a:off x="0" y="0"/>
+          <a:ext cx="0" cy="0"/>
+          <a:chOff x="0" y="0"/>
+          <a:chExt cx="0" cy="0"/>
+        </a:xfrm>
+      </p:grpSpPr>
+      <p:sp>
+        <p:nvSpPr>
+          <p:cNvPr id="2" name="Marcador de imagen de diapositiva 1"/>
+          <p:cNvSpPr>
+            <a:spLocks noGrp="1" noRot="1" noChangeAspect="1"/>
+          </p:cNvSpPr>
+          <p:nvPr>
+            <p:ph type="sldImg"/>
+          </p:nvPr>
+        </p:nvSpPr>
+        <p:spPr/>
+      </p:sp>
+      <p:sp>
+        <p:nvSpPr>
+          <p:cNvPr id="3" name="Marcador de notas 2"/>
+          <p:cNvSpPr>
+            <a:spLocks noGrp="1"/>
+          </p:cNvSpPr>
+          <p:nvPr>
+            <p:ph type="body" idx="1"/>
+          </p:nvPr>
+        </p:nvSpPr>
+        <p:spPr/>
+        <p:txBody>
+          <a:bodyPr/>
+          <a:lstStyle/>
+          <a:p>
+            <a:endParaRPr lang="es-CL" dirty="0"/>
+          </a:p>
+        </p:txBody>
+      </p:sp>
+      <p:sp>
+        <p:nvSpPr>
+          <p:cNvPr id="4" name="Marcador de número de diapositiva 3"/>
+          <p:cNvSpPr>
+            <a:spLocks noGrp="1"/>
+          </p:cNvSpPr>
+          <p:nvPr>
+            <p:ph type="sldNum" sz="quarter" idx="5"/>
+          </p:nvPr>
+        </p:nvSpPr>
+        <p:spPr/>
+        <p:txBody>
+          <a:bodyPr/>
+          <a:lstStyle/>
+          <a:p>
+            <a:fld id="{3572F8DD-1EFC-4318-B21B-A8359624EB57}" type="slidenum">
+              <a:rPr lang="es-CL" smtClean="0"/>
+              <a:t>5</a:t>
+            </a:fld>
+            <a:endParaRPr lang="es-CL"/>
+          </a:p>
+        </p:txBody>
+      </p:sp>
+    </p:spTree>
+    <p:extLst>
+      <p:ext uri="{BB962C8B-B14F-4D97-AF65-F5344CB8AC3E}">
+        <p14:creationId xmlns:p14="http://schemas.microsoft.com/office/powerpoint/2010/main" val="4222642087"/>
       </p:ext>
     </p:extLst>
   </p:cSld>
@@ -952,7 +787,7 @@
           <a:p>
             <a:fld id="{8259B2BC-73F0-45F9-8F71-442EFB94F812}" type="datetimeFigureOut">
               <a:rPr lang="es-CL" smtClean="0"/>
-              <a:t>12-05-2022</a:t>
+              <a:t>22-06-2022</a:t>
             </a:fld>
             <a:endParaRPr lang="es-CL"/>
           </a:p>
@@ -1152,7 +987,7 @@
           <a:p>
             <a:fld id="{8259B2BC-73F0-45F9-8F71-442EFB94F812}" type="datetimeFigureOut">
               <a:rPr lang="es-CL" smtClean="0"/>
-              <a:t>12-05-2022</a:t>
+              <a:t>22-06-2022</a:t>
             </a:fld>
             <a:endParaRPr lang="es-CL"/>
           </a:p>
@@ -1362,7 +1197,7 @@
           <a:p>
             <a:fld id="{8259B2BC-73F0-45F9-8F71-442EFB94F812}" type="datetimeFigureOut">
               <a:rPr lang="es-CL" smtClean="0"/>
-              <a:t>12-05-2022</a:t>
+              <a:t>22-06-2022</a:t>
             </a:fld>
             <a:endParaRPr lang="es-CL"/>
           </a:p>
@@ -1562,7 +1397,7 @@
           <a:p>
             <a:fld id="{8259B2BC-73F0-45F9-8F71-442EFB94F812}" type="datetimeFigureOut">
               <a:rPr lang="es-CL" smtClean="0"/>
-              <a:t>12-05-2022</a:t>
+              <a:t>22-06-2022</a:t>
             </a:fld>
             <a:endParaRPr lang="es-CL"/>
           </a:p>
@@ -1838,7 +1673,7 @@
           <a:p>
             <a:fld id="{8259B2BC-73F0-45F9-8F71-442EFB94F812}" type="datetimeFigureOut">
               <a:rPr lang="es-CL" smtClean="0"/>
-              <a:t>12-05-2022</a:t>
+              <a:t>22-06-2022</a:t>
             </a:fld>
             <a:endParaRPr lang="es-CL"/>
           </a:p>
@@ -2106,7 +1941,7 @@
           <a:p>
             <a:fld id="{8259B2BC-73F0-45F9-8F71-442EFB94F812}" type="datetimeFigureOut">
               <a:rPr lang="es-CL" smtClean="0"/>
-              <a:t>12-05-2022</a:t>
+              <a:t>22-06-2022</a:t>
             </a:fld>
             <a:endParaRPr lang="es-CL"/>
           </a:p>
@@ -2521,7 +2356,7 @@
           <a:p>
             <a:fld id="{8259B2BC-73F0-45F9-8F71-442EFB94F812}" type="datetimeFigureOut">
               <a:rPr lang="es-CL" smtClean="0"/>
-              <a:t>12-05-2022</a:t>
+              <a:t>22-06-2022</a:t>
             </a:fld>
             <a:endParaRPr lang="es-CL"/>
           </a:p>
@@ -2663,7 +2498,7 @@
           <a:p>
             <a:fld id="{8259B2BC-73F0-45F9-8F71-442EFB94F812}" type="datetimeFigureOut">
               <a:rPr lang="es-CL" smtClean="0"/>
-              <a:t>12-05-2022</a:t>
+              <a:t>22-06-2022</a:t>
             </a:fld>
             <a:endParaRPr lang="es-CL"/>
           </a:p>
@@ -2776,7 +2611,7 @@
           <a:p>
             <a:fld id="{8259B2BC-73F0-45F9-8F71-442EFB94F812}" type="datetimeFigureOut">
               <a:rPr lang="es-CL" smtClean="0"/>
-              <a:t>12-05-2022</a:t>
+              <a:t>22-06-2022</a:t>
             </a:fld>
             <a:endParaRPr lang="es-CL"/>
           </a:p>
@@ -3089,7 +2924,7 @@
           <a:p>
             <a:fld id="{8259B2BC-73F0-45F9-8F71-442EFB94F812}" type="datetimeFigureOut">
               <a:rPr lang="es-CL" smtClean="0"/>
-              <a:t>12-05-2022</a:t>
+              <a:t>22-06-2022</a:t>
             </a:fld>
             <a:endParaRPr lang="es-CL"/>
           </a:p>
@@ -3378,7 +3213,7 @@
           <a:p>
             <a:fld id="{8259B2BC-73F0-45F9-8F71-442EFB94F812}" type="datetimeFigureOut">
               <a:rPr lang="es-CL" smtClean="0"/>
-              <a:t>12-05-2022</a:t>
+              <a:t>22-06-2022</a:t>
             </a:fld>
             <a:endParaRPr lang="es-CL"/>
           </a:p>
@@ -3621,7 +3456,7 @@
           <a:p>
             <a:fld id="{8259B2BC-73F0-45F9-8F71-442EFB94F812}" type="datetimeFigureOut">
               <a:rPr lang="es-CL" smtClean="0"/>
-              <a:t>12-05-2022</a:t>
+              <a:t>22-06-2022</a:t>
             </a:fld>
             <a:endParaRPr lang="es-CL"/>
           </a:p>
@@ -4780,7 +4615,7 @@
                 <a:latin typeface="Posterama" panose="020B0504020200020000" pitchFamily="34" charset="0"/>
                 <a:cs typeface="Posterama" panose="020B0504020200020000" pitchFamily="34" charset="0"/>
               </a:rPr>
-              <a:t>iroteos masivos en USA.</a:t>
+              <a:t>iroteos masivos en USA, ¿Están relacionados con la salud mental?</a:t>
             </a:r>
           </a:p>
           <a:p>
@@ -4792,36 +4627,6 @@
                 <a:schemeClr val="bg1"/>
               </a:solidFill>
               <a:effectLst/>
-              <a:latin typeface="Posterama" panose="020B0504020200020000" pitchFamily="34" charset="0"/>
-              <a:cs typeface="Posterama" panose="020B0504020200020000" pitchFamily="34" charset="0"/>
-            </a:endParaRPr>
-          </a:p>
-          <a:p>
-            <a:r>
-              <a:rPr lang="es-ES" sz="2400" dirty="0">
-                <a:solidFill>
-                  <a:schemeClr val="bg1"/>
-                </a:solidFill>
-                <a:latin typeface="Posterama" panose="020B0504020200020000" pitchFamily="34" charset="0"/>
-                <a:cs typeface="Posterama" panose="020B0504020200020000" pitchFamily="34" charset="0"/>
-              </a:rPr>
-              <a:t>¿P</a:t>
-            </a:r>
-            <a:r>
-              <a:rPr lang="es-ES" sz="2400" b="0" i="0" u="none" strike="noStrike" dirty="0">
-                <a:solidFill>
-                  <a:schemeClr val="bg1"/>
-                </a:solidFill>
-                <a:effectLst/>
-                <a:latin typeface="Posterama" panose="020B0504020200020000" pitchFamily="34" charset="0"/>
-                <a:cs typeface="Posterama" panose="020B0504020200020000" pitchFamily="34" charset="0"/>
-              </a:rPr>
-              <a:t>ueden llegar a replicarse en Chile o Sudamérica?.</a:t>
-            </a:r>
-            <a:endParaRPr lang="es-CL" sz="2400" dirty="0">
-              <a:solidFill>
-                <a:schemeClr val="bg1"/>
-              </a:solidFill>
               <a:latin typeface="Posterama" panose="020B0504020200020000" pitchFamily="34" charset="0"/>
               <a:cs typeface="Posterama" panose="020B0504020200020000" pitchFamily="34" charset="0"/>
             </a:endParaRPr>
@@ -5203,16 +5008,34 @@
           <a:lstStyle/>
           <a:p>
             <a:r>
-              <a:rPr lang="es-MX" sz="2400" b="0" i="0" u="none" strike="noStrike" dirty="0">
+              <a:rPr lang="es-MX" sz="2400" dirty="0">
                 <a:solidFill>
                   <a:schemeClr val="bg1"/>
                 </a:solidFill>
-                <a:effectLst/>
                 <a:latin typeface="Posterama" panose="020B0504020200020000" pitchFamily="34" charset="0"/>
                 <a:cs typeface="Posterama" panose="020B0504020200020000" pitchFamily="34" charset="0"/>
               </a:rPr>
-              <a:t>MANEJO DE ARMAS EN LA POBLACIÓN</a:t>
-            </a:r>
+              <a:t>Cambios del </a:t>
+            </a:r>
+            <a:r>
+              <a:rPr lang="es-MX" sz="2400" dirty="0" err="1">
+                <a:solidFill>
+                  <a:schemeClr val="bg1"/>
+                </a:solidFill>
+                <a:latin typeface="Posterama" panose="020B0504020200020000" pitchFamily="34" charset="0"/>
+                <a:cs typeface="Posterama" panose="020B0504020200020000" pitchFamily="34" charset="0"/>
+              </a:rPr>
+              <a:t>DataFrame</a:t>
+            </a:r>
+            <a:endParaRPr lang="es-MX" sz="2400" dirty="0">
+              <a:solidFill>
+                <a:schemeClr val="bg1"/>
+              </a:solidFill>
+              <a:latin typeface="Posterama" panose="020B0504020200020000" pitchFamily="34" charset="0"/>
+              <a:cs typeface="Posterama" panose="020B0504020200020000" pitchFamily="34" charset="0"/>
+            </a:endParaRPr>
+          </a:p>
+          <a:p>
             <a:r>
               <a:rPr lang="es-MX" sz="2400" b="0" i="0" dirty="0">
                 <a:solidFill>
@@ -5222,36 +5045,13 @@
                 <a:latin typeface="Posterama" panose="020B0504020200020000" pitchFamily="34" charset="0"/>
                 <a:cs typeface="Posterama" panose="020B0504020200020000" pitchFamily="34" charset="0"/>
               </a:rPr>
-              <a:t>​</a:t>
+              <a:t>Problema con las variables categóricas</a:t>
             </a:r>
           </a:p>
           <a:p>
             <a:pPr marL="0" indent="0">
               <a:buNone/>
             </a:pPr>
-            <a:endParaRPr lang="es-MX" sz="2400" b="0" i="0" dirty="0">
-              <a:solidFill>
-                <a:schemeClr val="bg1"/>
-              </a:solidFill>
-              <a:effectLst/>
-              <a:latin typeface="Posterama" panose="020B0504020200020000" pitchFamily="34" charset="0"/>
-              <a:cs typeface="Posterama" panose="020B0504020200020000" pitchFamily="34" charset="0"/>
-            </a:endParaRPr>
-          </a:p>
-          <a:p>
-            <a:r>
-              <a:rPr lang="es-ES" sz="2400" b="0" i="0" dirty="0">
-                <a:solidFill>
-                  <a:schemeClr val="bg1"/>
-                </a:solidFill>
-                <a:effectLst/>
-                <a:latin typeface="Posterama" panose="020B0504020200020000" pitchFamily="34" charset="0"/>
-                <a:cs typeface="Posterama" panose="020B0504020200020000" pitchFamily="34" charset="0"/>
-              </a:rPr>
-              <a:t>¿Es posible que estos tiroteos se agraven?</a:t>
-            </a:r>
-          </a:p>
-          <a:p>
             <a:endParaRPr lang="es-CL" sz="2000" dirty="0">
               <a:solidFill>
                 <a:schemeClr val="bg1"/>
@@ -5260,71 +5060,6 @@
           </a:p>
         </p:txBody>
       </p:sp>
-      <p:pic>
-        <p:nvPicPr>
-          <p:cNvPr id="11" name="Imagen 10">
-            <a:extLst>
-              <a:ext uri="{FF2B5EF4-FFF2-40B4-BE49-F238E27FC236}">
-                <a16:creationId xmlns:a16="http://schemas.microsoft.com/office/drawing/2014/main" id="{112476BA-EFE5-880E-7DE7-DB6A1847FF1F}"/>
-              </a:ext>
-            </a:extLst>
-          </p:cNvPr>
-          <p:cNvPicPr>
-            <a:picLocks noChangeAspect="1"/>
-          </p:cNvPicPr>
-          <p:nvPr/>
-        </p:nvPicPr>
-        <p:blipFill>
-          <a:blip r:embed="rId3">
-            <a:extLst>
-              <a:ext uri="{28A0092B-C50C-407E-A947-70E740481C1C}">
-                <a14:useLocalDpi xmlns:a14="http://schemas.microsoft.com/office/drawing/2010/main" val="0"/>
-              </a:ext>
-            </a:extLst>
-          </a:blip>
-          <a:stretch>
-            <a:fillRect/>
-          </a:stretch>
-        </p:blipFill>
-        <p:spPr>
-          <a:xfrm>
-            <a:off x="5344911" y="1237957"/>
-            <a:ext cx="6858000" cy="6858000"/>
-          </a:xfrm>
-          <a:prstGeom prst="rect">
-            <a:avLst/>
-          </a:prstGeom>
-        </p:spPr>
-      </p:pic>
-      <p:pic>
-        <p:nvPicPr>
-          <p:cNvPr id="14" name="Imagen 13">
-            <a:extLst>
-              <a:ext uri="{FF2B5EF4-FFF2-40B4-BE49-F238E27FC236}">
-                <a16:creationId xmlns:a16="http://schemas.microsoft.com/office/drawing/2014/main" id="{8B93099A-1CBC-E940-4A9A-ADCC515685CD}"/>
-              </a:ext>
-            </a:extLst>
-          </p:cNvPr>
-          <p:cNvPicPr>
-            <a:picLocks noChangeAspect="1"/>
-          </p:cNvPicPr>
-          <p:nvPr/>
-        </p:nvPicPr>
-        <p:blipFill rotWithShape="1">
-          <a:blip r:embed="rId4"/>
-          <a:srcRect l="3843" t="1" r="17833" b="504"/>
-          <a:stretch/>
-        </p:blipFill>
-        <p:spPr>
-          <a:xfrm>
-            <a:off x="6276453" y="2251672"/>
-            <a:ext cx="5008901" cy="3039262"/>
-          </a:xfrm>
-          <a:prstGeom prst="rect">
-            <a:avLst/>
-          </a:prstGeom>
-        </p:spPr>
-      </p:pic>
     </p:spTree>
     <p:extLst>
       <p:ext uri="{BB962C8B-B14F-4D97-AF65-F5344CB8AC3E}">
@@ -5365,7 +5100,7 @@
       </p:grpSpPr>
       <p:sp>
         <p:nvSpPr>
-          <p:cNvPr id="8" name="Rectangle 7">
+          <p:cNvPr id="17" name="Rectangle 16">
             <a:extLst>
               <a:ext uri="{FF2B5EF4-FFF2-40B4-BE49-F238E27FC236}">
                 <a16:creationId xmlns:a16="http://schemas.microsoft.com/office/drawing/2014/main" id="{A7AE9375-4664-4DB2-922D-2782A6E439AC}"/>
@@ -5438,7 +5173,7 @@
           <p:cNvPr id="2" name="Título 1">
             <a:extLst>
               <a:ext uri="{FF2B5EF4-FFF2-40B4-BE49-F238E27FC236}">
-                <a16:creationId xmlns:a16="http://schemas.microsoft.com/office/drawing/2014/main" id="{5CC80F46-F55D-3C15-AA6D-BC9F3F755191}"/>
+                <a16:creationId xmlns:a16="http://schemas.microsoft.com/office/drawing/2014/main" id="{F4213217-9514-DD5E-33EB-5AD7CE7B616F}"/>
               </a:ext>
             </a:extLst>
           </p:cNvPr>
@@ -5451,37 +5186,38 @@
         </p:nvSpPr>
         <p:spPr>
           <a:xfrm>
-            <a:off x="922635" y="1250575"/>
-            <a:ext cx="4604274" cy="4163210"/>
+            <a:off x="-442108" y="741615"/>
+            <a:ext cx="6107893" cy="1325563"/>
           </a:xfrm>
         </p:spPr>
         <p:txBody>
-          <a:bodyPr anchor="ctr">
+          <a:bodyPr anchor="b">
             <a:normAutofit/>
           </a:bodyPr>
           <a:lstStyle/>
           <a:p>
-            <a:r>
-              <a:rPr lang="es-ES" sz="5000" b="1" i="0" cap="all">
+            <a:pPr algn="r"/>
+            <a:r>
+              <a:rPr lang="es-ES" b="1" i="0" u="none" strike="noStrike" cap="all" dirty="0">
                 <a:solidFill>
                   <a:schemeClr val="bg1"/>
                 </a:solidFill>
                 <a:effectLst/>
                 <a:latin typeface="Posterama" panose="020B0504020200020000" pitchFamily="34" charset="0"/>
               </a:rPr>
-              <a:t>Predicción: </a:t>
-            </a:r>
-            <a:r>
-              <a:rPr lang="es-ES" sz="5000" b="0" i="0" u="none" strike="noStrike">
+              <a:t>EN QUÉ NOS BASAMOS</a:t>
+            </a:r>
+            <a:r>
+              <a:rPr lang="es-ES" b="0" i="0" dirty="0">
                 <a:solidFill>
                   <a:schemeClr val="bg1"/>
                 </a:solidFill>
                 <a:effectLst/>
                 <a:latin typeface="Posterama" panose="020B0504020200020000" pitchFamily="34" charset="0"/>
               </a:rPr>
-              <a:t>¿CHILE SEGUIRA LOS PASOS DE EE.UU. ?</a:t>
-            </a:r>
-            <a:endParaRPr lang="es-CL" sz="5000">
+              <a:t>​</a:t>
+            </a:r>
+            <a:endParaRPr lang="es-CL" dirty="0">
               <a:solidFill>
                 <a:schemeClr val="bg1"/>
               </a:solidFill>
@@ -5489,21 +5225,21 @@
           </a:p>
         </p:txBody>
       </p:sp>
-      <p:sp>
-        <p:nvSpPr>
-          <p:cNvPr id="10" name="Rectangle 9">
-            <a:extLst>
-              <a:ext uri="{FF2B5EF4-FFF2-40B4-BE49-F238E27FC236}">
-                <a16:creationId xmlns:a16="http://schemas.microsoft.com/office/drawing/2014/main" id="{C2C57604-0CFD-4023-B9BD-107166A25317}"/>
+      <p:cxnSp>
+        <p:nvCxnSpPr>
+          <p:cNvPr id="19" name="Straight Connector 18">
+            <a:extLst>
+              <a:ext uri="{FF2B5EF4-FFF2-40B4-BE49-F238E27FC236}">
+                <a16:creationId xmlns:a16="http://schemas.microsoft.com/office/drawing/2014/main" id="{EE504C98-6397-41C1-A8D8-2D9C4ED307E0}"/>
               </a:ext>
               <a:ext uri="{C183D7F6-B498-43B3-948B-1728B52AA6E4}">
                 <adec:decorative xmlns:adec="http://schemas.microsoft.com/office/drawing/2017/decorative" val="1"/>
               </a:ext>
             </a:extLst>
           </p:cNvPr>
-          <p:cNvSpPr>
-            <a:spLocks noGrp="1" noRot="1" noChangeAspect="1" noMove="1" noResize="1" noEditPoints="1" noAdjustHandles="1" noChangeArrowheads="1" noChangeShapeType="1" noTextEdit="1"/>
-          </p:cNvSpPr>
+          <p:cNvCxnSpPr>
+            <a:cxnSpLocks noGrp="1" noRot="1" noChangeAspect="1" noMove="1" noResize="1" noEditPoints="1" noAdjustHandles="1" noChangeArrowheads="1" noChangeShapeType="1"/>
+          </p:cNvCxnSpPr>
           <p:nvPr>
             <p:extLst>
               <p:ext uri="{386F3935-93C4-4BCD-93E2-E3B085C9AB24}">
@@ -5511,11 +5247,63 @@
               </p:ext>
             </p:extLst>
           </p:nvPr>
+        </p:nvCxnSpPr>
+        <p:spPr>
+          <a:xfrm flipH="1">
+            <a:off x="126210" y="2026340"/>
+            <a:ext cx="5220936" cy="0"/>
+          </a:xfrm>
+          <a:prstGeom prst="line">
+            <a:avLst/>
+          </a:prstGeom>
+          <a:ln w="12700">
+            <a:solidFill>
+              <a:schemeClr val="accent2"/>
+            </a:solidFill>
+          </a:ln>
+        </p:spPr>
+        <p:style>
+          <a:lnRef idx="1">
+            <a:schemeClr val="accent1"/>
+          </a:lnRef>
+          <a:fillRef idx="0">
+            <a:schemeClr val="accent1"/>
+          </a:fillRef>
+          <a:effectRef idx="0">
+            <a:schemeClr val="accent1"/>
+          </a:effectRef>
+          <a:fontRef idx="minor">
+            <a:schemeClr val="tx1"/>
+          </a:fontRef>
+        </p:style>
+      </p:cxnSp>
+      <p:sp>
+        <p:nvSpPr>
+          <p:cNvPr id="21" name="Rectangle 20">
+            <a:extLst>
+              <a:ext uri="{FF2B5EF4-FFF2-40B4-BE49-F238E27FC236}">
+                <a16:creationId xmlns:a16="http://schemas.microsoft.com/office/drawing/2014/main" id="{9DD005C1-8C51-42D6-9BEE-B9B83849743D}"/>
+              </a:ext>
+              <a:ext uri="{C183D7F6-B498-43B3-948B-1728B52AA6E4}">
+                <adec:decorative xmlns:adec="http://schemas.microsoft.com/office/drawing/2017/decorative" val="1"/>
+              </a:ext>
+            </a:extLst>
+          </p:cNvPr>
+          <p:cNvSpPr>
+            <a:spLocks noGrp="1" noRot="1" noChangeAspect="1" noMove="1" noResize="1" noEditPoints="1" noAdjustHandles="1" noChangeArrowheads="1" noChangeShapeType="1" noTextEdit="1"/>
+          </p:cNvSpPr>
+          <p:nvPr>
+            <p:extLst>
+              <p:ext uri="{386F3935-93C4-4BCD-93E2-E3B085C9AB24}">
+                <p16:designElem xmlns:p16="http://schemas.microsoft.com/office/powerpoint/2015/main" val="1"/>
+              </p:ext>
+            </p:extLst>
+          </p:nvPr>
         </p:nvSpPr>
         <p:spPr>
           <a:xfrm>
-            <a:off x="726476" y="1100949"/>
-            <a:ext cx="4996593" cy="4462463"/>
+            <a:off x="126206" y="115193"/>
+            <a:ext cx="11939588" cy="6627614"/>
           </a:xfrm>
           <a:prstGeom prst="rect">
             <a:avLst/>
@@ -5554,10 +5342,10 @@
       </p:sp>
       <p:pic>
         <p:nvPicPr>
-          <p:cNvPr id="6" name="Imagen 5">
-            <a:extLst>
-              <a:ext uri="{FF2B5EF4-FFF2-40B4-BE49-F238E27FC236}">
-                <a16:creationId xmlns:a16="http://schemas.microsoft.com/office/drawing/2014/main" id="{163522D7-EB42-F48B-659E-A074F28F7A04}"/>
+          <p:cNvPr id="29" name="Imagen 28">
+            <a:extLst>
+              <a:ext uri="{FF2B5EF4-FFF2-40B4-BE49-F238E27FC236}">
+                <a16:creationId xmlns:a16="http://schemas.microsoft.com/office/drawing/2014/main" id="{112D823D-1A2C-00F1-35E4-ECBBDBAB4B90}"/>
               </a:ext>
             </a:extLst>
           </p:cNvPr>
@@ -5568,7 +5356,7 @@
         </p:nvPicPr>
         <p:blipFill>
           <a:blip r:embed="rId2">
-            <a:alphaModFix amt="27000"/>
+            <a:alphaModFix amt="20000"/>
             <a:extLst>
               <a:ext uri="{28A0092B-C50C-407E-A947-70E740481C1C}">
                 <a14:useLocalDpi xmlns:a14="http://schemas.microsoft.com/office/drawing/2010/main" val="0"/>
@@ -5581,8 +5369,248 @@
         </p:blipFill>
         <p:spPr>
           <a:xfrm>
-            <a:off x="5919228" y="-404844"/>
-            <a:ext cx="6554466" cy="8508842"/>
+            <a:off x="194067" y="793393"/>
+            <a:ext cx="1659542" cy="1329814"/>
+          </a:xfrm>
+          <a:prstGeom prst="rect">
+            <a:avLst/>
+          </a:prstGeom>
+        </p:spPr>
+      </p:pic>
+      <p:sp>
+        <p:nvSpPr>
+          <p:cNvPr id="2050" name="Rectángulo 2049">
+            <a:extLst>
+              <a:ext uri="{FF2B5EF4-FFF2-40B4-BE49-F238E27FC236}">
+                <a16:creationId xmlns:a16="http://schemas.microsoft.com/office/drawing/2014/main" id="{E1F67AAA-DE54-162E-BF65-ADB0C3D49978}"/>
+              </a:ext>
+            </a:extLst>
+          </p:cNvPr>
+          <p:cNvSpPr/>
+          <p:nvPr/>
+        </p:nvSpPr>
+        <p:spPr>
+          <a:xfrm>
+            <a:off x="1853609" y="3118924"/>
+            <a:ext cx="2993581" cy="1883748"/>
+          </a:xfrm>
+          <a:prstGeom prst="rect">
+            <a:avLst/>
+          </a:prstGeom>
+          <a:solidFill>
+            <a:schemeClr val="tx1"/>
+          </a:solidFill>
+          <a:ln/>
+          <a:effectLst>
+            <a:glow>
+              <a:schemeClr val="tx1"/>
+            </a:glow>
+            <a:softEdge rad="0"/>
+          </a:effectLst>
+        </p:spPr>
+        <p:style>
+          <a:lnRef idx="2">
+            <a:schemeClr val="accent2"/>
+          </a:lnRef>
+          <a:fillRef idx="1">
+            <a:schemeClr val="lt1"/>
+          </a:fillRef>
+          <a:effectRef idx="0">
+            <a:schemeClr val="accent2"/>
+          </a:effectRef>
+          <a:fontRef idx="minor">
+            <a:schemeClr val="dk1"/>
+          </a:fontRef>
+        </p:style>
+        <p:txBody>
+          <a:bodyPr rtlCol="0" anchor="ctr"/>
+          <a:lstStyle/>
+          <a:p>
+            <a:pPr algn="ctr"/>
+            <a:endParaRPr lang="es-MX" sz="2400" dirty="0">
+              <a:solidFill>
+                <a:schemeClr val="bg1"/>
+              </a:solidFill>
+              <a:latin typeface="Posterama" panose="020B0504020200020000" pitchFamily="34" charset="0"/>
+              <a:cs typeface="Posterama" panose="020B0504020200020000" pitchFamily="34" charset="0"/>
+            </a:endParaRPr>
+          </a:p>
+          <a:p>
+            <a:pPr algn="ctr"/>
+            <a:r>
+              <a:rPr lang="es-MX" sz="2400" dirty="0" err="1">
+                <a:solidFill>
+                  <a:schemeClr val="bg1"/>
+                </a:solidFill>
+                <a:latin typeface="Posterama" panose="020B0504020200020000" pitchFamily="34" charset="0"/>
+                <a:cs typeface="Posterama" panose="020B0504020200020000" pitchFamily="34" charset="0"/>
+              </a:rPr>
+              <a:t>DataSet</a:t>
+            </a:r>
+            <a:r>
+              <a:rPr lang="es-MX" sz="2400" dirty="0">
+                <a:solidFill>
+                  <a:schemeClr val="bg1"/>
+                </a:solidFill>
+                <a:latin typeface="Posterama" panose="020B0504020200020000" pitchFamily="34" charset="0"/>
+                <a:cs typeface="Posterama" panose="020B0504020200020000" pitchFamily="34" charset="0"/>
+              </a:rPr>
+              <a:t> de tiroteos en Estados </a:t>
+            </a:r>
+          </a:p>
+          <a:p>
+            <a:pPr algn="ctr"/>
+            <a:r>
+              <a:rPr lang="es-MX" sz="2400" dirty="0">
+                <a:solidFill>
+                  <a:schemeClr val="bg1"/>
+                </a:solidFill>
+                <a:latin typeface="Posterama" panose="020B0504020200020000" pitchFamily="34" charset="0"/>
+                <a:cs typeface="Posterama" panose="020B0504020200020000" pitchFamily="34" charset="0"/>
+              </a:rPr>
+              <a:t>Unidos</a:t>
+            </a:r>
+          </a:p>
+          <a:p>
+            <a:pPr algn="ctr"/>
+            <a:endParaRPr lang="es-CL" dirty="0"/>
+          </a:p>
+        </p:txBody>
+      </p:sp>
+      <p:pic>
+        <p:nvPicPr>
+          <p:cNvPr id="39" name="Imagen 38">
+            <a:extLst>
+              <a:ext uri="{FF2B5EF4-FFF2-40B4-BE49-F238E27FC236}">
+                <a16:creationId xmlns:a16="http://schemas.microsoft.com/office/drawing/2014/main" id="{50C89E15-7D71-8145-08AD-E55675DBAF3C}"/>
+              </a:ext>
+            </a:extLst>
+          </p:cNvPr>
+          <p:cNvPicPr>
+            <a:picLocks noChangeAspect="1"/>
+          </p:cNvPicPr>
+          <p:nvPr/>
+        </p:nvPicPr>
+        <p:blipFill>
+          <a:blip r:embed="rId3">
+            <a:alphaModFix/>
+            <a:extLst>
+              <a:ext uri="{28A0092B-C50C-407E-A947-70E740481C1C}">
+                <a14:useLocalDpi xmlns:a14="http://schemas.microsoft.com/office/drawing/2010/main" val="0"/>
+              </a:ext>
+            </a:extLst>
+          </a:blip>
+          <a:stretch>
+            <a:fillRect/>
+          </a:stretch>
+        </p:blipFill>
+        <p:spPr>
+          <a:xfrm>
+            <a:off x="1207752" y="4749635"/>
+            <a:ext cx="2468361" cy="1123104"/>
+          </a:xfrm>
+          <a:prstGeom prst="rect">
+            <a:avLst/>
+          </a:prstGeom>
+        </p:spPr>
+      </p:pic>
+      <p:sp>
+        <p:nvSpPr>
+          <p:cNvPr id="40" name="Rectángulo 39">
+            <a:extLst>
+              <a:ext uri="{FF2B5EF4-FFF2-40B4-BE49-F238E27FC236}">
+                <a16:creationId xmlns:a16="http://schemas.microsoft.com/office/drawing/2014/main" id="{D753DD59-708C-D066-6F6A-14BBD42177C4}"/>
+              </a:ext>
+            </a:extLst>
+          </p:cNvPr>
+          <p:cNvSpPr/>
+          <p:nvPr/>
+        </p:nvSpPr>
+        <p:spPr>
+          <a:xfrm>
+            <a:off x="7045621" y="3118924"/>
+            <a:ext cx="2993581" cy="1883748"/>
+          </a:xfrm>
+          <a:prstGeom prst="rect">
+            <a:avLst/>
+          </a:prstGeom>
+          <a:solidFill>
+            <a:schemeClr val="tx1"/>
+          </a:solidFill>
+          <a:ln/>
+          <a:effectLst>
+            <a:glow>
+              <a:schemeClr val="accent1"/>
+            </a:glow>
+            <a:softEdge rad="0"/>
+          </a:effectLst>
+        </p:spPr>
+        <p:style>
+          <a:lnRef idx="2">
+            <a:schemeClr val="accent2"/>
+          </a:lnRef>
+          <a:fillRef idx="1">
+            <a:schemeClr val="lt1"/>
+          </a:fillRef>
+          <a:effectRef idx="0">
+            <a:schemeClr val="accent2"/>
+          </a:effectRef>
+          <a:fontRef idx="minor">
+            <a:schemeClr val="dk1"/>
+          </a:fontRef>
+        </p:style>
+        <p:txBody>
+          <a:bodyPr rtlCol="0" anchor="ctr"/>
+          <a:lstStyle/>
+          <a:p>
+            <a:pPr algn="ctr"/>
+            <a:r>
+              <a:rPr lang="es-MX" sz="2400" dirty="0">
+                <a:solidFill>
+                  <a:schemeClr val="bg1"/>
+                </a:solidFill>
+                <a:latin typeface="Posterama" panose="020B0504020200020000" pitchFamily="34" charset="0"/>
+                <a:cs typeface="Posterama" panose="020B0504020200020000" pitchFamily="34" charset="0"/>
+              </a:rPr>
+              <a:t>Datos de la salud mental en Estados Unidos</a:t>
+            </a:r>
+          </a:p>
+          <a:p>
+            <a:pPr algn="ctr"/>
+            <a:endParaRPr lang="es-CL" dirty="0"/>
+          </a:p>
+        </p:txBody>
+      </p:sp>
+      <p:pic>
+        <p:nvPicPr>
+          <p:cNvPr id="23" name="Imagen 22">
+            <a:extLst>
+              <a:ext uri="{FF2B5EF4-FFF2-40B4-BE49-F238E27FC236}">
+                <a16:creationId xmlns:a16="http://schemas.microsoft.com/office/drawing/2014/main" id="{43E71E85-AB59-6742-75DD-B36C76C79677}"/>
+              </a:ext>
+            </a:extLst>
+          </p:cNvPr>
+          <p:cNvPicPr>
+            <a:picLocks noChangeAspect="1"/>
+          </p:cNvPicPr>
+          <p:nvPr/>
+        </p:nvPicPr>
+        <p:blipFill>
+          <a:blip r:embed="rId4">
+            <a:extLst>
+              <a:ext uri="{28A0092B-C50C-407E-A947-70E740481C1C}">
+                <a14:useLocalDpi xmlns:a14="http://schemas.microsoft.com/office/drawing/2010/main" val="0"/>
+              </a:ext>
+            </a:extLst>
+          </a:blip>
+          <a:stretch>
+            <a:fillRect/>
+          </a:stretch>
+        </p:blipFill>
+        <p:spPr>
+          <a:xfrm flipH="1">
+            <a:off x="9214130" y="2525704"/>
+            <a:ext cx="1792060" cy="1120038"/>
           </a:xfrm>
           <a:prstGeom prst="rect">
             <a:avLst/>
@@ -5592,7 +5620,7 @@
     </p:spTree>
     <p:extLst>
       <p:ext uri="{BB962C8B-B14F-4D97-AF65-F5344CB8AC3E}">
-        <p14:creationId xmlns:p14="http://schemas.microsoft.com/office/powerpoint/2010/main" val="3134851809"/>
+        <p14:creationId xmlns:p14="http://schemas.microsoft.com/office/powerpoint/2010/main" val="370953270"/>
       </p:ext>
     </p:extLst>
   </p:cSld>
@@ -5632,7 +5660,7 @@
           <p:cNvPr id="8" name="Rectangle 7">
             <a:extLst>
               <a:ext uri="{FF2B5EF4-FFF2-40B4-BE49-F238E27FC236}">
-                <a16:creationId xmlns:a16="http://schemas.microsoft.com/office/drawing/2014/main" id="{FB5B0058-AF13-4859-B429-4EDDE2A26F7F}"/>
+                <a16:creationId xmlns:a16="http://schemas.microsoft.com/office/drawing/2014/main" id="{E8A8EAB8-D2FF-444D-B34B-7D32F106AD0E}"/>
               </a:ext>
               <a:ext uri="{C183D7F6-B498-43B3-948B-1728B52AA6E4}">
                 <adec:decorative xmlns:adec="http://schemas.microsoft.com/office/drawing/2017/decorative" val="1"/>
@@ -5691,9 +5719,63 @@
             <a:pPr algn="ctr"/>
             <a:endParaRPr lang="en-US" dirty="0">
               <a:solidFill>
-                <a:schemeClr val="bg1">
-                  <a:lumMod val="50000"/>
-                </a:schemeClr>
+                <a:schemeClr val="bg1"/>
+              </a:solidFill>
+            </a:endParaRPr>
+          </a:p>
+        </p:txBody>
+      </p:sp>
+      <p:sp>
+        <p:nvSpPr>
+          <p:cNvPr id="2" name="Título 1">
+            <a:extLst>
+              <a:ext uri="{FF2B5EF4-FFF2-40B4-BE49-F238E27FC236}">
+                <a16:creationId xmlns:a16="http://schemas.microsoft.com/office/drawing/2014/main" id="{AACA2F14-E065-70B0-AB14-606E4FF8662C}"/>
+              </a:ext>
+            </a:extLst>
+          </p:cNvPr>
+          <p:cNvSpPr>
+            <a:spLocks noGrp="1"/>
+          </p:cNvSpPr>
+          <p:nvPr>
+            <p:ph type="title"/>
+          </p:nvPr>
+        </p:nvSpPr>
+        <p:spPr>
+          <a:xfrm>
+            <a:off x="1543724" y="2059083"/>
+            <a:ext cx="4552276" cy="2354655"/>
+          </a:xfrm>
+        </p:spPr>
+        <p:txBody>
+          <a:bodyPr anchor="ctr">
+            <a:normAutofit/>
+          </a:bodyPr>
+          <a:lstStyle/>
+          <a:p>
+            <a:r>
+              <a:rPr lang="es-ES" b="1" i="0" cap="all" dirty="0" err="1">
+                <a:solidFill>
+                  <a:schemeClr val="bg1"/>
+                </a:solidFill>
+                <a:effectLst/>
+                <a:latin typeface="Posterama" panose="020B0504020200020000" pitchFamily="34" charset="0"/>
+              </a:rPr>
+              <a:t>Jupyter</a:t>
+            </a:r>
+            <a:r>
+              <a:rPr lang="es-ES" b="1" i="0" cap="all" dirty="0">
+                <a:solidFill>
+                  <a:schemeClr val="bg1"/>
+                </a:solidFill>
+                <a:effectLst/>
+                <a:latin typeface="Posterama" panose="020B0504020200020000" pitchFamily="34" charset="0"/>
+              </a:rPr>
+              <a:t> Notebook</a:t>
+            </a:r>
+            <a:endParaRPr lang="es-CL" dirty="0">
+              <a:solidFill>
+                <a:schemeClr val="bg1"/>
               </a:solidFill>
             </a:endParaRPr>
           </a:p>
@@ -5704,7 +5786,7 @@
           <p:cNvPr id="10" name="Straight Connector 9">
             <a:extLst>
               <a:ext uri="{FF2B5EF4-FFF2-40B4-BE49-F238E27FC236}">
-                <a16:creationId xmlns:a16="http://schemas.microsoft.com/office/drawing/2014/main" id="{EC4521DE-248E-440D-AAD6-FD9E7D34B3BF}"/>
+                <a16:creationId xmlns:a16="http://schemas.microsoft.com/office/drawing/2014/main" id="{067633D1-6EE6-4118-B9F0-B363477BEE7A}"/>
               </a:ext>
               <a:ext uri="{C183D7F6-B498-43B3-948B-1728B52AA6E4}">
                 <adec:decorative xmlns:adec="http://schemas.microsoft.com/office/drawing/2017/decorative" val="1"/>
@@ -5723,9 +5805,9 @@
           </p:nvPr>
         </p:nvCxnSpPr>
         <p:spPr>
-          <a:xfrm>
-            <a:off x="585285" y="0"/>
-            <a:ext cx="0" cy="6858000"/>
+          <a:xfrm flipH="1">
+            <a:off x="1014141" y="1450655"/>
+            <a:ext cx="3932030" cy="0"/>
           </a:xfrm>
           <a:prstGeom prst="line">
             <a:avLst/>
@@ -5756,7 +5838,7 @@
           <p:cNvPr id="12" name="Straight Connector 11">
             <a:extLst>
               <a:ext uri="{FF2B5EF4-FFF2-40B4-BE49-F238E27FC236}">
-                <a16:creationId xmlns:a16="http://schemas.microsoft.com/office/drawing/2014/main" id="{442C13FA-4C0F-42D0-9626-5BA6040D8C31}"/>
+                <a16:creationId xmlns:a16="http://schemas.microsoft.com/office/drawing/2014/main" id="{4AD7FFC6-42A9-49CB-B5E9-B3F6B038331B}"/>
               </a:ext>
               <a:ext uri="{C183D7F6-B498-43B3-948B-1728B52AA6E4}">
                 <adec:decorative xmlns:adec="http://schemas.microsoft.com/office/drawing/2017/decorative" val="1"/>
@@ -5776,8 +5858,8 @@
         </p:nvCxnSpPr>
         <p:spPr>
           <a:xfrm flipH="1">
-            <a:off x="0" y="6252485"/>
-            <a:ext cx="12192000" cy="0"/>
+            <a:off x="1014141" y="5408571"/>
+            <a:ext cx="3932030" cy="0"/>
           </a:xfrm>
           <a:prstGeom prst="line">
             <a:avLst/>
@@ -5803,122 +5885,10 @@
           </a:fontRef>
         </p:style>
       </p:cxnSp>
-      <p:pic>
-        <p:nvPicPr>
-          <p:cNvPr id="9" name="Imagen 8">
-            <a:extLst>
-              <a:ext uri="{FF2B5EF4-FFF2-40B4-BE49-F238E27FC236}">
-                <a16:creationId xmlns:a16="http://schemas.microsoft.com/office/drawing/2014/main" id="{A9809DCD-22A3-CEB6-5CAA-6EED476E3D4B}"/>
-              </a:ext>
-            </a:extLst>
-          </p:cNvPr>
-          <p:cNvPicPr>
-            <a:picLocks noChangeAspect="1"/>
-          </p:cNvPicPr>
-          <p:nvPr/>
-        </p:nvPicPr>
-        <p:blipFill>
-          <a:blip r:embed="rId2"/>
-          <a:stretch>
-            <a:fillRect/>
-          </a:stretch>
-        </p:blipFill>
-        <p:spPr>
-          <a:xfrm>
-            <a:off x="6620758" y="1703213"/>
-            <a:ext cx="5372100" cy="3451574"/>
-          </a:xfrm>
-          <a:prstGeom prst="rect">
-            <a:avLst/>
-          </a:prstGeom>
-        </p:spPr>
-      </p:pic>
-      <p:pic>
-        <p:nvPicPr>
-          <p:cNvPr id="11" name="Picture 14">
-            <a:extLst>
-              <a:ext uri="{FF2B5EF4-FFF2-40B4-BE49-F238E27FC236}">
-                <a16:creationId xmlns:a16="http://schemas.microsoft.com/office/drawing/2014/main" id="{881E3E8C-C144-6774-E2A1-56DF72416EC4}"/>
-              </a:ext>
-            </a:extLst>
-          </p:cNvPr>
-          <p:cNvPicPr>
-            <a:picLocks noChangeAspect="1" noChangeArrowheads="1"/>
-          </p:cNvPicPr>
-          <p:nvPr/>
-        </p:nvPicPr>
-        <p:blipFill>
-          <a:blip r:embed="rId3">
-            <a:extLst>
-              <a:ext uri="{28A0092B-C50C-407E-A947-70E740481C1C}">
-                <a14:useLocalDpi xmlns:a14="http://schemas.microsoft.com/office/drawing/2010/main" val="0"/>
-              </a:ext>
-            </a:extLst>
-          </a:blip>
-          <a:stretch>
-            <a:fillRect/>
-          </a:stretch>
-        </p:blipFill>
-        <p:spPr bwMode="auto">
-          <a:xfrm>
-            <a:off x="1165681" y="439184"/>
-            <a:ext cx="4874682" cy="5571066"/>
-          </a:xfrm>
-          <a:prstGeom prst="rect">
-            <a:avLst/>
-          </a:prstGeom>
-          <a:noFill/>
-          <a:extLst>
-            <a:ext uri="{909E8E84-426E-40DD-AFC4-6F175D3DCCD1}">
-              <a14:hiddenFill xmlns:a14="http://schemas.microsoft.com/office/drawing/2010/main">
-                <a:solidFill>
-                  <a:srgbClr val="FFFFFF"/>
-                </a:solidFill>
-              </a14:hiddenFill>
-            </a:ext>
-          </a:extLst>
-        </p:spPr>
-      </p:pic>
-      <p:pic>
-        <p:nvPicPr>
-          <p:cNvPr id="7" name="Imagen 6">
-            <a:extLst>
-              <a:ext uri="{FF2B5EF4-FFF2-40B4-BE49-F238E27FC236}">
-                <a16:creationId xmlns:a16="http://schemas.microsoft.com/office/drawing/2014/main" id="{50B41756-4313-6797-3DCD-1A597EB2FEB8}"/>
-              </a:ext>
-            </a:extLst>
-          </p:cNvPr>
-          <p:cNvPicPr>
-            <a:picLocks noChangeAspect="1"/>
-          </p:cNvPicPr>
-          <p:nvPr/>
-        </p:nvPicPr>
-        <p:blipFill>
-          <a:blip r:embed="rId4">
-            <a:extLst>
-              <a:ext uri="{28A0092B-C50C-407E-A947-70E740481C1C}">
-                <a14:useLocalDpi xmlns:a14="http://schemas.microsoft.com/office/drawing/2010/main" val="0"/>
-              </a:ext>
-            </a:extLst>
-          </a:blip>
-          <a:stretch>
-            <a:fillRect/>
-          </a:stretch>
-        </p:blipFill>
-        <p:spPr>
-          <a:xfrm>
-            <a:off x="8640327" y="2555652"/>
-            <a:ext cx="1541591" cy="1541591"/>
-          </a:xfrm>
-          <a:prstGeom prst="rect">
-            <a:avLst/>
-          </a:prstGeom>
-        </p:spPr>
-      </p:pic>
     </p:spTree>
     <p:extLst>
       <p:ext uri="{BB962C8B-B14F-4D97-AF65-F5344CB8AC3E}">
-        <p14:creationId xmlns:p14="http://schemas.microsoft.com/office/powerpoint/2010/main" val="1747008654"/>
+        <p14:creationId xmlns:p14="http://schemas.microsoft.com/office/powerpoint/2010/main" val="4082745117"/>
       </p:ext>
     </p:extLst>
   </p:cSld>
@@ -5929,676 +5899,6 @@
 </file>
 
 <file path=ppt/slides/slide6.xml><?xml version="1.0" encoding="utf-8"?>
-<p:sld xmlns:a="http://schemas.openxmlformats.org/drawingml/2006/main" xmlns:r="http://schemas.openxmlformats.org/officeDocument/2006/relationships" xmlns:p="http://schemas.openxmlformats.org/presentationml/2006/main">
-  <p:cSld>
-    <p:bg>
-      <p:bgPr>
-        <a:solidFill>
-          <a:schemeClr val="bg1"/>
-        </a:solidFill>
-        <a:effectLst/>
-      </p:bgPr>
-    </p:bg>
-    <p:spTree>
-      <p:nvGrpSpPr>
-        <p:cNvPr id="1" name=""/>
-        <p:cNvGrpSpPr/>
-        <p:nvPr/>
-      </p:nvGrpSpPr>
-      <p:grpSpPr>
-        <a:xfrm>
-          <a:off x="0" y="0"/>
-          <a:ext cx="0" cy="0"/>
-          <a:chOff x="0" y="0"/>
-          <a:chExt cx="0" cy="0"/>
-        </a:xfrm>
-      </p:grpSpPr>
-      <p:sp>
-        <p:nvSpPr>
-          <p:cNvPr id="17" name="Rectangle 16">
-            <a:extLst>
-              <a:ext uri="{FF2B5EF4-FFF2-40B4-BE49-F238E27FC236}">
-                <a16:creationId xmlns:a16="http://schemas.microsoft.com/office/drawing/2014/main" id="{A7AE9375-4664-4DB2-922D-2782A6E439AC}"/>
-              </a:ext>
-              <a:ext uri="{C183D7F6-B498-43B3-948B-1728B52AA6E4}">
-                <adec:decorative xmlns:adec="http://schemas.microsoft.com/office/drawing/2017/decorative" val="1"/>
-              </a:ext>
-            </a:extLst>
-          </p:cNvPr>
-          <p:cNvSpPr>
-            <a:spLocks noGrp="1" noRot="1" noChangeAspect="1" noMove="1" noResize="1" noEditPoints="1" noAdjustHandles="1" noChangeArrowheads="1" noChangeShapeType="1" noTextEdit="1"/>
-          </p:cNvSpPr>
-          <p:nvPr>
-            <p:extLst>
-              <p:ext uri="{386F3935-93C4-4BCD-93E2-E3B085C9AB24}">
-                <p16:designElem xmlns:p16="http://schemas.microsoft.com/office/powerpoint/2015/main" val="1"/>
-              </p:ext>
-            </p:extLst>
-          </p:nvPr>
-        </p:nvSpPr>
-        <p:spPr>
-          <a:xfrm>
-            <a:off x="0" y="0"/>
-            <a:ext cx="12192000" cy="6858000"/>
-          </a:xfrm>
-          <a:prstGeom prst="rect">
-            <a:avLst/>
-          </a:prstGeom>
-          <a:solidFill>
-            <a:schemeClr val="tx1">
-              <a:lumMod val="95000"/>
-              <a:lumOff val="5000"/>
-            </a:schemeClr>
-          </a:solidFill>
-          <a:ln>
-            <a:noFill/>
-          </a:ln>
-        </p:spPr>
-        <p:style>
-          <a:lnRef idx="2">
-            <a:schemeClr val="accent1">
-              <a:shade val="50000"/>
-            </a:schemeClr>
-          </a:lnRef>
-          <a:fillRef idx="1">
-            <a:schemeClr val="accent1"/>
-          </a:fillRef>
-          <a:effectRef idx="0">
-            <a:schemeClr val="accent1"/>
-          </a:effectRef>
-          <a:fontRef idx="minor">
-            <a:schemeClr val="lt1"/>
-          </a:fontRef>
-        </p:style>
-        <p:txBody>
-          <a:bodyPr rtlCol="0" anchor="ctr"/>
-          <a:lstStyle/>
-          <a:p>
-            <a:pPr algn="ctr"/>
-            <a:endParaRPr lang="en-US" dirty="0">
-              <a:solidFill>
-                <a:schemeClr val="tx1"/>
-              </a:solidFill>
-            </a:endParaRPr>
-          </a:p>
-        </p:txBody>
-      </p:sp>
-      <p:sp>
-        <p:nvSpPr>
-          <p:cNvPr id="2" name="Título 1">
-            <a:extLst>
-              <a:ext uri="{FF2B5EF4-FFF2-40B4-BE49-F238E27FC236}">
-                <a16:creationId xmlns:a16="http://schemas.microsoft.com/office/drawing/2014/main" id="{F4213217-9514-DD5E-33EB-5AD7CE7B616F}"/>
-              </a:ext>
-            </a:extLst>
-          </p:cNvPr>
-          <p:cNvSpPr>
-            <a:spLocks noGrp="1"/>
-          </p:cNvSpPr>
-          <p:nvPr>
-            <p:ph type="title"/>
-          </p:nvPr>
-        </p:nvSpPr>
-        <p:spPr>
-          <a:xfrm>
-            <a:off x="-442108" y="741615"/>
-            <a:ext cx="6107893" cy="1325563"/>
-          </a:xfrm>
-        </p:spPr>
-        <p:txBody>
-          <a:bodyPr anchor="b">
-            <a:normAutofit/>
-          </a:bodyPr>
-          <a:lstStyle/>
-          <a:p>
-            <a:pPr algn="r"/>
-            <a:r>
-              <a:rPr lang="es-ES" b="1" i="0" u="none" strike="noStrike" cap="all" dirty="0">
-                <a:solidFill>
-                  <a:schemeClr val="bg1"/>
-                </a:solidFill>
-                <a:effectLst/>
-                <a:latin typeface="Posterama" panose="020B0504020200020000" pitchFamily="34" charset="0"/>
-              </a:rPr>
-              <a:t>EN QUÉ NOS BASAMOS</a:t>
-            </a:r>
-            <a:r>
-              <a:rPr lang="es-ES" b="0" i="0" dirty="0">
-                <a:solidFill>
-                  <a:schemeClr val="bg1"/>
-                </a:solidFill>
-                <a:effectLst/>
-                <a:latin typeface="Posterama" panose="020B0504020200020000" pitchFamily="34" charset="0"/>
-              </a:rPr>
-              <a:t>​</a:t>
-            </a:r>
-            <a:endParaRPr lang="es-CL" dirty="0">
-              <a:solidFill>
-                <a:schemeClr val="bg1"/>
-              </a:solidFill>
-            </a:endParaRPr>
-          </a:p>
-        </p:txBody>
-      </p:sp>
-      <p:cxnSp>
-        <p:nvCxnSpPr>
-          <p:cNvPr id="19" name="Straight Connector 18">
-            <a:extLst>
-              <a:ext uri="{FF2B5EF4-FFF2-40B4-BE49-F238E27FC236}">
-                <a16:creationId xmlns:a16="http://schemas.microsoft.com/office/drawing/2014/main" id="{EE504C98-6397-41C1-A8D8-2D9C4ED307E0}"/>
-              </a:ext>
-              <a:ext uri="{C183D7F6-B498-43B3-948B-1728B52AA6E4}">
-                <adec:decorative xmlns:adec="http://schemas.microsoft.com/office/drawing/2017/decorative" val="1"/>
-              </a:ext>
-            </a:extLst>
-          </p:cNvPr>
-          <p:cNvCxnSpPr>
-            <a:cxnSpLocks noGrp="1" noRot="1" noChangeAspect="1" noMove="1" noResize="1" noEditPoints="1" noAdjustHandles="1" noChangeArrowheads="1" noChangeShapeType="1"/>
-          </p:cNvCxnSpPr>
-          <p:nvPr>
-            <p:extLst>
-              <p:ext uri="{386F3935-93C4-4BCD-93E2-E3B085C9AB24}">
-                <p16:designElem xmlns:p16="http://schemas.microsoft.com/office/powerpoint/2015/main" val="1"/>
-              </p:ext>
-            </p:extLst>
-          </p:nvPr>
-        </p:nvCxnSpPr>
-        <p:spPr>
-          <a:xfrm flipH="1">
-            <a:off x="126210" y="2026340"/>
-            <a:ext cx="5220936" cy="0"/>
-          </a:xfrm>
-          <a:prstGeom prst="line">
-            <a:avLst/>
-          </a:prstGeom>
-          <a:ln w="12700">
-            <a:solidFill>
-              <a:schemeClr val="accent2"/>
-            </a:solidFill>
-          </a:ln>
-        </p:spPr>
-        <p:style>
-          <a:lnRef idx="1">
-            <a:schemeClr val="accent1"/>
-          </a:lnRef>
-          <a:fillRef idx="0">
-            <a:schemeClr val="accent1"/>
-          </a:fillRef>
-          <a:effectRef idx="0">
-            <a:schemeClr val="accent1"/>
-          </a:effectRef>
-          <a:fontRef idx="minor">
-            <a:schemeClr val="tx1"/>
-          </a:fontRef>
-        </p:style>
-      </p:cxnSp>
-      <p:sp>
-        <p:nvSpPr>
-          <p:cNvPr id="21" name="Rectangle 20">
-            <a:extLst>
-              <a:ext uri="{FF2B5EF4-FFF2-40B4-BE49-F238E27FC236}">
-                <a16:creationId xmlns:a16="http://schemas.microsoft.com/office/drawing/2014/main" id="{9DD005C1-8C51-42D6-9BEE-B9B83849743D}"/>
-              </a:ext>
-              <a:ext uri="{C183D7F6-B498-43B3-948B-1728B52AA6E4}">
-                <adec:decorative xmlns:adec="http://schemas.microsoft.com/office/drawing/2017/decorative" val="1"/>
-              </a:ext>
-            </a:extLst>
-          </p:cNvPr>
-          <p:cNvSpPr>
-            <a:spLocks noGrp="1" noRot="1" noChangeAspect="1" noMove="1" noResize="1" noEditPoints="1" noAdjustHandles="1" noChangeArrowheads="1" noChangeShapeType="1" noTextEdit="1"/>
-          </p:cNvSpPr>
-          <p:nvPr>
-            <p:extLst>
-              <p:ext uri="{386F3935-93C4-4BCD-93E2-E3B085C9AB24}">
-                <p16:designElem xmlns:p16="http://schemas.microsoft.com/office/powerpoint/2015/main" val="1"/>
-              </p:ext>
-            </p:extLst>
-          </p:nvPr>
-        </p:nvSpPr>
-        <p:spPr>
-          <a:xfrm>
-            <a:off x="126206" y="115193"/>
-            <a:ext cx="11939588" cy="6627614"/>
-          </a:xfrm>
-          <a:prstGeom prst="rect">
-            <a:avLst/>
-          </a:prstGeom>
-          <a:noFill/>
-          <a:ln w="12700">
-            <a:solidFill>
-              <a:schemeClr val="accent2"/>
-            </a:solidFill>
-          </a:ln>
-        </p:spPr>
-        <p:style>
-          <a:lnRef idx="2">
-            <a:schemeClr val="accent1">
-              <a:shade val="50000"/>
-            </a:schemeClr>
-          </a:lnRef>
-          <a:fillRef idx="1">
-            <a:schemeClr val="accent1"/>
-          </a:fillRef>
-          <a:effectRef idx="0">
-            <a:schemeClr val="accent1"/>
-          </a:effectRef>
-          <a:fontRef idx="minor">
-            <a:schemeClr val="lt1"/>
-          </a:fontRef>
-        </p:style>
-        <p:txBody>
-          <a:bodyPr rtlCol="0" anchor="ctr"/>
-          <a:lstStyle/>
-          <a:p>
-            <a:pPr algn="ctr"/>
-            <a:endParaRPr lang="en-US"/>
-          </a:p>
-        </p:txBody>
-      </p:sp>
-      <p:pic>
-        <p:nvPicPr>
-          <p:cNvPr id="29" name="Imagen 28">
-            <a:extLst>
-              <a:ext uri="{FF2B5EF4-FFF2-40B4-BE49-F238E27FC236}">
-                <a16:creationId xmlns:a16="http://schemas.microsoft.com/office/drawing/2014/main" id="{112D823D-1A2C-00F1-35E4-ECBBDBAB4B90}"/>
-              </a:ext>
-            </a:extLst>
-          </p:cNvPr>
-          <p:cNvPicPr>
-            <a:picLocks noChangeAspect="1"/>
-          </p:cNvPicPr>
-          <p:nvPr/>
-        </p:nvPicPr>
-        <p:blipFill>
-          <a:blip r:embed="rId2">
-            <a:alphaModFix amt="20000"/>
-            <a:extLst>
-              <a:ext uri="{28A0092B-C50C-407E-A947-70E740481C1C}">
-                <a14:useLocalDpi xmlns:a14="http://schemas.microsoft.com/office/drawing/2010/main" val="0"/>
-              </a:ext>
-            </a:extLst>
-          </a:blip>
-          <a:stretch>
-            <a:fillRect/>
-          </a:stretch>
-        </p:blipFill>
-        <p:spPr>
-          <a:xfrm>
-            <a:off x="194067" y="793393"/>
-            <a:ext cx="1659542" cy="1329814"/>
-          </a:xfrm>
-          <a:prstGeom prst="rect">
-            <a:avLst/>
-          </a:prstGeom>
-        </p:spPr>
-      </p:pic>
-      <p:sp>
-        <p:nvSpPr>
-          <p:cNvPr id="2050" name="Rectángulo 2049">
-            <a:extLst>
-              <a:ext uri="{FF2B5EF4-FFF2-40B4-BE49-F238E27FC236}">
-                <a16:creationId xmlns:a16="http://schemas.microsoft.com/office/drawing/2014/main" id="{E1F67AAA-DE54-162E-BF65-ADB0C3D49978}"/>
-              </a:ext>
-            </a:extLst>
-          </p:cNvPr>
-          <p:cNvSpPr/>
-          <p:nvPr/>
-        </p:nvSpPr>
-        <p:spPr>
-          <a:xfrm>
-            <a:off x="642398" y="3104377"/>
-            <a:ext cx="2993581" cy="1883748"/>
-          </a:xfrm>
-          <a:prstGeom prst="rect">
-            <a:avLst/>
-          </a:prstGeom>
-          <a:solidFill>
-            <a:schemeClr val="tx1"/>
-          </a:solidFill>
-          <a:ln/>
-          <a:effectLst>
-            <a:glow>
-              <a:schemeClr val="tx1"/>
-            </a:glow>
-            <a:softEdge rad="0"/>
-          </a:effectLst>
-        </p:spPr>
-        <p:style>
-          <a:lnRef idx="2">
-            <a:schemeClr val="accent2"/>
-          </a:lnRef>
-          <a:fillRef idx="1">
-            <a:schemeClr val="lt1"/>
-          </a:fillRef>
-          <a:effectRef idx="0">
-            <a:schemeClr val="accent2"/>
-          </a:effectRef>
-          <a:fontRef idx="minor">
-            <a:schemeClr val="dk1"/>
-          </a:fontRef>
-        </p:style>
-        <p:txBody>
-          <a:bodyPr rtlCol="0" anchor="ctr"/>
-          <a:lstStyle/>
-          <a:p>
-            <a:pPr algn="ctr"/>
-            <a:endParaRPr lang="es-MX" sz="2400" dirty="0">
-              <a:solidFill>
-                <a:schemeClr val="bg1"/>
-              </a:solidFill>
-              <a:latin typeface="Posterama" panose="020B0504020200020000" pitchFamily="34" charset="0"/>
-              <a:cs typeface="Posterama" panose="020B0504020200020000" pitchFamily="34" charset="0"/>
-            </a:endParaRPr>
-          </a:p>
-          <a:p>
-            <a:pPr algn="ctr"/>
-            <a:r>
-              <a:rPr lang="es-MX" sz="2400" dirty="0" err="1">
-                <a:solidFill>
-                  <a:schemeClr val="bg1"/>
-                </a:solidFill>
-                <a:latin typeface="Posterama" panose="020B0504020200020000" pitchFamily="34" charset="0"/>
-                <a:cs typeface="Posterama" panose="020B0504020200020000" pitchFamily="34" charset="0"/>
-              </a:rPr>
-              <a:t>DataSet</a:t>
-            </a:r>
-            <a:r>
-              <a:rPr lang="es-MX" sz="2400" dirty="0">
-                <a:solidFill>
-                  <a:schemeClr val="bg1"/>
-                </a:solidFill>
-                <a:latin typeface="Posterama" panose="020B0504020200020000" pitchFamily="34" charset="0"/>
-                <a:cs typeface="Posterama" panose="020B0504020200020000" pitchFamily="34" charset="0"/>
-              </a:rPr>
-              <a:t> de tiroteos en Estados </a:t>
-            </a:r>
-          </a:p>
-          <a:p>
-            <a:pPr algn="ctr"/>
-            <a:r>
-              <a:rPr lang="es-MX" sz="2400" dirty="0">
-                <a:solidFill>
-                  <a:schemeClr val="bg1"/>
-                </a:solidFill>
-                <a:latin typeface="Posterama" panose="020B0504020200020000" pitchFamily="34" charset="0"/>
-                <a:cs typeface="Posterama" panose="020B0504020200020000" pitchFamily="34" charset="0"/>
-              </a:rPr>
-              <a:t>Unidos</a:t>
-            </a:r>
-          </a:p>
-          <a:p>
-            <a:pPr algn="ctr"/>
-            <a:endParaRPr lang="es-CL" dirty="0"/>
-          </a:p>
-        </p:txBody>
-      </p:sp>
-      <p:pic>
-        <p:nvPicPr>
-          <p:cNvPr id="39" name="Imagen 38">
-            <a:extLst>
-              <a:ext uri="{FF2B5EF4-FFF2-40B4-BE49-F238E27FC236}">
-                <a16:creationId xmlns:a16="http://schemas.microsoft.com/office/drawing/2014/main" id="{50C89E15-7D71-8145-08AD-E55675DBAF3C}"/>
-              </a:ext>
-            </a:extLst>
-          </p:cNvPr>
-          <p:cNvPicPr>
-            <a:picLocks noChangeAspect="1"/>
-          </p:cNvPicPr>
-          <p:nvPr/>
-        </p:nvPicPr>
-        <p:blipFill>
-          <a:blip r:embed="rId3">
-            <a:alphaModFix/>
-            <a:extLst>
-              <a:ext uri="{28A0092B-C50C-407E-A947-70E740481C1C}">
-                <a14:useLocalDpi xmlns:a14="http://schemas.microsoft.com/office/drawing/2010/main" val="0"/>
-              </a:ext>
-            </a:extLst>
-          </a:blip>
-          <a:stretch>
-            <a:fillRect/>
-          </a:stretch>
-        </p:blipFill>
-        <p:spPr>
-          <a:xfrm>
-            <a:off x="905007" y="4941503"/>
-            <a:ext cx="2468361" cy="1123104"/>
-          </a:xfrm>
-          <a:prstGeom prst="rect">
-            <a:avLst/>
-          </a:prstGeom>
-        </p:spPr>
-      </p:pic>
-      <p:sp>
-        <p:nvSpPr>
-          <p:cNvPr id="40" name="Rectángulo 39">
-            <a:extLst>
-              <a:ext uri="{FF2B5EF4-FFF2-40B4-BE49-F238E27FC236}">
-                <a16:creationId xmlns:a16="http://schemas.microsoft.com/office/drawing/2014/main" id="{D753DD59-708C-D066-6F6A-14BBD42177C4}"/>
-              </a:ext>
-            </a:extLst>
-          </p:cNvPr>
-          <p:cNvSpPr/>
-          <p:nvPr/>
-        </p:nvSpPr>
-        <p:spPr>
-          <a:xfrm>
-            <a:off x="4599210" y="3085723"/>
-            <a:ext cx="2993581" cy="1883748"/>
-          </a:xfrm>
-          <a:prstGeom prst="rect">
-            <a:avLst/>
-          </a:prstGeom>
-          <a:solidFill>
-            <a:schemeClr val="tx1"/>
-          </a:solidFill>
-          <a:ln/>
-          <a:effectLst>
-            <a:glow>
-              <a:schemeClr val="accent1"/>
-            </a:glow>
-            <a:softEdge rad="0"/>
-          </a:effectLst>
-        </p:spPr>
-        <p:style>
-          <a:lnRef idx="2">
-            <a:schemeClr val="accent2"/>
-          </a:lnRef>
-          <a:fillRef idx="1">
-            <a:schemeClr val="lt1"/>
-          </a:fillRef>
-          <a:effectRef idx="0">
-            <a:schemeClr val="accent2"/>
-          </a:effectRef>
-          <a:fontRef idx="minor">
-            <a:schemeClr val="dk1"/>
-          </a:fontRef>
-        </p:style>
-        <p:txBody>
-          <a:bodyPr rtlCol="0" anchor="ctr"/>
-          <a:lstStyle/>
-          <a:p>
-            <a:pPr algn="ctr"/>
-            <a:r>
-              <a:rPr lang="es-MX" sz="2400" dirty="0">
-                <a:solidFill>
-                  <a:schemeClr val="bg1"/>
-                </a:solidFill>
-                <a:latin typeface="Posterama" panose="020B0504020200020000" pitchFamily="34" charset="0"/>
-                <a:cs typeface="Posterama" panose="020B0504020200020000" pitchFamily="34" charset="0"/>
-              </a:rPr>
-              <a:t>Datos de la salud mental en Chile</a:t>
-            </a:r>
-          </a:p>
-          <a:p>
-            <a:pPr algn="ctr"/>
-            <a:endParaRPr lang="es-CL" dirty="0"/>
-          </a:p>
-        </p:txBody>
-      </p:sp>
-      <p:sp>
-        <p:nvSpPr>
-          <p:cNvPr id="41" name="Rectángulo 40">
-            <a:extLst>
-              <a:ext uri="{FF2B5EF4-FFF2-40B4-BE49-F238E27FC236}">
-                <a16:creationId xmlns:a16="http://schemas.microsoft.com/office/drawing/2014/main" id="{1AF35A44-4018-D7C5-C3FF-AEBAFEF97AF6}"/>
-              </a:ext>
-            </a:extLst>
-          </p:cNvPr>
-          <p:cNvSpPr/>
-          <p:nvPr/>
-        </p:nvSpPr>
-        <p:spPr>
-          <a:xfrm>
-            <a:off x="8556023" y="3085726"/>
-            <a:ext cx="2993581" cy="1883745"/>
-          </a:xfrm>
-          <a:prstGeom prst="rect">
-            <a:avLst/>
-          </a:prstGeom>
-          <a:solidFill>
-            <a:schemeClr val="tx1"/>
-          </a:solidFill>
-          <a:ln/>
-          <a:effectLst>
-            <a:glow>
-              <a:schemeClr val="accent1"/>
-            </a:glow>
-            <a:softEdge rad="0"/>
-          </a:effectLst>
-        </p:spPr>
-        <p:style>
-          <a:lnRef idx="2">
-            <a:schemeClr val="accent2"/>
-          </a:lnRef>
-          <a:fillRef idx="1">
-            <a:schemeClr val="lt1"/>
-          </a:fillRef>
-          <a:effectRef idx="0">
-            <a:schemeClr val="accent2"/>
-          </a:effectRef>
-          <a:fontRef idx="minor">
-            <a:schemeClr val="dk1"/>
-          </a:fontRef>
-        </p:style>
-        <p:txBody>
-          <a:bodyPr rtlCol="0" anchor="ctr"/>
-          <a:lstStyle/>
-          <a:p>
-            <a:pPr algn="ctr"/>
-            <a:endParaRPr lang="es-MX" sz="2400" dirty="0">
-              <a:solidFill>
-                <a:schemeClr val="bg1"/>
-              </a:solidFill>
-              <a:latin typeface="Posterama" panose="020B0504020200020000" pitchFamily="34" charset="0"/>
-              <a:cs typeface="Posterama" panose="020B0504020200020000" pitchFamily="34" charset="0"/>
-            </a:endParaRPr>
-          </a:p>
-          <a:p>
-            <a:pPr algn="ctr"/>
-            <a:r>
-              <a:rPr lang="es-MX" sz="2400" dirty="0">
-                <a:solidFill>
-                  <a:schemeClr val="bg1"/>
-                </a:solidFill>
-                <a:latin typeface="Posterama" panose="020B0504020200020000" pitchFamily="34" charset="0"/>
-                <a:cs typeface="Posterama" panose="020B0504020200020000" pitchFamily="34" charset="0"/>
-              </a:rPr>
-              <a:t>Calidad de salud y estilo de vida de las personas</a:t>
-            </a:r>
-          </a:p>
-          <a:p>
-            <a:pPr algn="ctr"/>
-            <a:endParaRPr lang="es-CL" dirty="0"/>
-          </a:p>
-        </p:txBody>
-      </p:sp>
-      <p:pic>
-        <p:nvPicPr>
-          <p:cNvPr id="2052" name="Imagen 2051">
-            <a:extLst>
-              <a:ext uri="{FF2B5EF4-FFF2-40B4-BE49-F238E27FC236}">
-                <a16:creationId xmlns:a16="http://schemas.microsoft.com/office/drawing/2014/main" id="{49990F52-F3E6-C44B-B95A-13209DDD9B8E}"/>
-              </a:ext>
-            </a:extLst>
-          </p:cNvPr>
-          <p:cNvPicPr>
-            <a:picLocks noChangeAspect="1"/>
-          </p:cNvPicPr>
-          <p:nvPr/>
-        </p:nvPicPr>
-        <p:blipFill>
-          <a:blip r:embed="rId4">
-            <a:extLst>
-              <a:ext uri="{28A0092B-C50C-407E-A947-70E740481C1C}">
-                <a14:useLocalDpi xmlns:a14="http://schemas.microsoft.com/office/drawing/2010/main" val="0"/>
-              </a:ext>
-            </a:extLst>
-          </a:blip>
-          <a:stretch>
-            <a:fillRect/>
-          </a:stretch>
-        </p:blipFill>
-        <p:spPr>
-          <a:xfrm>
-            <a:off x="8993557" y="4647350"/>
-            <a:ext cx="2174364" cy="1448669"/>
-          </a:xfrm>
-          <a:prstGeom prst="rect">
-            <a:avLst/>
-          </a:prstGeom>
-        </p:spPr>
-      </p:pic>
-      <p:pic>
-        <p:nvPicPr>
-          <p:cNvPr id="23" name="Imagen 22">
-            <a:extLst>
-              <a:ext uri="{FF2B5EF4-FFF2-40B4-BE49-F238E27FC236}">
-                <a16:creationId xmlns:a16="http://schemas.microsoft.com/office/drawing/2014/main" id="{43E71E85-AB59-6742-75DD-B36C76C79677}"/>
-              </a:ext>
-            </a:extLst>
-          </p:cNvPr>
-          <p:cNvPicPr>
-            <a:picLocks noChangeAspect="1"/>
-          </p:cNvPicPr>
-          <p:nvPr/>
-        </p:nvPicPr>
-        <p:blipFill>
-          <a:blip r:embed="rId5">
-            <a:extLst>
-              <a:ext uri="{28A0092B-C50C-407E-A947-70E740481C1C}">
-                <a14:useLocalDpi xmlns:a14="http://schemas.microsoft.com/office/drawing/2010/main" val="0"/>
-              </a:ext>
-            </a:extLst>
-          </a:blip>
-          <a:stretch>
-            <a:fillRect/>
-          </a:stretch>
-        </p:blipFill>
-        <p:spPr>
-          <a:xfrm flipH="1">
-            <a:off x="6551317" y="2410511"/>
-            <a:ext cx="1792060" cy="1120038"/>
-          </a:xfrm>
-          <a:prstGeom prst="rect">
-            <a:avLst/>
-          </a:prstGeom>
-        </p:spPr>
-      </p:pic>
-    </p:spTree>
-    <p:extLst>
-      <p:ext uri="{BB962C8B-B14F-4D97-AF65-F5344CB8AC3E}">
-        <p14:creationId xmlns:p14="http://schemas.microsoft.com/office/powerpoint/2010/main" val="370953270"/>
-      </p:ext>
-    </p:extLst>
-  </p:cSld>
-  <p:clrMapOvr>
-    <a:masterClrMapping/>
-  </p:clrMapOvr>
-</p:sld>
-</file>
-
-<file path=ppt/slides/slide7.xml><?xml version="1.0" encoding="utf-8"?>
 <p:sld xmlns:a="http://schemas.openxmlformats.org/drawingml/2006/main" xmlns:r="http://schemas.openxmlformats.org/officeDocument/2006/relationships" xmlns:p="http://schemas.openxmlformats.org/presentationml/2006/main">
   <p:cSld>
     <p:bg>
@@ -7503,4 +6803,274 @@
     </a:ext>
   </a:extLst>
 </a:theme>
+</file>
+
+<file path=customXml/item1.xml><?xml version="1.0" encoding="utf-8"?>
+<p:properties xmlns:p="http://schemas.microsoft.com/office/2006/metadata/properties" xmlns:xsi="http://www.w3.org/2001/XMLSchema-instance" xmlns:pc="http://schemas.microsoft.com/office/infopath/2007/PartnerControls">
+  <documentManagement/>
+</p:properties>
+</file>
+
+<file path=customXml/item2.xml><?xml version="1.0" encoding="utf-8"?>
+<?mso-contentType ?>
+<FormTemplates xmlns="http://schemas.microsoft.com/sharepoint/v3/contenttype/forms">
+  <Display>DocumentLibraryForm</Display>
+  <Edit>DocumentLibraryForm</Edit>
+  <New>DocumentLibraryForm</New>
+</FormTemplates>
+</file>
+
+<file path=customXml/item3.xml><?xml version="1.0" encoding="utf-8"?>
+<ct:contentTypeSchema xmlns:ct="http://schemas.microsoft.com/office/2006/metadata/contentType" xmlns:ma="http://schemas.microsoft.com/office/2006/metadata/properties/metaAttributes" ct:_="" ma:_="" ma:contentTypeName="Documento" ma:contentTypeID="0x0101007D610B7E03E43648B54023B40DAEBBAD" ma:contentTypeVersion="11" ma:contentTypeDescription="Crear nuevo documento." ma:contentTypeScope="" ma:versionID="d0033081a9de946c6a4d14ed4f8fbada">
+  <xsd:schema xmlns:xsd="http://www.w3.org/2001/XMLSchema" xmlns:xs="http://www.w3.org/2001/XMLSchema" xmlns:p="http://schemas.microsoft.com/office/2006/metadata/properties" xmlns:ns3="ae6c8b4c-5cae-48d3-a1c7-e7a534801cb7" xmlns:ns4="918ffc63-bd18-43c9-9e7d-617d71586248" targetNamespace="http://schemas.microsoft.com/office/2006/metadata/properties" ma:root="true" ma:fieldsID="3e160b201fdbe0b2ba3d268dfbc88a02" ns3:_="" ns4:_="">
+    <xsd:import namespace="ae6c8b4c-5cae-48d3-a1c7-e7a534801cb7"/>
+    <xsd:import namespace="918ffc63-bd18-43c9-9e7d-617d71586248"/>
+    <xsd:element name="properties">
+      <xsd:complexType>
+        <xsd:sequence>
+          <xsd:element name="documentManagement">
+            <xsd:complexType>
+              <xsd:all>
+                <xsd:element ref="ns3:MediaServiceMetadata" minOccurs="0"/>
+                <xsd:element ref="ns3:MediaServiceFastMetadata" minOccurs="0"/>
+                <xsd:element ref="ns4:SharedWithUsers" minOccurs="0"/>
+                <xsd:element ref="ns4:SharedWithDetails" minOccurs="0"/>
+                <xsd:element ref="ns4:SharingHintHash" minOccurs="0"/>
+                <xsd:element ref="ns3:MediaServiceAutoKeyPoints" minOccurs="0"/>
+                <xsd:element ref="ns3:MediaServiceKeyPoints" minOccurs="0"/>
+                <xsd:element ref="ns3:MediaServiceAutoTags" minOccurs="0"/>
+                <xsd:element ref="ns3:MediaServiceGenerationTime" minOccurs="0"/>
+                <xsd:element ref="ns3:MediaServiceEventHashCode" minOccurs="0"/>
+                <xsd:element ref="ns3:MediaServiceOCR" minOccurs="0"/>
+              </xsd:all>
+            </xsd:complexType>
+          </xsd:element>
+        </xsd:sequence>
+      </xsd:complexType>
+    </xsd:element>
+  </xsd:schema>
+  <xsd:schema xmlns:xsd="http://www.w3.org/2001/XMLSchema" xmlns:xs="http://www.w3.org/2001/XMLSchema" xmlns:dms="http://schemas.microsoft.com/office/2006/documentManagement/types" xmlns:pc="http://schemas.microsoft.com/office/infopath/2007/PartnerControls" targetNamespace="ae6c8b4c-5cae-48d3-a1c7-e7a534801cb7" elementFormDefault="qualified">
+    <xsd:import namespace="http://schemas.microsoft.com/office/2006/documentManagement/types"/>
+    <xsd:import namespace="http://schemas.microsoft.com/office/infopath/2007/PartnerControls"/>
+    <xsd:element name="MediaServiceMetadata" ma:index="8" nillable="true" ma:displayName="MediaServiceMetadata" ma:hidden="true" ma:internalName="MediaServiceMetadata" ma:readOnly="true">
+      <xsd:simpleType>
+        <xsd:restriction base="dms:Note"/>
+      </xsd:simpleType>
+    </xsd:element>
+    <xsd:element name="MediaServiceFastMetadata" ma:index="9" nillable="true" ma:displayName="MediaServiceFastMetadata" ma:hidden="true" ma:internalName="MediaServiceFastMetadata" ma:readOnly="true">
+      <xsd:simpleType>
+        <xsd:restriction base="dms:Note"/>
+      </xsd:simpleType>
+    </xsd:element>
+    <xsd:element name="MediaServiceAutoKeyPoints" ma:index="13" nillable="true" ma:displayName="MediaServiceAutoKeyPoints" ma:hidden="true" ma:internalName="MediaServiceAutoKeyPoints" ma:readOnly="true">
+      <xsd:simpleType>
+        <xsd:restriction base="dms:Note"/>
+      </xsd:simpleType>
+    </xsd:element>
+    <xsd:element name="MediaServiceKeyPoints" ma:index="14" nillable="true" ma:displayName="KeyPoints" ma:internalName="MediaServiceKeyPoints" ma:readOnly="true">
+      <xsd:simpleType>
+        <xsd:restriction base="dms:Note">
+          <xsd:maxLength value="255"/>
+        </xsd:restriction>
+      </xsd:simpleType>
+    </xsd:element>
+    <xsd:element name="MediaServiceAutoTags" ma:index="15" nillable="true" ma:displayName="Tags" ma:internalName="MediaServiceAutoTags" ma:readOnly="true">
+      <xsd:simpleType>
+        <xsd:restriction base="dms:Text"/>
+      </xsd:simpleType>
+    </xsd:element>
+    <xsd:element name="MediaServiceGenerationTime" ma:index="16" nillable="true" ma:displayName="MediaServiceGenerationTime" ma:hidden="true" ma:internalName="MediaServiceGenerationTime" ma:readOnly="true">
+      <xsd:simpleType>
+        <xsd:restriction base="dms:Text"/>
+      </xsd:simpleType>
+    </xsd:element>
+    <xsd:element name="MediaServiceEventHashCode" ma:index="17" nillable="true" ma:displayName="MediaServiceEventHashCode" ma:hidden="true" ma:internalName="MediaServiceEventHashCode" ma:readOnly="true">
+      <xsd:simpleType>
+        <xsd:restriction base="dms:Text"/>
+      </xsd:simpleType>
+    </xsd:element>
+    <xsd:element name="MediaServiceOCR" ma:index="18" nillable="true" ma:displayName="Extracted Text" ma:internalName="MediaServiceOCR" ma:readOnly="true">
+      <xsd:simpleType>
+        <xsd:restriction base="dms:Note">
+          <xsd:maxLength value="255"/>
+        </xsd:restriction>
+      </xsd:simpleType>
+    </xsd:element>
+  </xsd:schema>
+  <xsd:schema xmlns:xsd="http://www.w3.org/2001/XMLSchema" xmlns:xs="http://www.w3.org/2001/XMLSchema" xmlns:dms="http://schemas.microsoft.com/office/2006/documentManagement/types" xmlns:pc="http://schemas.microsoft.com/office/infopath/2007/PartnerControls" targetNamespace="918ffc63-bd18-43c9-9e7d-617d71586248" elementFormDefault="qualified">
+    <xsd:import namespace="http://schemas.microsoft.com/office/2006/documentManagement/types"/>
+    <xsd:import namespace="http://schemas.microsoft.com/office/infopath/2007/PartnerControls"/>
+    <xsd:element name="SharedWithUsers" ma:index="10" nillable="true" ma:displayName="Compartido con" ma:internalName="SharedWithUsers" ma:readOnly="true">
+      <xsd:complexType>
+        <xsd:complexContent>
+          <xsd:extension base="dms:UserMulti">
+            <xsd:sequence>
+              <xsd:element name="UserInfo" minOccurs="0" maxOccurs="unbounded">
+                <xsd:complexType>
+                  <xsd:sequence>
+                    <xsd:element name="DisplayName" type="xsd:string" minOccurs="0"/>
+                    <xsd:element name="AccountId" type="dms:UserId" minOccurs="0" nillable="true"/>
+                    <xsd:element name="AccountType" type="xsd:string" minOccurs="0"/>
+                  </xsd:sequence>
+                </xsd:complexType>
+              </xsd:element>
+            </xsd:sequence>
+          </xsd:extension>
+        </xsd:complexContent>
+      </xsd:complexType>
+    </xsd:element>
+    <xsd:element name="SharedWithDetails" ma:index="11" nillable="true" ma:displayName="Detalles de uso compartido" ma:internalName="SharedWithDetails" ma:readOnly="true">
+      <xsd:simpleType>
+        <xsd:restriction base="dms:Note">
+          <xsd:maxLength value="255"/>
+        </xsd:restriction>
+      </xsd:simpleType>
+    </xsd:element>
+    <xsd:element name="SharingHintHash" ma:index="12" nillable="true" ma:displayName="Hash de la sugerencia para compartir" ma:hidden="true" ma:internalName="SharingHintHash" ma:readOnly="true">
+      <xsd:simpleType>
+        <xsd:restriction base="dms:Text"/>
+      </xsd:simpleType>
+    </xsd:element>
+  </xsd:schema>
+  <xsd:schema xmlns="http://schemas.openxmlformats.org/package/2006/metadata/core-properties" xmlns:xsd="http://www.w3.org/2001/XMLSchema" xmlns:xsi="http://www.w3.org/2001/XMLSchema-instance" xmlns:dc="http://purl.org/dc/elements/1.1/" xmlns:dcterms="http://purl.org/dc/terms/" xmlns:odoc="http://schemas.microsoft.com/internal/obd" targetNamespace="http://schemas.openxmlformats.org/package/2006/metadata/core-properties" elementFormDefault="qualified" attributeFormDefault="unqualified" blockDefault="#all">
+    <xsd:import namespace="http://purl.org/dc/elements/1.1/" schemaLocation="http://dublincore.org/schemas/xmls/qdc/2003/04/02/dc.xsd"/>
+    <xsd:import namespace="http://purl.org/dc/terms/" schemaLocation="http://dublincore.org/schemas/xmls/qdc/2003/04/02/dcterms.xsd"/>
+    <xsd:element name="coreProperties" type="CT_coreProperties"/>
+    <xsd:complexType name="CT_coreProperties">
+      <xsd:all>
+        <xsd:element ref="dc:creator" minOccurs="0" maxOccurs="1"/>
+        <xsd:element ref="dcterms:created" minOccurs="0" maxOccurs="1"/>
+        <xsd:element ref="dc:identifier" minOccurs="0" maxOccurs="1"/>
+        <xsd:element name="contentType" minOccurs="0" maxOccurs="1" type="xsd:string" ma:index="0" ma:displayName="Tipo de contenido"/>
+        <xsd:element ref="dc:title" minOccurs="0" maxOccurs="1" ma:index="4" ma:displayName="Título"/>
+        <xsd:element ref="dc:subject" minOccurs="0" maxOccurs="1"/>
+        <xsd:element ref="dc:description" minOccurs="0" maxOccurs="1"/>
+        <xsd:element name="keywords" minOccurs="0" maxOccurs="1" type="xsd:string"/>
+        <xsd:element ref="dc:language" minOccurs="0" maxOccurs="1"/>
+        <xsd:element name="category" minOccurs="0" maxOccurs="1" type="xsd:string"/>
+        <xsd:element name="version" minOccurs="0" maxOccurs="1" type="xsd:string"/>
+        <xsd:element name="revision" minOccurs="0" maxOccurs="1" type="xsd:string">
+          <xsd:annotation>
+            <xsd:documentation>
+                        This value indicates the number of saves or revisions. The application is responsible for updating this value after each revision.
+                    </xsd:documentation>
+          </xsd:annotation>
+        </xsd:element>
+        <xsd:element name="lastModifiedBy" minOccurs="0" maxOccurs="1" type="xsd:string"/>
+        <xsd:element ref="dcterms:modified" minOccurs="0" maxOccurs="1"/>
+        <xsd:element name="contentStatus" minOccurs="0" maxOccurs="1" type="xsd:string"/>
+      </xsd:all>
+    </xsd:complexType>
+  </xsd:schema>
+  <xs:schema xmlns:pc="http://schemas.microsoft.com/office/infopath/2007/PartnerControls" xmlns:xs="http://www.w3.org/2001/XMLSchema" targetNamespace="http://schemas.microsoft.com/office/infopath/2007/PartnerControls" elementFormDefault="qualified" attributeFormDefault="unqualified">
+    <xs:element name="Person">
+      <xs:complexType>
+        <xs:sequence>
+          <xs:element ref="pc:DisplayName" minOccurs="0"/>
+          <xs:element ref="pc:AccountId" minOccurs="0"/>
+          <xs:element ref="pc:AccountType" minOccurs="0"/>
+        </xs:sequence>
+      </xs:complexType>
+    </xs:element>
+    <xs:element name="DisplayName" type="xs:string"/>
+    <xs:element name="AccountId" type="xs:string"/>
+    <xs:element name="AccountType" type="xs:string"/>
+    <xs:element name="BDCAssociatedEntity">
+      <xs:complexType>
+        <xs:sequence>
+          <xs:element ref="pc:BDCEntity" minOccurs="0" maxOccurs="unbounded"/>
+        </xs:sequence>
+        <xs:attribute ref="pc:EntityNamespace"/>
+        <xs:attribute ref="pc:EntityName"/>
+        <xs:attribute ref="pc:SystemInstanceName"/>
+        <xs:attribute ref="pc:AssociationName"/>
+      </xs:complexType>
+    </xs:element>
+    <xs:attribute name="EntityNamespace" type="xs:string"/>
+    <xs:attribute name="EntityName" type="xs:string"/>
+    <xs:attribute name="SystemInstanceName" type="xs:string"/>
+    <xs:attribute name="AssociationName" type="xs:string"/>
+    <xs:element name="BDCEntity">
+      <xs:complexType>
+        <xs:sequence>
+          <xs:element ref="pc:EntityDisplayName" minOccurs="0"/>
+          <xs:element ref="pc:EntityInstanceReference" minOccurs="0"/>
+          <xs:element ref="pc:EntityId1" minOccurs="0"/>
+          <xs:element ref="pc:EntityId2" minOccurs="0"/>
+          <xs:element ref="pc:EntityId3" minOccurs="0"/>
+          <xs:element ref="pc:EntityId4" minOccurs="0"/>
+          <xs:element ref="pc:EntityId5" minOccurs="0"/>
+        </xs:sequence>
+      </xs:complexType>
+    </xs:element>
+    <xs:element name="EntityDisplayName" type="xs:string"/>
+    <xs:element name="EntityInstanceReference" type="xs:string"/>
+    <xs:element name="EntityId1" type="xs:string"/>
+    <xs:element name="EntityId2" type="xs:string"/>
+    <xs:element name="EntityId3" type="xs:string"/>
+    <xs:element name="EntityId4" type="xs:string"/>
+    <xs:element name="EntityId5" type="xs:string"/>
+    <xs:element name="Terms">
+      <xs:complexType>
+        <xs:sequence>
+          <xs:element ref="pc:TermInfo" minOccurs="0" maxOccurs="unbounded"/>
+        </xs:sequence>
+      </xs:complexType>
+    </xs:element>
+    <xs:element name="TermInfo">
+      <xs:complexType>
+        <xs:sequence>
+          <xs:element ref="pc:TermName" minOccurs="0"/>
+          <xs:element ref="pc:TermId" minOccurs="0"/>
+        </xs:sequence>
+      </xs:complexType>
+    </xs:element>
+    <xs:element name="TermName" type="xs:string"/>
+    <xs:element name="TermId" type="xs:string"/>
+  </xs:schema>
+</ct:contentTypeSchema>
+</file>
+
+<file path=customXml/itemProps1.xml><?xml version="1.0" encoding="utf-8"?>
+<ds:datastoreItem xmlns:ds="http://schemas.openxmlformats.org/officeDocument/2006/customXml" ds:itemID="{75F78292-1BB2-4F43-89E0-3DD037A89DFF}">
+  <ds:schemaRefs>
+    <ds:schemaRef ds:uri="918ffc63-bd18-43c9-9e7d-617d71586248"/>
+    <ds:schemaRef ds:uri="http://purl.org/dc/dcmitype/"/>
+    <ds:schemaRef ds:uri="ae6c8b4c-5cae-48d3-a1c7-e7a534801cb7"/>
+    <ds:schemaRef ds:uri="http://www.w3.org/XML/1998/namespace"/>
+    <ds:schemaRef ds:uri="http://purl.org/dc/elements/1.1/"/>
+    <ds:schemaRef ds:uri="http://schemas.microsoft.com/office/2006/documentManagement/types"/>
+    <ds:schemaRef ds:uri="http://purl.org/dc/terms/"/>
+    <ds:schemaRef ds:uri="http://schemas.microsoft.com/office/infopath/2007/PartnerControls"/>
+    <ds:schemaRef ds:uri="http://schemas.openxmlformats.org/package/2006/metadata/core-properties"/>
+    <ds:schemaRef ds:uri="http://schemas.microsoft.com/office/2006/metadata/properties"/>
+  </ds:schemaRefs>
+</ds:datastoreItem>
+</file>
+
+<file path=customXml/itemProps2.xml><?xml version="1.0" encoding="utf-8"?>
+<ds:datastoreItem xmlns:ds="http://schemas.openxmlformats.org/officeDocument/2006/customXml" ds:itemID="{12DAB561-8F77-41A4-ACD1-A6BFC7E8CE05}">
+  <ds:schemaRefs>
+    <ds:schemaRef ds:uri="http://schemas.microsoft.com/sharepoint/v3/contenttype/forms"/>
+  </ds:schemaRefs>
+</ds:datastoreItem>
+</file>
+
+<file path=customXml/itemProps3.xml><?xml version="1.0" encoding="utf-8"?>
+<ds:datastoreItem xmlns:ds="http://schemas.openxmlformats.org/officeDocument/2006/customXml" ds:itemID="{45F9D5CF-4CE7-434D-807D-A5C0F9094981}">
+  <ds:schemaRefs>
+    <ds:schemaRef ds:uri="http://schemas.microsoft.com/office/2006/metadata/contentType"/>
+    <ds:schemaRef ds:uri="http://schemas.microsoft.com/office/2006/metadata/properties/metaAttributes"/>
+    <ds:schemaRef ds:uri="http://www.w3.org/2001/XMLSchema"/>
+    <ds:schemaRef ds:uri="http://schemas.microsoft.com/office/2006/metadata/properties"/>
+    <ds:schemaRef ds:uri="ae6c8b4c-5cae-48d3-a1c7-e7a534801cb7"/>
+    <ds:schemaRef ds:uri="918ffc63-bd18-43c9-9e7d-617d71586248"/>
+    <ds:schemaRef ds:uri="http://schemas.microsoft.com/office/2006/documentManagement/types"/>
+    <ds:schemaRef ds:uri="http://schemas.microsoft.com/office/infopath/2007/PartnerControls"/>
+    <ds:schemaRef ds:uri="http://schemas.openxmlformats.org/package/2006/metadata/core-properties"/>
+    <ds:schemaRef ds:uri="http://purl.org/dc/elements/1.1/"/>
+    <ds:schemaRef ds:uri="http://purl.org/dc/terms/"/>
+    <ds:schemaRef ds:uri="http://schemas.microsoft.com/internal/obd"/>
+  </ds:schemaRefs>
+</ds:datastoreItem>
 </file>
--- a/Presentacion_2.pptx
+++ b/Presentacion_2.pptx
@@ -5,15 +5,20 @@
     <p:sldMasterId id="2147483648" r:id="rId4"/>
   </p:sldMasterIdLst>
   <p:notesMasterIdLst>
-    <p:notesMasterId r:id="rId11"/>
+    <p:notesMasterId r:id="rId16"/>
   </p:notesMasterIdLst>
   <p:sldIdLst>
     <p:sldId id="256" r:id="rId5"/>
     <p:sldId id="257" r:id="rId6"/>
     <p:sldId id="258" r:id="rId7"/>
-    <p:sldId id="261" r:id="rId8"/>
-    <p:sldId id="264" r:id="rId9"/>
-    <p:sldId id="262" r:id="rId10"/>
+    <p:sldId id="264" r:id="rId8"/>
+    <p:sldId id="265" r:id="rId9"/>
+    <p:sldId id="267" r:id="rId10"/>
+    <p:sldId id="268" r:id="rId11"/>
+    <p:sldId id="269" r:id="rId12"/>
+    <p:sldId id="270" r:id="rId13"/>
+    <p:sldId id="271" r:id="rId14"/>
+    <p:sldId id="262" r:id="rId15"/>
   </p:sldIdLst>
   <p:sldSz cx="12192000" cy="6858000"/>
   <p:notesSz cx="6858000" cy="9144000"/>
@@ -118,6 +123,14 @@
     </p:ext>
   </p:extLst>
 </p:presentation>
+</file>
+
+<file path=ppt/revisionInfo.xml><?xml version="1.0" encoding="utf-8"?>
+<p1510:revInfo xmlns:a="http://schemas.openxmlformats.org/drawingml/2006/main" xmlns:r="http://schemas.openxmlformats.org/officeDocument/2006/relationships" xmlns:p1510="http://schemas.microsoft.com/office/powerpoint/2015/10/main">
+  <p1510:revLst>
+    <p1510:client id="{B13479EB-41AD-47D4-AFFD-C378679A5854}" v="52" dt="2022-06-22T22:51:07.104"/>
+  </p1510:revLst>
+</p1510:revInfo>
 </file>
 
 <file path=ppt/notesMasters/notesMaster1.xml><?xml version="1.0" encoding="utf-8"?>
@@ -619,7 +632,7 @@
           <a:p>
             <a:fld id="{3572F8DD-1EFC-4318-B21B-A8359624EB57}" type="slidenum">
               <a:rPr lang="es-CL" smtClean="0"/>
-              <a:t>5</a:t>
+              <a:t>4</a:t>
             </a:fld>
             <a:endParaRPr lang="es-CL"/>
           </a:p>
@@ -629,6 +642,510 @@
     <p:extLst>
       <p:ext uri="{BB962C8B-B14F-4D97-AF65-F5344CB8AC3E}">
         <p14:creationId xmlns:p14="http://schemas.microsoft.com/office/powerpoint/2010/main" val="4222642087"/>
+      </p:ext>
+    </p:extLst>
+  </p:cSld>
+  <p:clrMapOvr>
+    <a:masterClrMapping/>
+  </p:clrMapOvr>
+</p:notes>
+</file>
+
+<file path=ppt/notesSlides/notesSlide3.xml><?xml version="1.0" encoding="utf-8"?>
+<p:notes xmlns:a="http://schemas.openxmlformats.org/drawingml/2006/main" xmlns:r="http://schemas.openxmlformats.org/officeDocument/2006/relationships" xmlns:p="http://schemas.openxmlformats.org/presentationml/2006/main">
+  <p:cSld>
+    <p:spTree>
+      <p:nvGrpSpPr>
+        <p:cNvPr id="1" name=""/>
+        <p:cNvGrpSpPr/>
+        <p:nvPr/>
+      </p:nvGrpSpPr>
+      <p:grpSpPr>
+        <a:xfrm>
+          <a:off x="0" y="0"/>
+          <a:ext cx="0" cy="0"/>
+          <a:chOff x="0" y="0"/>
+          <a:chExt cx="0" cy="0"/>
+        </a:xfrm>
+      </p:grpSpPr>
+      <p:sp>
+        <p:nvSpPr>
+          <p:cNvPr id="2" name="Marcador de imagen de diapositiva 1"/>
+          <p:cNvSpPr>
+            <a:spLocks noGrp="1" noRot="1" noChangeAspect="1"/>
+          </p:cNvSpPr>
+          <p:nvPr>
+            <p:ph type="sldImg"/>
+          </p:nvPr>
+        </p:nvSpPr>
+        <p:spPr/>
+      </p:sp>
+      <p:sp>
+        <p:nvSpPr>
+          <p:cNvPr id="3" name="Marcador de notas 2"/>
+          <p:cNvSpPr>
+            <a:spLocks noGrp="1"/>
+          </p:cNvSpPr>
+          <p:nvPr>
+            <p:ph type="body" idx="1"/>
+          </p:nvPr>
+        </p:nvSpPr>
+        <p:spPr/>
+        <p:txBody>
+          <a:bodyPr/>
+          <a:lstStyle/>
+          <a:p>
+            <a:endParaRPr lang="es-CL" dirty="0"/>
+          </a:p>
+        </p:txBody>
+      </p:sp>
+      <p:sp>
+        <p:nvSpPr>
+          <p:cNvPr id="4" name="Marcador de número de diapositiva 3"/>
+          <p:cNvSpPr>
+            <a:spLocks noGrp="1"/>
+          </p:cNvSpPr>
+          <p:nvPr>
+            <p:ph type="sldNum" sz="quarter" idx="5"/>
+          </p:nvPr>
+        </p:nvSpPr>
+        <p:spPr/>
+        <p:txBody>
+          <a:bodyPr/>
+          <a:lstStyle/>
+          <a:p>
+            <a:fld id="{3572F8DD-1EFC-4318-B21B-A8359624EB57}" type="slidenum">
+              <a:rPr lang="es-CL" smtClean="0"/>
+              <a:t>5</a:t>
+            </a:fld>
+            <a:endParaRPr lang="es-CL"/>
+          </a:p>
+        </p:txBody>
+      </p:sp>
+    </p:spTree>
+    <p:extLst>
+      <p:ext uri="{BB962C8B-B14F-4D97-AF65-F5344CB8AC3E}">
+        <p14:creationId xmlns:p14="http://schemas.microsoft.com/office/powerpoint/2010/main" val="2246660514"/>
+      </p:ext>
+    </p:extLst>
+  </p:cSld>
+  <p:clrMapOvr>
+    <a:masterClrMapping/>
+  </p:clrMapOvr>
+</p:notes>
+</file>
+
+<file path=ppt/notesSlides/notesSlide4.xml><?xml version="1.0" encoding="utf-8"?>
+<p:notes xmlns:a="http://schemas.openxmlformats.org/drawingml/2006/main" xmlns:r="http://schemas.openxmlformats.org/officeDocument/2006/relationships" xmlns:p="http://schemas.openxmlformats.org/presentationml/2006/main">
+  <p:cSld>
+    <p:spTree>
+      <p:nvGrpSpPr>
+        <p:cNvPr id="1" name=""/>
+        <p:cNvGrpSpPr/>
+        <p:nvPr/>
+      </p:nvGrpSpPr>
+      <p:grpSpPr>
+        <a:xfrm>
+          <a:off x="0" y="0"/>
+          <a:ext cx="0" cy="0"/>
+          <a:chOff x="0" y="0"/>
+          <a:chExt cx="0" cy="0"/>
+        </a:xfrm>
+      </p:grpSpPr>
+      <p:sp>
+        <p:nvSpPr>
+          <p:cNvPr id="2" name="Marcador de imagen de diapositiva 1"/>
+          <p:cNvSpPr>
+            <a:spLocks noGrp="1" noRot="1" noChangeAspect="1"/>
+          </p:cNvSpPr>
+          <p:nvPr>
+            <p:ph type="sldImg"/>
+          </p:nvPr>
+        </p:nvSpPr>
+        <p:spPr/>
+      </p:sp>
+      <p:sp>
+        <p:nvSpPr>
+          <p:cNvPr id="3" name="Marcador de notas 2"/>
+          <p:cNvSpPr>
+            <a:spLocks noGrp="1"/>
+          </p:cNvSpPr>
+          <p:nvPr>
+            <p:ph type="body" idx="1"/>
+          </p:nvPr>
+        </p:nvSpPr>
+        <p:spPr/>
+        <p:txBody>
+          <a:bodyPr/>
+          <a:lstStyle/>
+          <a:p>
+            <a:endParaRPr lang="es-CL" dirty="0"/>
+          </a:p>
+        </p:txBody>
+      </p:sp>
+      <p:sp>
+        <p:nvSpPr>
+          <p:cNvPr id="4" name="Marcador de número de diapositiva 3"/>
+          <p:cNvSpPr>
+            <a:spLocks noGrp="1"/>
+          </p:cNvSpPr>
+          <p:nvPr>
+            <p:ph type="sldNum" sz="quarter" idx="5"/>
+          </p:nvPr>
+        </p:nvSpPr>
+        <p:spPr/>
+        <p:txBody>
+          <a:bodyPr/>
+          <a:lstStyle/>
+          <a:p>
+            <a:fld id="{3572F8DD-1EFC-4318-B21B-A8359624EB57}" type="slidenum">
+              <a:rPr lang="es-CL" smtClean="0"/>
+              <a:t>6</a:t>
+            </a:fld>
+            <a:endParaRPr lang="es-CL"/>
+          </a:p>
+        </p:txBody>
+      </p:sp>
+    </p:spTree>
+    <p:extLst>
+      <p:ext uri="{BB962C8B-B14F-4D97-AF65-F5344CB8AC3E}">
+        <p14:creationId xmlns:p14="http://schemas.microsoft.com/office/powerpoint/2010/main" val="3739562916"/>
+      </p:ext>
+    </p:extLst>
+  </p:cSld>
+  <p:clrMapOvr>
+    <a:masterClrMapping/>
+  </p:clrMapOvr>
+</p:notes>
+</file>
+
+<file path=ppt/notesSlides/notesSlide5.xml><?xml version="1.0" encoding="utf-8"?>
+<p:notes xmlns:a="http://schemas.openxmlformats.org/drawingml/2006/main" xmlns:r="http://schemas.openxmlformats.org/officeDocument/2006/relationships" xmlns:p="http://schemas.openxmlformats.org/presentationml/2006/main">
+  <p:cSld>
+    <p:spTree>
+      <p:nvGrpSpPr>
+        <p:cNvPr id="1" name=""/>
+        <p:cNvGrpSpPr/>
+        <p:nvPr/>
+      </p:nvGrpSpPr>
+      <p:grpSpPr>
+        <a:xfrm>
+          <a:off x="0" y="0"/>
+          <a:ext cx="0" cy="0"/>
+          <a:chOff x="0" y="0"/>
+          <a:chExt cx="0" cy="0"/>
+        </a:xfrm>
+      </p:grpSpPr>
+      <p:sp>
+        <p:nvSpPr>
+          <p:cNvPr id="2" name="Marcador de imagen de diapositiva 1"/>
+          <p:cNvSpPr>
+            <a:spLocks noGrp="1" noRot="1" noChangeAspect="1"/>
+          </p:cNvSpPr>
+          <p:nvPr>
+            <p:ph type="sldImg"/>
+          </p:nvPr>
+        </p:nvSpPr>
+        <p:spPr/>
+      </p:sp>
+      <p:sp>
+        <p:nvSpPr>
+          <p:cNvPr id="3" name="Marcador de notas 2"/>
+          <p:cNvSpPr>
+            <a:spLocks noGrp="1"/>
+          </p:cNvSpPr>
+          <p:nvPr>
+            <p:ph type="body" idx="1"/>
+          </p:nvPr>
+        </p:nvSpPr>
+        <p:spPr/>
+        <p:txBody>
+          <a:bodyPr/>
+          <a:lstStyle/>
+          <a:p>
+            <a:endParaRPr lang="es-CL" dirty="0"/>
+          </a:p>
+        </p:txBody>
+      </p:sp>
+      <p:sp>
+        <p:nvSpPr>
+          <p:cNvPr id="4" name="Marcador de número de diapositiva 3"/>
+          <p:cNvSpPr>
+            <a:spLocks noGrp="1"/>
+          </p:cNvSpPr>
+          <p:nvPr>
+            <p:ph type="sldNum" sz="quarter" idx="5"/>
+          </p:nvPr>
+        </p:nvSpPr>
+        <p:spPr/>
+        <p:txBody>
+          <a:bodyPr/>
+          <a:lstStyle/>
+          <a:p>
+            <a:fld id="{3572F8DD-1EFC-4318-B21B-A8359624EB57}" type="slidenum">
+              <a:rPr lang="es-CL" smtClean="0"/>
+              <a:t>7</a:t>
+            </a:fld>
+            <a:endParaRPr lang="es-CL"/>
+          </a:p>
+        </p:txBody>
+      </p:sp>
+    </p:spTree>
+    <p:extLst>
+      <p:ext uri="{BB962C8B-B14F-4D97-AF65-F5344CB8AC3E}">
+        <p14:creationId xmlns:p14="http://schemas.microsoft.com/office/powerpoint/2010/main" val="1188283420"/>
+      </p:ext>
+    </p:extLst>
+  </p:cSld>
+  <p:clrMapOvr>
+    <a:masterClrMapping/>
+  </p:clrMapOvr>
+</p:notes>
+</file>
+
+<file path=ppt/notesSlides/notesSlide6.xml><?xml version="1.0" encoding="utf-8"?>
+<p:notes xmlns:a="http://schemas.openxmlformats.org/drawingml/2006/main" xmlns:r="http://schemas.openxmlformats.org/officeDocument/2006/relationships" xmlns:p="http://schemas.openxmlformats.org/presentationml/2006/main">
+  <p:cSld>
+    <p:spTree>
+      <p:nvGrpSpPr>
+        <p:cNvPr id="1" name=""/>
+        <p:cNvGrpSpPr/>
+        <p:nvPr/>
+      </p:nvGrpSpPr>
+      <p:grpSpPr>
+        <a:xfrm>
+          <a:off x="0" y="0"/>
+          <a:ext cx="0" cy="0"/>
+          <a:chOff x="0" y="0"/>
+          <a:chExt cx="0" cy="0"/>
+        </a:xfrm>
+      </p:grpSpPr>
+      <p:sp>
+        <p:nvSpPr>
+          <p:cNvPr id="2" name="Marcador de imagen de diapositiva 1"/>
+          <p:cNvSpPr>
+            <a:spLocks noGrp="1" noRot="1" noChangeAspect="1"/>
+          </p:cNvSpPr>
+          <p:nvPr>
+            <p:ph type="sldImg"/>
+          </p:nvPr>
+        </p:nvSpPr>
+        <p:spPr/>
+      </p:sp>
+      <p:sp>
+        <p:nvSpPr>
+          <p:cNvPr id="3" name="Marcador de notas 2"/>
+          <p:cNvSpPr>
+            <a:spLocks noGrp="1"/>
+          </p:cNvSpPr>
+          <p:nvPr>
+            <p:ph type="body" idx="1"/>
+          </p:nvPr>
+        </p:nvSpPr>
+        <p:spPr/>
+        <p:txBody>
+          <a:bodyPr/>
+          <a:lstStyle/>
+          <a:p>
+            <a:endParaRPr lang="es-CL" dirty="0"/>
+          </a:p>
+        </p:txBody>
+      </p:sp>
+      <p:sp>
+        <p:nvSpPr>
+          <p:cNvPr id="4" name="Marcador de número de diapositiva 3"/>
+          <p:cNvSpPr>
+            <a:spLocks noGrp="1"/>
+          </p:cNvSpPr>
+          <p:nvPr>
+            <p:ph type="sldNum" sz="quarter" idx="5"/>
+          </p:nvPr>
+        </p:nvSpPr>
+        <p:spPr/>
+        <p:txBody>
+          <a:bodyPr/>
+          <a:lstStyle/>
+          <a:p>
+            <a:fld id="{3572F8DD-1EFC-4318-B21B-A8359624EB57}" type="slidenum">
+              <a:rPr lang="es-CL" smtClean="0"/>
+              <a:t>8</a:t>
+            </a:fld>
+            <a:endParaRPr lang="es-CL"/>
+          </a:p>
+        </p:txBody>
+      </p:sp>
+    </p:spTree>
+    <p:extLst>
+      <p:ext uri="{BB962C8B-B14F-4D97-AF65-F5344CB8AC3E}">
+        <p14:creationId xmlns:p14="http://schemas.microsoft.com/office/powerpoint/2010/main" val="2264786687"/>
+      </p:ext>
+    </p:extLst>
+  </p:cSld>
+  <p:clrMapOvr>
+    <a:masterClrMapping/>
+  </p:clrMapOvr>
+</p:notes>
+</file>
+
+<file path=ppt/notesSlides/notesSlide7.xml><?xml version="1.0" encoding="utf-8"?>
+<p:notes xmlns:a="http://schemas.openxmlformats.org/drawingml/2006/main" xmlns:r="http://schemas.openxmlformats.org/officeDocument/2006/relationships" xmlns:p="http://schemas.openxmlformats.org/presentationml/2006/main">
+  <p:cSld>
+    <p:spTree>
+      <p:nvGrpSpPr>
+        <p:cNvPr id="1" name=""/>
+        <p:cNvGrpSpPr/>
+        <p:nvPr/>
+      </p:nvGrpSpPr>
+      <p:grpSpPr>
+        <a:xfrm>
+          <a:off x="0" y="0"/>
+          <a:ext cx="0" cy="0"/>
+          <a:chOff x="0" y="0"/>
+          <a:chExt cx="0" cy="0"/>
+        </a:xfrm>
+      </p:grpSpPr>
+      <p:sp>
+        <p:nvSpPr>
+          <p:cNvPr id="2" name="Marcador de imagen de diapositiva 1"/>
+          <p:cNvSpPr>
+            <a:spLocks noGrp="1" noRot="1" noChangeAspect="1"/>
+          </p:cNvSpPr>
+          <p:nvPr>
+            <p:ph type="sldImg"/>
+          </p:nvPr>
+        </p:nvSpPr>
+        <p:spPr/>
+      </p:sp>
+      <p:sp>
+        <p:nvSpPr>
+          <p:cNvPr id="3" name="Marcador de notas 2"/>
+          <p:cNvSpPr>
+            <a:spLocks noGrp="1"/>
+          </p:cNvSpPr>
+          <p:nvPr>
+            <p:ph type="body" idx="1"/>
+          </p:nvPr>
+        </p:nvSpPr>
+        <p:spPr/>
+        <p:txBody>
+          <a:bodyPr/>
+          <a:lstStyle/>
+          <a:p>
+            <a:endParaRPr lang="es-CL" dirty="0"/>
+          </a:p>
+        </p:txBody>
+      </p:sp>
+      <p:sp>
+        <p:nvSpPr>
+          <p:cNvPr id="4" name="Marcador de número de diapositiva 3"/>
+          <p:cNvSpPr>
+            <a:spLocks noGrp="1"/>
+          </p:cNvSpPr>
+          <p:nvPr>
+            <p:ph type="sldNum" sz="quarter" idx="5"/>
+          </p:nvPr>
+        </p:nvSpPr>
+        <p:spPr/>
+        <p:txBody>
+          <a:bodyPr/>
+          <a:lstStyle/>
+          <a:p>
+            <a:fld id="{3572F8DD-1EFC-4318-B21B-A8359624EB57}" type="slidenum">
+              <a:rPr lang="es-CL" smtClean="0"/>
+              <a:t>9</a:t>
+            </a:fld>
+            <a:endParaRPr lang="es-CL"/>
+          </a:p>
+        </p:txBody>
+      </p:sp>
+    </p:spTree>
+    <p:extLst>
+      <p:ext uri="{BB962C8B-B14F-4D97-AF65-F5344CB8AC3E}">
+        <p14:creationId xmlns:p14="http://schemas.microsoft.com/office/powerpoint/2010/main" val="1496282095"/>
+      </p:ext>
+    </p:extLst>
+  </p:cSld>
+  <p:clrMapOvr>
+    <a:masterClrMapping/>
+  </p:clrMapOvr>
+</p:notes>
+</file>
+
+<file path=ppt/notesSlides/notesSlide8.xml><?xml version="1.0" encoding="utf-8"?>
+<p:notes xmlns:a="http://schemas.openxmlformats.org/drawingml/2006/main" xmlns:r="http://schemas.openxmlformats.org/officeDocument/2006/relationships" xmlns:p="http://schemas.openxmlformats.org/presentationml/2006/main">
+  <p:cSld>
+    <p:spTree>
+      <p:nvGrpSpPr>
+        <p:cNvPr id="1" name=""/>
+        <p:cNvGrpSpPr/>
+        <p:nvPr/>
+      </p:nvGrpSpPr>
+      <p:grpSpPr>
+        <a:xfrm>
+          <a:off x="0" y="0"/>
+          <a:ext cx="0" cy="0"/>
+          <a:chOff x="0" y="0"/>
+          <a:chExt cx="0" cy="0"/>
+        </a:xfrm>
+      </p:grpSpPr>
+      <p:sp>
+        <p:nvSpPr>
+          <p:cNvPr id="2" name="Marcador de imagen de diapositiva 1"/>
+          <p:cNvSpPr>
+            <a:spLocks noGrp="1" noRot="1" noChangeAspect="1"/>
+          </p:cNvSpPr>
+          <p:nvPr>
+            <p:ph type="sldImg"/>
+          </p:nvPr>
+        </p:nvSpPr>
+        <p:spPr/>
+      </p:sp>
+      <p:sp>
+        <p:nvSpPr>
+          <p:cNvPr id="3" name="Marcador de notas 2"/>
+          <p:cNvSpPr>
+            <a:spLocks noGrp="1"/>
+          </p:cNvSpPr>
+          <p:nvPr>
+            <p:ph type="body" idx="1"/>
+          </p:nvPr>
+        </p:nvSpPr>
+        <p:spPr/>
+        <p:txBody>
+          <a:bodyPr/>
+          <a:lstStyle/>
+          <a:p>
+            <a:endParaRPr lang="es-CL" dirty="0"/>
+          </a:p>
+        </p:txBody>
+      </p:sp>
+      <p:sp>
+        <p:nvSpPr>
+          <p:cNvPr id="4" name="Marcador de número de diapositiva 3"/>
+          <p:cNvSpPr>
+            <a:spLocks noGrp="1"/>
+          </p:cNvSpPr>
+          <p:nvPr>
+            <p:ph type="sldNum" sz="quarter" idx="5"/>
+          </p:nvPr>
+        </p:nvSpPr>
+        <p:spPr/>
+        <p:txBody>
+          <a:bodyPr/>
+          <a:lstStyle/>
+          <a:p>
+            <a:fld id="{3572F8DD-1EFC-4318-B21B-A8359624EB57}" type="slidenum">
+              <a:rPr lang="es-CL" smtClean="0"/>
+              <a:t>10</a:t>
+            </a:fld>
+            <a:endParaRPr lang="es-CL"/>
+          </a:p>
+        </p:txBody>
+      </p:sp>
+    </p:spTree>
+    <p:extLst>
+      <p:ext uri="{BB962C8B-B14F-4D97-AF65-F5344CB8AC3E}">
+        <p14:creationId xmlns:p14="http://schemas.microsoft.com/office/powerpoint/2010/main" val="3208081816"/>
       </p:ext>
     </p:extLst>
   </p:cSld>
@@ -4375,7 +4892,7 @@
 </p:sld>
 </file>
 
-<file path=ppt/slides/slide2.xml><?xml version="1.0" encoding="utf-8"?>
+<file path=ppt/slides/slide10.xml><?xml version="1.0" encoding="utf-8"?>
 <p:sld xmlns:a="http://schemas.openxmlformats.org/drawingml/2006/main" xmlns:r="http://schemas.openxmlformats.org/officeDocument/2006/relationships" xmlns:p="http://schemas.openxmlformats.org/presentationml/2006/main">
   <p:cSld>
     <p:bg>
@@ -4402,7 +4919,7 @@
       </p:grpSpPr>
       <p:sp>
         <p:nvSpPr>
-          <p:cNvPr id="21" name="Rectangle 20">
+          <p:cNvPr id="8" name="Rectangle 7">
             <a:extLst>
               <a:ext uri="{FF2B5EF4-FFF2-40B4-BE49-F238E27FC236}">
                 <a16:creationId xmlns:a16="http://schemas.microsoft.com/office/drawing/2014/main" id="{E8A8EAB8-D2FF-444D-B34B-7D32F106AD0E}"/>
@@ -4475,7 +4992,7 @@
           <p:cNvPr id="2" name="Título 1">
             <a:extLst>
               <a:ext uri="{FF2B5EF4-FFF2-40B4-BE49-F238E27FC236}">
-                <a16:creationId xmlns:a16="http://schemas.microsoft.com/office/drawing/2014/main" id="{65755AD9-E843-EF36-40A5-CFA92DE12DD0}"/>
+                <a16:creationId xmlns:a16="http://schemas.microsoft.com/office/drawing/2014/main" id="{AACA2F14-E065-70B0-AB14-606E4FF8662C}"/>
               </a:ext>
             </a:extLst>
           </p:cNvPr>
@@ -4488,386 +5005,37 @@
         </p:nvSpPr>
         <p:spPr>
           <a:xfrm>
-            <a:off x="838200" y="448721"/>
-            <a:ext cx="4707671" cy="1225650"/>
-          </a:xfrm>
-        </p:spPr>
-        <p:txBody>
-          <a:bodyPr anchor="b">
+            <a:off x="328605" y="0"/>
+            <a:ext cx="1036771" cy="1042219"/>
+          </a:xfrm>
+        </p:spPr>
+        <p:txBody>
+          <a:bodyPr anchor="ctr">
             <a:normAutofit/>
           </a:bodyPr>
           <a:lstStyle/>
           <a:p>
             <a:r>
-              <a:rPr lang="es-ES" sz="3800" b="1" i="0" cap="all" dirty="0">
+              <a:rPr lang="es-ES" sz="1100" b="1" i="0" cap="all" dirty="0" err="1">
                 <a:solidFill>
                   <a:schemeClr val="bg1"/>
                 </a:solidFill>
                 <a:effectLst/>
                 <a:latin typeface="Posterama" panose="020B0504020200020000" pitchFamily="34" charset="0"/>
               </a:rPr>
-              <a:t>tema</a:t>
-            </a:r>
-            <a:endParaRPr lang="es-CL" sz="3800" dirty="0">
-              <a:solidFill>
-                <a:schemeClr val="bg1"/>
-              </a:solidFill>
-            </a:endParaRPr>
-          </a:p>
-        </p:txBody>
-      </p:sp>
-      <p:cxnSp>
-        <p:nvCxnSpPr>
-          <p:cNvPr id="23" name="Straight Connector 22">
-            <a:extLst>
-              <a:ext uri="{FF2B5EF4-FFF2-40B4-BE49-F238E27FC236}">
-                <a16:creationId xmlns:a16="http://schemas.microsoft.com/office/drawing/2014/main" id="{EEA38897-7BA3-4408-8083-3235339C4A60}"/>
-              </a:ext>
-              <a:ext uri="{C183D7F6-B498-43B3-948B-1728B52AA6E4}">
-                <adec:decorative xmlns:adec="http://schemas.microsoft.com/office/drawing/2017/decorative" val="1"/>
-              </a:ext>
-            </a:extLst>
-          </p:cNvPr>
-          <p:cNvCxnSpPr>
-            <a:cxnSpLocks noGrp="1" noRot="1" noChangeAspect="1" noMove="1" noResize="1" noEditPoints="1" noAdjustHandles="1" noChangeArrowheads="1" noChangeShapeType="1"/>
-          </p:cNvCxnSpPr>
-          <p:nvPr>
-            <p:extLst>
-              <p:ext uri="{386F3935-93C4-4BCD-93E2-E3B085C9AB24}">
-                <p16:designElem xmlns:p16="http://schemas.microsoft.com/office/powerpoint/2015/main" val="1"/>
-              </p:ext>
-            </p:extLst>
-          </p:nvPr>
-        </p:nvCxnSpPr>
-        <p:spPr>
-          <a:xfrm flipH="1">
-            <a:off x="831873" y="1749756"/>
-            <a:ext cx="4718304" cy="0"/>
-          </a:xfrm>
-          <a:prstGeom prst="line">
-            <a:avLst/>
-          </a:prstGeom>
-          <a:ln w="12700">
-            <a:solidFill>
-              <a:schemeClr val="accent2"/>
-            </a:solidFill>
-          </a:ln>
-        </p:spPr>
-        <p:style>
-          <a:lnRef idx="1">
-            <a:schemeClr val="accent1"/>
-          </a:lnRef>
-          <a:fillRef idx="0">
-            <a:schemeClr val="accent1"/>
-          </a:fillRef>
-          <a:effectRef idx="0">
-            <a:schemeClr val="accent1"/>
-          </a:effectRef>
-          <a:fontRef idx="minor">
-            <a:schemeClr val="tx1"/>
-          </a:fontRef>
-        </p:style>
-      </p:cxnSp>
-      <p:sp>
-        <p:nvSpPr>
-          <p:cNvPr id="3" name="Marcador de contenido 2">
-            <a:extLst>
-              <a:ext uri="{FF2B5EF4-FFF2-40B4-BE49-F238E27FC236}">
-                <a16:creationId xmlns:a16="http://schemas.microsoft.com/office/drawing/2014/main" id="{9225D40D-B7D7-C38A-2697-5A1B13C92D4D}"/>
-              </a:ext>
-            </a:extLst>
-          </p:cNvPr>
-          <p:cNvSpPr>
-            <a:spLocks noGrp="1"/>
-          </p:cNvSpPr>
-          <p:nvPr>
-            <p:ph idx="1"/>
-          </p:nvPr>
-        </p:nvSpPr>
-        <p:spPr>
-          <a:xfrm>
-            <a:off x="897768" y="2480023"/>
-            <a:ext cx="4586513" cy="3647710"/>
-          </a:xfrm>
-        </p:spPr>
-        <p:txBody>
-          <a:bodyPr>
-            <a:normAutofit/>
-          </a:bodyPr>
-          <a:lstStyle/>
-          <a:p>
-            <a:r>
-              <a:rPr lang="es-ES" sz="2400" dirty="0">
-                <a:solidFill>
-                  <a:schemeClr val="bg1"/>
-                </a:solidFill>
-                <a:latin typeface="Posterama" panose="020B0504020200020000" pitchFamily="34" charset="0"/>
-                <a:cs typeface="Posterama" panose="020B0504020200020000" pitchFamily="34" charset="0"/>
-              </a:rPr>
-              <a:t>T</a:t>
-            </a:r>
-            <a:r>
-              <a:rPr lang="es-ES" sz="2400" b="0" i="0" u="none" strike="noStrike" dirty="0">
-                <a:solidFill>
-                  <a:schemeClr val="bg1"/>
-                </a:solidFill>
-                <a:effectLst/>
-                <a:latin typeface="Posterama" panose="020B0504020200020000" pitchFamily="34" charset="0"/>
-                <a:cs typeface="Posterama" panose="020B0504020200020000" pitchFamily="34" charset="0"/>
-              </a:rPr>
-              <a:t>iroteos masivos en USA, ¿Están relacionados con la salud mental?</a:t>
-            </a:r>
-          </a:p>
-          <a:p>
-            <a:pPr marL="0" indent="0">
-              <a:buNone/>
-            </a:pPr>
-            <a:endParaRPr lang="es-ES" sz="2400" b="0" i="0" u="none" strike="noStrike" dirty="0">
-              <a:solidFill>
-                <a:schemeClr val="bg1"/>
-              </a:solidFill>
-              <a:effectLst/>
-              <a:latin typeface="Posterama" panose="020B0504020200020000" pitchFamily="34" charset="0"/>
-              <a:cs typeface="Posterama" panose="020B0504020200020000" pitchFamily="34" charset="0"/>
-            </a:endParaRPr>
-          </a:p>
-        </p:txBody>
-      </p:sp>
-      <p:cxnSp>
-        <p:nvCxnSpPr>
-          <p:cNvPr id="25" name="Straight Connector 24">
-            <a:extLst>
-              <a:ext uri="{FF2B5EF4-FFF2-40B4-BE49-F238E27FC236}">
-                <a16:creationId xmlns:a16="http://schemas.microsoft.com/office/drawing/2014/main" id="{F11AD06B-AB20-4097-8606-5DA00DBACE88}"/>
-              </a:ext>
-              <a:ext uri="{C183D7F6-B498-43B3-948B-1728B52AA6E4}">
-                <adec:decorative xmlns:adec="http://schemas.microsoft.com/office/drawing/2017/decorative" val="1"/>
-              </a:ext>
-            </a:extLst>
-          </p:cNvPr>
-          <p:cNvCxnSpPr>
-            <a:cxnSpLocks noGrp="1" noRot="1" noChangeAspect="1" noMove="1" noResize="1" noEditPoints="1" noAdjustHandles="1" noChangeArrowheads="1" noChangeShapeType="1"/>
-          </p:cNvCxnSpPr>
-          <p:nvPr>
-            <p:extLst>
-              <p:ext uri="{386F3935-93C4-4BCD-93E2-E3B085C9AB24}">
-                <p16:designElem xmlns:p16="http://schemas.microsoft.com/office/powerpoint/2015/main" val="1"/>
-              </p:ext>
-            </p:extLst>
-          </p:nvPr>
-        </p:nvCxnSpPr>
-        <p:spPr>
-          <a:xfrm flipH="1">
-            <a:off x="834027" y="5707672"/>
-            <a:ext cx="4713997" cy="0"/>
-          </a:xfrm>
-          <a:prstGeom prst="line">
-            <a:avLst/>
-          </a:prstGeom>
-          <a:ln w="12700">
-            <a:solidFill>
-              <a:schemeClr val="accent2"/>
-            </a:solidFill>
-          </a:ln>
-        </p:spPr>
-        <p:style>
-          <a:lnRef idx="1">
-            <a:schemeClr val="accent1"/>
-          </a:lnRef>
-          <a:fillRef idx="0">
-            <a:schemeClr val="accent1"/>
-          </a:fillRef>
-          <a:effectRef idx="0">
-            <a:schemeClr val="accent1"/>
-          </a:effectRef>
-          <a:fontRef idx="minor">
-            <a:schemeClr val="tx1"/>
-          </a:fontRef>
-        </p:style>
-      </p:cxnSp>
-      <p:pic>
-        <p:nvPicPr>
-          <p:cNvPr id="15" name="Imagen 14">
-            <a:extLst>
-              <a:ext uri="{FF2B5EF4-FFF2-40B4-BE49-F238E27FC236}">
-                <a16:creationId xmlns:a16="http://schemas.microsoft.com/office/drawing/2014/main" id="{AB345D88-46FF-5BF5-AF40-A70DC5798909}"/>
-              </a:ext>
-            </a:extLst>
-          </p:cNvPr>
-          <p:cNvPicPr>
-            <a:picLocks noChangeAspect="1"/>
-          </p:cNvPicPr>
-          <p:nvPr/>
-        </p:nvPicPr>
-        <p:blipFill>
-          <a:blip r:embed="rId2">
-            <a:extLst>
-              <a:ext uri="{28A0092B-C50C-407E-A947-70E740481C1C}">
-                <a14:useLocalDpi xmlns:a14="http://schemas.microsoft.com/office/drawing/2010/main" val="0"/>
-              </a:ext>
-            </a:extLst>
-          </a:blip>
-          <a:stretch>
-            <a:fillRect/>
-          </a:stretch>
-        </p:blipFill>
-        <p:spPr>
-          <a:xfrm>
-            <a:off x="5963117" y="0"/>
-            <a:ext cx="6228883" cy="6858000"/>
-          </a:xfrm>
-          <a:prstGeom prst="rect">
-            <a:avLst/>
-          </a:prstGeom>
-        </p:spPr>
-      </p:pic>
-    </p:spTree>
-    <p:extLst>
-      <p:ext uri="{BB962C8B-B14F-4D97-AF65-F5344CB8AC3E}">
-        <p14:creationId xmlns:p14="http://schemas.microsoft.com/office/powerpoint/2010/main" val="1389041507"/>
-      </p:ext>
-    </p:extLst>
-  </p:cSld>
-  <p:clrMapOvr>
-    <a:masterClrMapping/>
-  </p:clrMapOvr>
-</p:sld>
-</file>
-
-<file path=ppt/slides/slide3.xml><?xml version="1.0" encoding="utf-8"?>
-<p:sld xmlns:a="http://schemas.openxmlformats.org/drawingml/2006/main" xmlns:r="http://schemas.openxmlformats.org/officeDocument/2006/relationships" xmlns:p="http://schemas.openxmlformats.org/presentationml/2006/main">
-  <p:cSld>
-    <p:bg>
-      <p:bgPr>
-        <a:solidFill>
-          <a:schemeClr val="bg1"/>
-        </a:solidFill>
-        <a:effectLst/>
-      </p:bgPr>
-    </p:bg>
-    <p:spTree>
-      <p:nvGrpSpPr>
-        <p:cNvPr id="1" name=""/>
-        <p:cNvGrpSpPr/>
-        <p:nvPr/>
-      </p:nvGrpSpPr>
-      <p:grpSpPr>
-        <a:xfrm>
-          <a:off x="0" y="0"/>
-          <a:ext cx="0" cy="0"/>
-          <a:chOff x="0" y="0"/>
-          <a:chExt cx="0" cy="0"/>
-        </a:xfrm>
-      </p:grpSpPr>
-      <p:sp>
-        <p:nvSpPr>
-          <p:cNvPr id="8" name="Rectangle 7">
-            <a:extLst>
-              <a:ext uri="{FF2B5EF4-FFF2-40B4-BE49-F238E27FC236}">
-                <a16:creationId xmlns:a16="http://schemas.microsoft.com/office/drawing/2014/main" id="{E8A8EAB8-D2FF-444D-B34B-7D32F106AD0E}"/>
-              </a:ext>
-              <a:ext uri="{C183D7F6-B498-43B3-948B-1728B52AA6E4}">
-                <adec:decorative xmlns:adec="http://schemas.microsoft.com/office/drawing/2017/decorative" val="1"/>
-              </a:ext>
-            </a:extLst>
-          </p:cNvPr>
-          <p:cNvSpPr>
-            <a:spLocks noGrp="1" noRot="1" noChangeAspect="1" noMove="1" noResize="1" noEditPoints="1" noAdjustHandles="1" noChangeArrowheads="1" noChangeShapeType="1" noTextEdit="1"/>
-          </p:cNvSpPr>
-          <p:nvPr>
-            <p:extLst>
-              <p:ext uri="{386F3935-93C4-4BCD-93E2-E3B085C9AB24}">
-                <p16:designElem xmlns:p16="http://schemas.microsoft.com/office/powerpoint/2015/main" val="1"/>
-              </p:ext>
-            </p:extLst>
-          </p:nvPr>
-        </p:nvSpPr>
-        <p:spPr>
-          <a:xfrm>
-            <a:off x="0" y="0"/>
-            <a:ext cx="12192000" cy="6858000"/>
-          </a:xfrm>
-          <a:prstGeom prst="rect">
-            <a:avLst/>
-          </a:prstGeom>
-          <a:solidFill>
-            <a:schemeClr val="tx1">
-              <a:lumMod val="95000"/>
-              <a:lumOff val="5000"/>
-            </a:schemeClr>
-          </a:solidFill>
-          <a:ln>
-            <a:noFill/>
-          </a:ln>
-        </p:spPr>
-        <p:style>
-          <a:lnRef idx="2">
-            <a:schemeClr val="accent1">
-              <a:shade val="50000"/>
-            </a:schemeClr>
-          </a:lnRef>
-          <a:fillRef idx="1">
-            <a:schemeClr val="accent1"/>
-          </a:fillRef>
-          <a:effectRef idx="0">
-            <a:schemeClr val="accent1"/>
-          </a:effectRef>
-          <a:fontRef idx="minor">
-            <a:schemeClr val="lt1"/>
-          </a:fontRef>
-        </p:style>
-        <p:txBody>
-          <a:bodyPr rtlCol="0" anchor="ctr"/>
-          <a:lstStyle/>
-          <a:p>
-            <a:pPr algn="ctr"/>
-            <a:endParaRPr lang="en-US" dirty="0">
-              <a:solidFill>
-                <a:schemeClr val="bg1"/>
-              </a:solidFill>
-            </a:endParaRPr>
-          </a:p>
-        </p:txBody>
-      </p:sp>
-      <p:sp>
-        <p:nvSpPr>
-          <p:cNvPr id="2" name="Título 1">
-            <a:extLst>
-              <a:ext uri="{FF2B5EF4-FFF2-40B4-BE49-F238E27FC236}">
-                <a16:creationId xmlns:a16="http://schemas.microsoft.com/office/drawing/2014/main" id="{AACA2F14-E065-70B0-AB14-606E4FF8662C}"/>
-              </a:ext>
-            </a:extLst>
-          </p:cNvPr>
-          <p:cNvSpPr>
-            <a:spLocks noGrp="1"/>
-          </p:cNvSpPr>
-          <p:nvPr>
-            <p:ph type="title"/>
-          </p:nvPr>
-        </p:nvSpPr>
-        <p:spPr>
-          <a:xfrm>
-            <a:off x="737326" y="1074345"/>
-            <a:ext cx="4552276" cy="2354655"/>
-          </a:xfrm>
-        </p:spPr>
-        <p:txBody>
-          <a:bodyPr anchor="ctr">
-            <a:normAutofit/>
-          </a:bodyPr>
-          <a:lstStyle/>
-          <a:p>
-            <a:r>
-              <a:rPr lang="es-ES" sz="5000" b="1" i="0" cap="all" dirty="0">
+              <a:t>Jupyter</a:t>
+            </a:r>
+            <a:r>
+              <a:rPr lang="es-ES" sz="1100" b="1" i="0" cap="all" dirty="0">
                 <a:solidFill>
                   <a:schemeClr val="bg1"/>
                 </a:solidFill>
                 <a:effectLst/>
                 <a:latin typeface="Posterama" panose="020B0504020200020000" pitchFamily="34" charset="0"/>
               </a:rPr>
-              <a:t>PROBLEMA</a:t>
-            </a:r>
-            <a:endParaRPr lang="es-CL" sz="5000" dirty="0">
+              <a:t> Notebook</a:t>
+            </a:r>
+            <a:endParaRPr lang="es-CL" sz="1100" dirty="0">
               <a:solidFill>
                 <a:schemeClr val="bg1"/>
               </a:solidFill>
@@ -4979,91 +5147,70 @@
           </a:fontRef>
         </p:style>
       </p:cxnSp>
-      <p:sp>
-        <p:nvSpPr>
-          <p:cNvPr id="3" name="Marcador de contenido 2">
-            <a:extLst>
-              <a:ext uri="{FF2B5EF4-FFF2-40B4-BE49-F238E27FC236}">
-                <a16:creationId xmlns:a16="http://schemas.microsoft.com/office/drawing/2014/main" id="{EDDA0161-AB76-2B37-9660-CEA5E74D33AB}"/>
-              </a:ext>
-            </a:extLst>
-          </p:cNvPr>
-          <p:cNvSpPr>
-            <a:spLocks noGrp="1"/>
-          </p:cNvSpPr>
-          <p:nvPr>
-            <p:ph idx="1"/>
-          </p:nvPr>
-        </p:nvSpPr>
+      <p:pic>
+        <p:nvPicPr>
+          <p:cNvPr id="4" name="Imagen 3">
+            <a:extLst>
+              <a:ext uri="{FF2B5EF4-FFF2-40B4-BE49-F238E27FC236}">
+                <a16:creationId xmlns:a16="http://schemas.microsoft.com/office/drawing/2014/main" id="{9B432F5A-D62C-4F34-5448-F206421854C1}"/>
+              </a:ext>
+            </a:extLst>
+          </p:cNvPr>
+          <p:cNvPicPr>
+            <a:picLocks noChangeAspect="1"/>
+          </p:cNvPicPr>
+          <p:nvPr/>
+        </p:nvPicPr>
+        <p:blipFill>
+          <a:blip r:embed="rId3"/>
+          <a:stretch>
+            <a:fillRect/>
+          </a:stretch>
+        </p:blipFill>
         <p:spPr>
           <a:xfrm>
-            <a:off x="906646" y="1856978"/>
-            <a:ext cx="5008901" cy="4571972"/>
-          </a:xfrm>
-        </p:spPr>
-        <p:txBody>
-          <a:bodyPr anchor="ctr">
-            <a:normAutofit/>
-          </a:bodyPr>
-          <a:lstStyle/>
-          <a:p>
-            <a:r>
-              <a:rPr lang="es-MX" sz="2400" dirty="0">
-                <a:solidFill>
-                  <a:schemeClr val="bg1"/>
-                </a:solidFill>
-                <a:latin typeface="Posterama" panose="020B0504020200020000" pitchFamily="34" charset="0"/>
-                <a:cs typeface="Posterama" panose="020B0504020200020000" pitchFamily="34" charset="0"/>
-              </a:rPr>
-              <a:t>Cambios del </a:t>
-            </a:r>
-            <a:r>
-              <a:rPr lang="es-MX" sz="2400" dirty="0" err="1">
-                <a:solidFill>
-                  <a:schemeClr val="bg1"/>
-                </a:solidFill>
-                <a:latin typeface="Posterama" panose="020B0504020200020000" pitchFamily="34" charset="0"/>
-                <a:cs typeface="Posterama" panose="020B0504020200020000" pitchFamily="34" charset="0"/>
-              </a:rPr>
-              <a:t>DataFrame</a:t>
-            </a:r>
-            <a:endParaRPr lang="es-MX" sz="2400" dirty="0">
-              <a:solidFill>
-                <a:schemeClr val="bg1"/>
-              </a:solidFill>
-              <a:latin typeface="Posterama" panose="020B0504020200020000" pitchFamily="34" charset="0"/>
-              <a:cs typeface="Posterama" panose="020B0504020200020000" pitchFamily="34" charset="0"/>
-            </a:endParaRPr>
-          </a:p>
-          <a:p>
-            <a:r>
-              <a:rPr lang="es-MX" sz="2400" b="0" i="0" dirty="0">
-                <a:solidFill>
-                  <a:schemeClr val="bg1"/>
-                </a:solidFill>
-                <a:effectLst/>
-                <a:latin typeface="Posterama" panose="020B0504020200020000" pitchFamily="34" charset="0"/>
-                <a:cs typeface="Posterama" panose="020B0504020200020000" pitchFamily="34" charset="0"/>
-              </a:rPr>
-              <a:t>Problema con las variables categóricas</a:t>
-            </a:r>
-          </a:p>
-          <a:p>
-            <a:pPr marL="0" indent="0">
-              <a:buNone/>
-            </a:pPr>
-            <a:endParaRPr lang="es-CL" sz="2000" dirty="0">
-              <a:solidFill>
-                <a:schemeClr val="bg1"/>
-              </a:solidFill>
-            </a:endParaRPr>
-          </a:p>
-        </p:txBody>
-      </p:sp>
+            <a:off x="846991" y="1449428"/>
+            <a:ext cx="4808209" cy="3957915"/>
+          </a:xfrm>
+          <a:prstGeom prst="rect">
+            <a:avLst/>
+          </a:prstGeom>
+        </p:spPr>
+      </p:pic>
+      <p:pic>
+        <p:nvPicPr>
+          <p:cNvPr id="9" name="Imagen 8">
+            <a:extLst>
+              <a:ext uri="{FF2B5EF4-FFF2-40B4-BE49-F238E27FC236}">
+                <a16:creationId xmlns:a16="http://schemas.microsoft.com/office/drawing/2014/main" id="{CBA2B9C1-55AD-52DB-0CF3-18ECBD56A4BB}"/>
+              </a:ext>
+            </a:extLst>
+          </p:cNvPr>
+          <p:cNvPicPr>
+            <a:picLocks noChangeAspect="1"/>
+          </p:cNvPicPr>
+          <p:nvPr/>
+        </p:nvPicPr>
+        <p:blipFill>
+          <a:blip r:embed="rId4"/>
+          <a:stretch>
+            <a:fillRect/>
+          </a:stretch>
+        </p:blipFill>
+        <p:spPr>
+          <a:xfrm>
+            <a:off x="6172365" y="1449427"/>
+            <a:ext cx="5257699" cy="3957911"/>
+          </a:xfrm>
+          <a:prstGeom prst="rect">
+            <a:avLst/>
+          </a:prstGeom>
+        </p:spPr>
+      </p:pic>
     </p:spTree>
     <p:extLst>
       <p:ext uri="{BB962C8B-B14F-4D97-AF65-F5344CB8AC3E}">
-        <p14:creationId xmlns:p14="http://schemas.microsoft.com/office/powerpoint/2010/main" val="1723594543"/>
+        <p14:creationId xmlns:p14="http://schemas.microsoft.com/office/powerpoint/2010/main" val="1625831681"/>
       </p:ext>
     </p:extLst>
   </p:cSld>
@@ -5073,832 +5220,7 @@
 </p:sld>
 </file>
 
-<file path=ppt/slides/slide4.xml><?xml version="1.0" encoding="utf-8"?>
-<p:sld xmlns:a="http://schemas.openxmlformats.org/drawingml/2006/main" xmlns:r="http://schemas.openxmlformats.org/officeDocument/2006/relationships" xmlns:p="http://schemas.openxmlformats.org/presentationml/2006/main">
-  <p:cSld>
-    <p:bg>
-      <p:bgPr>
-        <a:solidFill>
-          <a:schemeClr val="bg1"/>
-        </a:solidFill>
-        <a:effectLst/>
-      </p:bgPr>
-    </p:bg>
-    <p:spTree>
-      <p:nvGrpSpPr>
-        <p:cNvPr id="1" name=""/>
-        <p:cNvGrpSpPr/>
-        <p:nvPr/>
-      </p:nvGrpSpPr>
-      <p:grpSpPr>
-        <a:xfrm>
-          <a:off x="0" y="0"/>
-          <a:ext cx="0" cy="0"/>
-          <a:chOff x="0" y="0"/>
-          <a:chExt cx="0" cy="0"/>
-        </a:xfrm>
-      </p:grpSpPr>
-      <p:sp>
-        <p:nvSpPr>
-          <p:cNvPr id="17" name="Rectangle 16">
-            <a:extLst>
-              <a:ext uri="{FF2B5EF4-FFF2-40B4-BE49-F238E27FC236}">
-                <a16:creationId xmlns:a16="http://schemas.microsoft.com/office/drawing/2014/main" id="{A7AE9375-4664-4DB2-922D-2782A6E439AC}"/>
-              </a:ext>
-              <a:ext uri="{C183D7F6-B498-43B3-948B-1728B52AA6E4}">
-                <adec:decorative xmlns:adec="http://schemas.microsoft.com/office/drawing/2017/decorative" val="1"/>
-              </a:ext>
-            </a:extLst>
-          </p:cNvPr>
-          <p:cNvSpPr>
-            <a:spLocks noGrp="1" noRot="1" noChangeAspect="1" noMove="1" noResize="1" noEditPoints="1" noAdjustHandles="1" noChangeArrowheads="1" noChangeShapeType="1" noTextEdit="1"/>
-          </p:cNvSpPr>
-          <p:nvPr>
-            <p:extLst>
-              <p:ext uri="{386F3935-93C4-4BCD-93E2-E3B085C9AB24}">
-                <p16:designElem xmlns:p16="http://schemas.microsoft.com/office/powerpoint/2015/main" val="1"/>
-              </p:ext>
-            </p:extLst>
-          </p:nvPr>
-        </p:nvSpPr>
-        <p:spPr>
-          <a:xfrm>
-            <a:off x="0" y="0"/>
-            <a:ext cx="12192000" cy="6858000"/>
-          </a:xfrm>
-          <a:prstGeom prst="rect">
-            <a:avLst/>
-          </a:prstGeom>
-          <a:solidFill>
-            <a:schemeClr val="tx1">
-              <a:lumMod val="95000"/>
-              <a:lumOff val="5000"/>
-            </a:schemeClr>
-          </a:solidFill>
-          <a:ln>
-            <a:noFill/>
-          </a:ln>
-        </p:spPr>
-        <p:style>
-          <a:lnRef idx="2">
-            <a:schemeClr val="accent1">
-              <a:shade val="50000"/>
-            </a:schemeClr>
-          </a:lnRef>
-          <a:fillRef idx="1">
-            <a:schemeClr val="accent1"/>
-          </a:fillRef>
-          <a:effectRef idx="0">
-            <a:schemeClr val="accent1"/>
-          </a:effectRef>
-          <a:fontRef idx="minor">
-            <a:schemeClr val="lt1"/>
-          </a:fontRef>
-        </p:style>
-        <p:txBody>
-          <a:bodyPr rtlCol="0" anchor="ctr"/>
-          <a:lstStyle/>
-          <a:p>
-            <a:pPr algn="ctr"/>
-            <a:endParaRPr lang="en-US" dirty="0">
-              <a:solidFill>
-                <a:schemeClr val="tx1"/>
-              </a:solidFill>
-            </a:endParaRPr>
-          </a:p>
-        </p:txBody>
-      </p:sp>
-      <p:sp>
-        <p:nvSpPr>
-          <p:cNvPr id="2" name="Título 1">
-            <a:extLst>
-              <a:ext uri="{FF2B5EF4-FFF2-40B4-BE49-F238E27FC236}">
-                <a16:creationId xmlns:a16="http://schemas.microsoft.com/office/drawing/2014/main" id="{F4213217-9514-DD5E-33EB-5AD7CE7B616F}"/>
-              </a:ext>
-            </a:extLst>
-          </p:cNvPr>
-          <p:cNvSpPr>
-            <a:spLocks noGrp="1"/>
-          </p:cNvSpPr>
-          <p:nvPr>
-            <p:ph type="title"/>
-          </p:nvPr>
-        </p:nvSpPr>
-        <p:spPr>
-          <a:xfrm>
-            <a:off x="-442108" y="741615"/>
-            <a:ext cx="6107893" cy="1325563"/>
-          </a:xfrm>
-        </p:spPr>
-        <p:txBody>
-          <a:bodyPr anchor="b">
-            <a:normAutofit/>
-          </a:bodyPr>
-          <a:lstStyle/>
-          <a:p>
-            <a:pPr algn="r"/>
-            <a:r>
-              <a:rPr lang="es-ES" b="1" i="0" u="none" strike="noStrike" cap="all" dirty="0">
-                <a:solidFill>
-                  <a:schemeClr val="bg1"/>
-                </a:solidFill>
-                <a:effectLst/>
-                <a:latin typeface="Posterama" panose="020B0504020200020000" pitchFamily="34" charset="0"/>
-              </a:rPr>
-              <a:t>EN QUÉ NOS BASAMOS</a:t>
-            </a:r>
-            <a:r>
-              <a:rPr lang="es-ES" b="0" i="0" dirty="0">
-                <a:solidFill>
-                  <a:schemeClr val="bg1"/>
-                </a:solidFill>
-                <a:effectLst/>
-                <a:latin typeface="Posterama" panose="020B0504020200020000" pitchFamily="34" charset="0"/>
-              </a:rPr>
-              <a:t>​</a:t>
-            </a:r>
-            <a:endParaRPr lang="es-CL" dirty="0">
-              <a:solidFill>
-                <a:schemeClr val="bg1"/>
-              </a:solidFill>
-            </a:endParaRPr>
-          </a:p>
-        </p:txBody>
-      </p:sp>
-      <p:cxnSp>
-        <p:nvCxnSpPr>
-          <p:cNvPr id="19" name="Straight Connector 18">
-            <a:extLst>
-              <a:ext uri="{FF2B5EF4-FFF2-40B4-BE49-F238E27FC236}">
-                <a16:creationId xmlns:a16="http://schemas.microsoft.com/office/drawing/2014/main" id="{EE504C98-6397-41C1-A8D8-2D9C4ED307E0}"/>
-              </a:ext>
-              <a:ext uri="{C183D7F6-B498-43B3-948B-1728B52AA6E4}">
-                <adec:decorative xmlns:adec="http://schemas.microsoft.com/office/drawing/2017/decorative" val="1"/>
-              </a:ext>
-            </a:extLst>
-          </p:cNvPr>
-          <p:cNvCxnSpPr>
-            <a:cxnSpLocks noGrp="1" noRot="1" noChangeAspect="1" noMove="1" noResize="1" noEditPoints="1" noAdjustHandles="1" noChangeArrowheads="1" noChangeShapeType="1"/>
-          </p:cNvCxnSpPr>
-          <p:nvPr>
-            <p:extLst>
-              <p:ext uri="{386F3935-93C4-4BCD-93E2-E3B085C9AB24}">
-                <p16:designElem xmlns:p16="http://schemas.microsoft.com/office/powerpoint/2015/main" val="1"/>
-              </p:ext>
-            </p:extLst>
-          </p:nvPr>
-        </p:nvCxnSpPr>
-        <p:spPr>
-          <a:xfrm flipH="1">
-            <a:off x="126210" y="2026340"/>
-            <a:ext cx="5220936" cy="0"/>
-          </a:xfrm>
-          <a:prstGeom prst="line">
-            <a:avLst/>
-          </a:prstGeom>
-          <a:ln w="12700">
-            <a:solidFill>
-              <a:schemeClr val="accent2"/>
-            </a:solidFill>
-          </a:ln>
-        </p:spPr>
-        <p:style>
-          <a:lnRef idx="1">
-            <a:schemeClr val="accent1"/>
-          </a:lnRef>
-          <a:fillRef idx="0">
-            <a:schemeClr val="accent1"/>
-          </a:fillRef>
-          <a:effectRef idx="0">
-            <a:schemeClr val="accent1"/>
-          </a:effectRef>
-          <a:fontRef idx="minor">
-            <a:schemeClr val="tx1"/>
-          </a:fontRef>
-        </p:style>
-      </p:cxnSp>
-      <p:sp>
-        <p:nvSpPr>
-          <p:cNvPr id="21" name="Rectangle 20">
-            <a:extLst>
-              <a:ext uri="{FF2B5EF4-FFF2-40B4-BE49-F238E27FC236}">
-                <a16:creationId xmlns:a16="http://schemas.microsoft.com/office/drawing/2014/main" id="{9DD005C1-8C51-42D6-9BEE-B9B83849743D}"/>
-              </a:ext>
-              <a:ext uri="{C183D7F6-B498-43B3-948B-1728B52AA6E4}">
-                <adec:decorative xmlns:adec="http://schemas.microsoft.com/office/drawing/2017/decorative" val="1"/>
-              </a:ext>
-            </a:extLst>
-          </p:cNvPr>
-          <p:cNvSpPr>
-            <a:spLocks noGrp="1" noRot="1" noChangeAspect="1" noMove="1" noResize="1" noEditPoints="1" noAdjustHandles="1" noChangeArrowheads="1" noChangeShapeType="1" noTextEdit="1"/>
-          </p:cNvSpPr>
-          <p:nvPr>
-            <p:extLst>
-              <p:ext uri="{386F3935-93C4-4BCD-93E2-E3B085C9AB24}">
-                <p16:designElem xmlns:p16="http://schemas.microsoft.com/office/powerpoint/2015/main" val="1"/>
-              </p:ext>
-            </p:extLst>
-          </p:nvPr>
-        </p:nvSpPr>
-        <p:spPr>
-          <a:xfrm>
-            <a:off x="126206" y="115193"/>
-            <a:ext cx="11939588" cy="6627614"/>
-          </a:xfrm>
-          <a:prstGeom prst="rect">
-            <a:avLst/>
-          </a:prstGeom>
-          <a:noFill/>
-          <a:ln w="12700">
-            <a:solidFill>
-              <a:schemeClr val="accent2"/>
-            </a:solidFill>
-          </a:ln>
-        </p:spPr>
-        <p:style>
-          <a:lnRef idx="2">
-            <a:schemeClr val="accent1">
-              <a:shade val="50000"/>
-            </a:schemeClr>
-          </a:lnRef>
-          <a:fillRef idx="1">
-            <a:schemeClr val="accent1"/>
-          </a:fillRef>
-          <a:effectRef idx="0">
-            <a:schemeClr val="accent1"/>
-          </a:effectRef>
-          <a:fontRef idx="minor">
-            <a:schemeClr val="lt1"/>
-          </a:fontRef>
-        </p:style>
-        <p:txBody>
-          <a:bodyPr rtlCol="0" anchor="ctr"/>
-          <a:lstStyle/>
-          <a:p>
-            <a:pPr algn="ctr"/>
-            <a:endParaRPr lang="en-US"/>
-          </a:p>
-        </p:txBody>
-      </p:sp>
-      <p:pic>
-        <p:nvPicPr>
-          <p:cNvPr id="29" name="Imagen 28">
-            <a:extLst>
-              <a:ext uri="{FF2B5EF4-FFF2-40B4-BE49-F238E27FC236}">
-                <a16:creationId xmlns:a16="http://schemas.microsoft.com/office/drawing/2014/main" id="{112D823D-1A2C-00F1-35E4-ECBBDBAB4B90}"/>
-              </a:ext>
-            </a:extLst>
-          </p:cNvPr>
-          <p:cNvPicPr>
-            <a:picLocks noChangeAspect="1"/>
-          </p:cNvPicPr>
-          <p:nvPr/>
-        </p:nvPicPr>
-        <p:blipFill>
-          <a:blip r:embed="rId2">
-            <a:alphaModFix amt="20000"/>
-            <a:extLst>
-              <a:ext uri="{28A0092B-C50C-407E-A947-70E740481C1C}">
-                <a14:useLocalDpi xmlns:a14="http://schemas.microsoft.com/office/drawing/2010/main" val="0"/>
-              </a:ext>
-            </a:extLst>
-          </a:blip>
-          <a:stretch>
-            <a:fillRect/>
-          </a:stretch>
-        </p:blipFill>
-        <p:spPr>
-          <a:xfrm>
-            <a:off x="194067" y="793393"/>
-            <a:ext cx="1659542" cy="1329814"/>
-          </a:xfrm>
-          <a:prstGeom prst="rect">
-            <a:avLst/>
-          </a:prstGeom>
-        </p:spPr>
-      </p:pic>
-      <p:sp>
-        <p:nvSpPr>
-          <p:cNvPr id="2050" name="Rectángulo 2049">
-            <a:extLst>
-              <a:ext uri="{FF2B5EF4-FFF2-40B4-BE49-F238E27FC236}">
-                <a16:creationId xmlns:a16="http://schemas.microsoft.com/office/drawing/2014/main" id="{E1F67AAA-DE54-162E-BF65-ADB0C3D49978}"/>
-              </a:ext>
-            </a:extLst>
-          </p:cNvPr>
-          <p:cNvSpPr/>
-          <p:nvPr/>
-        </p:nvSpPr>
-        <p:spPr>
-          <a:xfrm>
-            <a:off x="1853609" y="3118924"/>
-            <a:ext cx="2993581" cy="1883748"/>
-          </a:xfrm>
-          <a:prstGeom prst="rect">
-            <a:avLst/>
-          </a:prstGeom>
-          <a:solidFill>
-            <a:schemeClr val="tx1"/>
-          </a:solidFill>
-          <a:ln/>
-          <a:effectLst>
-            <a:glow>
-              <a:schemeClr val="tx1"/>
-            </a:glow>
-            <a:softEdge rad="0"/>
-          </a:effectLst>
-        </p:spPr>
-        <p:style>
-          <a:lnRef idx="2">
-            <a:schemeClr val="accent2"/>
-          </a:lnRef>
-          <a:fillRef idx="1">
-            <a:schemeClr val="lt1"/>
-          </a:fillRef>
-          <a:effectRef idx="0">
-            <a:schemeClr val="accent2"/>
-          </a:effectRef>
-          <a:fontRef idx="minor">
-            <a:schemeClr val="dk1"/>
-          </a:fontRef>
-        </p:style>
-        <p:txBody>
-          <a:bodyPr rtlCol="0" anchor="ctr"/>
-          <a:lstStyle/>
-          <a:p>
-            <a:pPr algn="ctr"/>
-            <a:endParaRPr lang="es-MX" sz="2400" dirty="0">
-              <a:solidFill>
-                <a:schemeClr val="bg1"/>
-              </a:solidFill>
-              <a:latin typeface="Posterama" panose="020B0504020200020000" pitchFamily="34" charset="0"/>
-              <a:cs typeface="Posterama" panose="020B0504020200020000" pitchFamily="34" charset="0"/>
-            </a:endParaRPr>
-          </a:p>
-          <a:p>
-            <a:pPr algn="ctr"/>
-            <a:r>
-              <a:rPr lang="es-MX" sz="2400" dirty="0" err="1">
-                <a:solidFill>
-                  <a:schemeClr val="bg1"/>
-                </a:solidFill>
-                <a:latin typeface="Posterama" panose="020B0504020200020000" pitchFamily="34" charset="0"/>
-                <a:cs typeface="Posterama" panose="020B0504020200020000" pitchFamily="34" charset="0"/>
-              </a:rPr>
-              <a:t>DataSet</a:t>
-            </a:r>
-            <a:r>
-              <a:rPr lang="es-MX" sz="2400" dirty="0">
-                <a:solidFill>
-                  <a:schemeClr val="bg1"/>
-                </a:solidFill>
-                <a:latin typeface="Posterama" panose="020B0504020200020000" pitchFamily="34" charset="0"/>
-                <a:cs typeface="Posterama" panose="020B0504020200020000" pitchFamily="34" charset="0"/>
-              </a:rPr>
-              <a:t> de tiroteos en Estados </a:t>
-            </a:r>
-          </a:p>
-          <a:p>
-            <a:pPr algn="ctr"/>
-            <a:r>
-              <a:rPr lang="es-MX" sz="2400" dirty="0">
-                <a:solidFill>
-                  <a:schemeClr val="bg1"/>
-                </a:solidFill>
-                <a:latin typeface="Posterama" panose="020B0504020200020000" pitchFamily="34" charset="0"/>
-                <a:cs typeface="Posterama" panose="020B0504020200020000" pitchFamily="34" charset="0"/>
-              </a:rPr>
-              <a:t>Unidos</a:t>
-            </a:r>
-          </a:p>
-          <a:p>
-            <a:pPr algn="ctr"/>
-            <a:endParaRPr lang="es-CL" dirty="0"/>
-          </a:p>
-        </p:txBody>
-      </p:sp>
-      <p:pic>
-        <p:nvPicPr>
-          <p:cNvPr id="39" name="Imagen 38">
-            <a:extLst>
-              <a:ext uri="{FF2B5EF4-FFF2-40B4-BE49-F238E27FC236}">
-                <a16:creationId xmlns:a16="http://schemas.microsoft.com/office/drawing/2014/main" id="{50C89E15-7D71-8145-08AD-E55675DBAF3C}"/>
-              </a:ext>
-            </a:extLst>
-          </p:cNvPr>
-          <p:cNvPicPr>
-            <a:picLocks noChangeAspect="1"/>
-          </p:cNvPicPr>
-          <p:nvPr/>
-        </p:nvPicPr>
-        <p:blipFill>
-          <a:blip r:embed="rId3">
-            <a:alphaModFix/>
-            <a:extLst>
-              <a:ext uri="{28A0092B-C50C-407E-A947-70E740481C1C}">
-                <a14:useLocalDpi xmlns:a14="http://schemas.microsoft.com/office/drawing/2010/main" val="0"/>
-              </a:ext>
-            </a:extLst>
-          </a:blip>
-          <a:stretch>
-            <a:fillRect/>
-          </a:stretch>
-        </p:blipFill>
-        <p:spPr>
-          <a:xfrm>
-            <a:off x="1207752" y="4749635"/>
-            <a:ext cx="2468361" cy="1123104"/>
-          </a:xfrm>
-          <a:prstGeom prst="rect">
-            <a:avLst/>
-          </a:prstGeom>
-        </p:spPr>
-      </p:pic>
-      <p:sp>
-        <p:nvSpPr>
-          <p:cNvPr id="40" name="Rectángulo 39">
-            <a:extLst>
-              <a:ext uri="{FF2B5EF4-FFF2-40B4-BE49-F238E27FC236}">
-                <a16:creationId xmlns:a16="http://schemas.microsoft.com/office/drawing/2014/main" id="{D753DD59-708C-D066-6F6A-14BBD42177C4}"/>
-              </a:ext>
-            </a:extLst>
-          </p:cNvPr>
-          <p:cNvSpPr/>
-          <p:nvPr/>
-        </p:nvSpPr>
-        <p:spPr>
-          <a:xfrm>
-            <a:off x="7045621" y="3118924"/>
-            <a:ext cx="2993581" cy="1883748"/>
-          </a:xfrm>
-          <a:prstGeom prst="rect">
-            <a:avLst/>
-          </a:prstGeom>
-          <a:solidFill>
-            <a:schemeClr val="tx1"/>
-          </a:solidFill>
-          <a:ln/>
-          <a:effectLst>
-            <a:glow>
-              <a:schemeClr val="accent1"/>
-            </a:glow>
-            <a:softEdge rad="0"/>
-          </a:effectLst>
-        </p:spPr>
-        <p:style>
-          <a:lnRef idx="2">
-            <a:schemeClr val="accent2"/>
-          </a:lnRef>
-          <a:fillRef idx="1">
-            <a:schemeClr val="lt1"/>
-          </a:fillRef>
-          <a:effectRef idx="0">
-            <a:schemeClr val="accent2"/>
-          </a:effectRef>
-          <a:fontRef idx="minor">
-            <a:schemeClr val="dk1"/>
-          </a:fontRef>
-        </p:style>
-        <p:txBody>
-          <a:bodyPr rtlCol="0" anchor="ctr"/>
-          <a:lstStyle/>
-          <a:p>
-            <a:pPr algn="ctr"/>
-            <a:r>
-              <a:rPr lang="es-MX" sz="2400" dirty="0">
-                <a:solidFill>
-                  <a:schemeClr val="bg1"/>
-                </a:solidFill>
-                <a:latin typeface="Posterama" panose="020B0504020200020000" pitchFamily="34" charset="0"/>
-                <a:cs typeface="Posterama" panose="020B0504020200020000" pitchFamily="34" charset="0"/>
-              </a:rPr>
-              <a:t>Datos de la salud mental en Estados Unidos</a:t>
-            </a:r>
-          </a:p>
-          <a:p>
-            <a:pPr algn="ctr"/>
-            <a:endParaRPr lang="es-CL" dirty="0"/>
-          </a:p>
-        </p:txBody>
-      </p:sp>
-      <p:pic>
-        <p:nvPicPr>
-          <p:cNvPr id="23" name="Imagen 22">
-            <a:extLst>
-              <a:ext uri="{FF2B5EF4-FFF2-40B4-BE49-F238E27FC236}">
-                <a16:creationId xmlns:a16="http://schemas.microsoft.com/office/drawing/2014/main" id="{43E71E85-AB59-6742-75DD-B36C76C79677}"/>
-              </a:ext>
-            </a:extLst>
-          </p:cNvPr>
-          <p:cNvPicPr>
-            <a:picLocks noChangeAspect="1"/>
-          </p:cNvPicPr>
-          <p:nvPr/>
-        </p:nvPicPr>
-        <p:blipFill>
-          <a:blip r:embed="rId4">
-            <a:extLst>
-              <a:ext uri="{28A0092B-C50C-407E-A947-70E740481C1C}">
-                <a14:useLocalDpi xmlns:a14="http://schemas.microsoft.com/office/drawing/2010/main" val="0"/>
-              </a:ext>
-            </a:extLst>
-          </a:blip>
-          <a:stretch>
-            <a:fillRect/>
-          </a:stretch>
-        </p:blipFill>
-        <p:spPr>
-          <a:xfrm flipH="1">
-            <a:off x="9214130" y="2525704"/>
-            <a:ext cx="1792060" cy="1120038"/>
-          </a:xfrm>
-          <a:prstGeom prst="rect">
-            <a:avLst/>
-          </a:prstGeom>
-        </p:spPr>
-      </p:pic>
-    </p:spTree>
-    <p:extLst>
-      <p:ext uri="{BB962C8B-B14F-4D97-AF65-F5344CB8AC3E}">
-        <p14:creationId xmlns:p14="http://schemas.microsoft.com/office/powerpoint/2010/main" val="370953270"/>
-      </p:ext>
-    </p:extLst>
-  </p:cSld>
-  <p:clrMapOvr>
-    <a:masterClrMapping/>
-  </p:clrMapOvr>
-</p:sld>
-</file>
-
-<file path=ppt/slides/slide5.xml><?xml version="1.0" encoding="utf-8"?>
-<p:sld xmlns:a="http://schemas.openxmlformats.org/drawingml/2006/main" xmlns:r="http://schemas.openxmlformats.org/officeDocument/2006/relationships" xmlns:p="http://schemas.openxmlformats.org/presentationml/2006/main">
-  <p:cSld>
-    <p:bg>
-      <p:bgPr>
-        <a:solidFill>
-          <a:schemeClr val="bg1"/>
-        </a:solidFill>
-        <a:effectLst/>
-      </p:bgPr>
-    </p:bg>
-    <p:spTree>
-      <p:nvGrpSpPr>
-        <p:cNvPr id="1" name=""/>
-        <p:cNvGrpSpPr/>
-        <p:nvPr/>
-      </p:nvGrpSpPr>
-      <p:grpSpPr>
-        <a:xfrm>
-          <a:off x="0" y="0"/>
-          <a:ext cx="0" cy="0"/>
-          <a:chOff x="0" y="0"/>
-          <a:chExt cx="0" cy="0"/>
-        </a:xfrm>
-      </p:grpSpPr>
-      <p:sp>
-        <p:nvSpPr>
-          <p:cNvPr id="8" name="Rectangle 7">
-            <a:extLst>
-              <a:ext uri="{FF2B5EF4-FFF2-40B4-BE49-F238E27FC236}">
-                <a16:creationId xmlns:a16="http://schemas.microsoft.com/office/drawing/2014/main" id="{E8A8EAB8-D2FF-444D-B34B-7D32F106AD0E}"/>
-              </a:ext>
-              <a:ext uri="{C183D7F6-B498-43B3-948B-1728B52AA6E4}">
-                <adec:decorative xmlns:adec="http://schemas.microsoft.com/office/drawing/2017/decorative" val="1"/>
-              </a:ext>
-            </a:extLst>
-          </p:cNvPr>
-          <p:cNvSpPr>
-            <a:spLocks noGrp="1" noRot="1" noChangeAspect="1" noMove="1" noResize="1" noEditPoints="1" noAdjustHandles="1" noChangeArrowheads="1" noChangeShapeType="1" noTextEdit="1"/>
-          </p:cNvSpPr>
-          <p:nvPr>
-            <p:extLst>
-              <p:ext uri="{386F3935-93C4-4BCD-93E2-E3B085C9AB24}">
-                <p16:designElem xmlns:p16="http://schemas.microsoft.com/office/powerpoint/2015/main" val="1"/>
-              </p:ext>
-            </p:extLst>
-          </p:nvPr>
-        </p:nvSpPr>
-        <p:spPr>
-          <a:xfrm>
-            <a:off x="0" y="0"/>
-            <a:ext cx="12192000" cy="6858000"/>
-          </a:xfrm>
-          <a:prstGeom prst="rect">
-            <a:avLst/>
-          </a:prstGeom>
-          <a:solidFill>
-            <a:schemeClr val="tx1">
-              <a:lumMod val="95000"/>
-              <a:lumOff val="5000"/>
-            </a:schemeClr>
-          </a:solidFill>
-          <a:ln>
-            <a:noFill/>
-          </a:ln>
-        </p:spPr>
-        <p:style>
-          <a:lnRef idx="2">
-            <a:schemeClr val="accent1">
-              <a:shade val="50000"/>
-            </a:schemeClr>
-          </a:lnRef>
-          <a:fillRef idx="1">
-            <a:schemeClr val="accent1"/>
-          </a:fillRef>
-          <a:effectRef idx="0">
-            <a:schemeClr val="accent1"/>
-          </a:effectRef>
-          <a:fontRef idx="minor">
-            <a:schemeClr val="lt1"/>
-          </a:fontRef>
-        </p:style>
-        <p:txBody>
-          <a:bodyPr rtlCol="0" anchor="ctr"/>
-          <a:lstStyle/>
-          <a:p>
-            <a:pPr algn="ctr"/>
-            <a:endParaRPr lang="en-US" dirty="0">
-              <a:solidFill>
-                <a:schemeClr val="bg1"/>
-              </a:solidFill>
-            </a:endParaRPr>
-          </a:p>
-        </p:txBody>
-      </p:sp>
-      <p:sp>
-        <p:nvSpPr>
-          <p:cNvPr id="2" name="Título 1">
-            <a:extLst>
-              <a:ext uri="{FF2B5EF4-FFF2-40B4-BE49-F238E27FC236}">
-                <a16:creationId xmlns:a16="http://schemas.microsoft.com/office/drawing/2014/main" id="{AACA2F14-E065-70B0-AB14-606E4FF8662C}"/>
-              </a:ext>
-            </a:extLst>
-          </p:cNvPr>
-          <p:cNvSpPr>
-            <a:spLocks noGrp="1"/>
-          </p:cNvSpPr>
-          <p:nvPr>
-            <p:ph type="title"/>
-          </p:nvPr>
-        </p:nvSpPr>
-        <p:spPr>
-          <a:xfrm>
-            <a:off x="1543724" y="2059083"/>
-            <a:ext cx="4552276" cy="2354655"/>
-          </a:xfrm>
-        </p:spPr>
-        <p:txBody>
-          <a:bodyPr anchor="ctr">
-            <a:normAutofit/>
-          </a:bodyPr>
-          <a:lstStyle/>
-          <a:p>
-            <a:r>
-              <a:rPr lang="es-ES" b="1" i="0" cap="all" dirty="0" err="1">
-                <a:solidFill>
-                  <a:schemeClr val="bg1"/>
-                </a:solidFill>
-                <a:effectLst/>
-                <a:latin typeface="Posterama" panose="020B0504020200020000" pitchFamily="34" charset="0"/>
-              </a:rPr>
-              <a:t>Jupyter</a:t>
-            </a:r>
-            <a:r>
-              <a:rPr lang="es-ES" b="1" i="0" cap="all" dirty="0">
-                <a:solidFill>
-                  <a:schemeClr val="bg1"/>
-                </a:solidFill>
-                <a:effectLst/>
-                <a:latin typeface="Posterama" panose="020B0504020200020000" pitchFamily="34" charset="0"/>
-              </a:rPr>
-              <a:t> Notebook</a:t>
-            </a:r>
-            <a:endParaRPr lang="es-CL" dirty="0">
-              <a:solidFill>
-                <a:schemeClr val="bg1"/>
-              </a:solidFill>
-            </a:endParaRPr>
-          </a:p>
-        </p:txBody>
-      </p:sp>
-      <p:cxnSp>
-        <p:nvCxnSpPr>
-          <p:cNvPr id="10" name="Straight Connector 9">
-            <a:extLst>
-              <a:ext uri="{FF2B5EF4-FFF2-40B4-BE49-F238E27FC236}">
-                <a16:creationId xmlns:a16="http://schemas.microsoft.com/office/drawing/2014/main" id="{067633D1-6EE6-4118-B9F0-B363477BEE7A}"/>
-              </a:ext>
-              <a:ext uri="{C183D7F6-B498-43B3-948B-1728B52AA6E4}">
-                <adec:decorative xmlns:adec="http://schemas.microsoft.com/office/drawing/2017/decorative" val="1"/>
-              </a:ext>
-            </a:extLst>
-          </p:cNvPr>
-          <p:cNvCxnSpPr>
-            <a:cxnSpLocks noGrp="1" noRot="1" noChangeAspect="1" noMove="1" noResize="1" noEditPoints="1" noAdjustHandles="1" noChangeArrowheads="1" noChangeShapeType="1"/>
-          </p:cNvCxnSpPr>
-          <p:nvPr>
-            <p:extLst>
-              <p:ext uri="{386F3935-93C4-4BCD-93E2-E3B085C9AB24}">
-                <p16:designElem xmlns:p16="http://schemas.microsoft.com/office/powerpoint/2015/main" val="1"/>
-              </p:ext>
-            </p:extLst>
-          </p:nvPr>
-        </p:nvCxnSpPr>
-        <p:spPr>
-          <a:xfrm flipH="1">
-            <a:off x="1014141" y="1450655"/>
-            <a:ext cx="3932030" cy="0"/>
-          </a:xfrm>
-          <a:prstGeom prst="line">
-            <a:avLst/>
-          </a:prstGeom>
-          <a:ln w="12700">
-            <a:solidFill>
-              <a:schemeClr val="accent2"/>
-            </a:solidFill>
-          </a:ln>
-        </p:spPr>
-        <p:style>
-          <a:lnRef idx="1">
-            <a:schemeClr val="accent1"/>
-          </a:lnRef>
-          <a:fillRef idx="0">
-            <a:schemeClr val="accent1"/>
-          </a:fillRef>
-          <a:effectRef idx="0">
-            <a:schemeClr val="accent1"/>
-          </a:effectRef>
-          <a:fontRef idx="minor">
-            <a:schemeClr val="tx1"/>
-          </a:fontRef>
-        </p:style>
-      </p:cxnSp>
-      <p:cxnSp>
-        <p:nvCxnSpPr>
-          <p:cNvPr id="12" name="Straight Connector 11">
-            <a:extLst>
-              <a:ext uri="{FF2B5EF4-FFF2-40B4-BE49-F238E27FC236}">
-                <a16:creationId xmlns:a16="http://schemas.microsoft.com/office/drawing/2014/main" id="{4AD7FFC6-42A9-49CB-B5E9-B3F6B038331B}"/>
-              </a:ext>
-              <a:ext uri="{C183D7F6-B498-43B3-948B-1728B52AA6E4}">
-                <adec:decorative xmlns:adec="http://schemas.microsoft.com/office/drawing/2017/decorative" val="1"/>
-              </a:ext>
-            </a:extLst>
-          </p:cNvPr>
-          <p:cNvCxnSpPr>
-            <a:cxnSpLocks noGrp="1" noRot="1" noChangeAspect="1" noMove="1" noResize="1" noEditPoints="1" noAdjustHandles="1" noChangeArrowheads="1" noChangeShapeType="1"/>
-          </p:cNvCxnSpPr>
-          <p:nvPr>
-            <p:extLst>
-              <p:ext uri="{386F3935-93C4-4BCD-93E2-E3B085C9AB24}">
-                <p16:designElem xmlns:p16="http://schemas.microsoft.com/office/powerpoint/2015/main" val="1"/>
-              </p:ext>
-            </p:extLst>
-          </p:nvPr>
-        </p:nvCxnSpPr>
-        <p:spPr>
-          <a:xfrm flipH="1">
-            <a:off x="1014141" y="5408571"/>
-            <a:ext cx="3932030" cy="0"/>
-          </a:xfrm>
-          <a:prstGeom prst="line">
-            <a:avLst/>
-          </a:prstGeom>
-          <a:ln w="12700">
-            <a:solidFill>
-              <a:schemeClr val="accent2"/>
-            </a:solidFill>
-          </a:ln>
-        </p:spPr>
-        <p:style>
-          <a:lnRef idx="1">
-            <a:schemeClr val="accent1"/>
-          </a:lnRef>
-          <a:fillRef idx="0">
-            <a:schemeClr val="accent1"/>
-          </a:fillRef>
-          <a:effectRef idx="0">
-            <a:schemeClr val="accent1"/>
-          </a:effectRef>
-          <a:fontRef idx="minor">
-            <a:schemeClr val="tx1"/>
-          </a:fontRef>
-        </p:style>
-      </p:cxnSp>
-    </p:spTree>
-    <p:extLst>
-      <p:ext uri="{BB962C8B-B14F-4D97-AF65-F5344CB8AC3E}">
-        <p14:creationId xmlns:p14="http://schemas.microsoft.com/office/powerpoint/2010/main" val="4082745117"/>
-      </p:ext>
-    </p:extLst>
-  </p:cSld>
-  <p:clrMapOvr>
-    <a:masterClrMapping/>
-  </p:clrMapOvr>
-</p:sld>
-</file>
-
-<file path=ppt/slides/slide6.xml><?xml version="1.0" encoding="utf-8"?>
+<file path=ppt/slides/slide11.xml><?xml version="1.0" encoding="utf-8"?>
 <p:sld xmlns:a="http://schemas.openxmlformats.org/drawingml/2006/main" xmlns:r="http://schemas.openxmlformats.org/officeDocument/2006/relationships" xmlns:p="http://schemas.openxmlformats.org/presentationml/2006/main">
   <p:cSld>
     <p:bg>
@@ -6212,6 +5534,2807 @@
       <p:bldP spid="2" grpId="0"/>
     </p:bldLst>
   </p:timing>
+</p:sld>
+</file>
+
+<file path=ppt/slides/slide2.xml><?xml version="1.0" encoding="utf-8"?>
+<p:sld xmlns:a="http://schemas.openxmlformats.org/drawingml/2006/main" xmlns:r="http://schemas.openxmlformats.org/officeDocument/2006/relationships" xmlns:p="http://schemas.openxmlformats.org/presentationml/2006/main">
+  <p:cSld>
+    <p:bg>
+      <p:bgPr>
+        <a:solidFill>
+          <a:schemeClr val="bg1"/>
+        </a:solidFill>
+        <a:effectLst/>
+      </p:bgPr>
+    </p:bg>
+    <p:spTree>
+      <p:nvGrpSpPr>
+        <p:cNvPr id="1" name=""/>
+        <p:cNvGrpSpPr/>
+        <p:nvPr/>
+      </p:nvGrpSpPr>
+      <p:grpSpPr>
+        <a:xfrm>
+          <a:off x="0" y="0"/>
+          <a:ext cx="0" cy="0"/>
+          <a:chOff x="0" y="0"/>
+          <a:chExt cx="0" cy="0"/>
+        </a:xfrm>
+      </p:grpSpPr>
+      <p:sp>
+        <p:nvSpPr>
+          <p:cNvPr id="21" name="Rectangle 20">
+            <a:extLst>
+              <a:ext uri="{FF2B5EF4-FFF2-40B4-BE49-F238E27FC236}">
+                <a16:creationId xmlns:a16="http://schemas.microsoft.com/office/drawing/2014/main" id="{E8A8EAB8-D2FF-444D-B34B-7D32F106AD0E}"/>
+              </a:ext>
+              <a:ext uri="{C183D7F6-B498-43B3-948B-1728B52AA6E4}">
+                <adec:decorative xmlns:adec="http://schemas.microsoft.com/office/drawing/2017/decorative" val="1"/>
+              </a:ext>
+            </a:extLst>
+          </p:cNvPr>
+          <p:cNvSpPr>
+            <a:spLocks noGrp="1" noRot="1" noChangeAspect="1" noMove="1" noResize="1" noEditPoints="1" noAdjustHandles="1" noChangeArrowheads="1" noChangeShapeType="1" noTextEdit="1"/>
+          </p:cNvSpPr>
+          <p:nvPr>
+            <p:extLst>
+              <p:ext uri="{386F3935-93C4-4BCD-93E2-E3B085C9AB24}">
+                <p16:designElem xmlns:p16="http://schemas.microsoft.com/office/powerpoint/2015/main" val="1"/>
+              </p:ext>
+            </p:extLst>
+          </p:nvPr>
+        </p:nvSpPr>
+        <p:spPr>
+          <a:xfrm>
+            <a:off x="0" y="0"/>
+            <a:ext cx="12192000" cy="6858000"/>
+          </a:xfrm>
+          <a:prstGeom prst="rect">
+            <a:avLst/>
+          </a:prstGeom>
+          <a:solidFill>
+            <a:schemeClr val="tx1">
+              <a:lumMod val="95000"/>
+              <a:lumOff val="5000"/>
+            </a:schemeClr>
+          </a:solidFill>
+          <a:ln>
+            <a:noFill/>
+          </a:ln>
+        </p:spPr>
+        <p:style>
+          <a:lnRef idx="2">
+            <a:schemeClr val="accent1">
+              <a:shade val="50000"/>
+            </a:schemeClr>
+          </a:lnRef>
+          <a:fillRef idx="1">
+            <a:schemeClr val="accent1"/>
+          </a:fillRef>
+          <a:effectRef idx="0">
+            <a:schemeClr val="accent1"/>
+          </a:effectRef>
+          <a:fontRef idx="minor">
+            <a:schemeClr val="lt1"/>
+          </a:fontRef>
+        </p:style>
+        <p:txBody>
+          <a:bodyPr rtlCol="0" anchor="ctr"/>
+          <a:lstStyle/>
+          <a:p>
+            <a:pPr algn="ctr"/>
+            <a:endParaRPr lang="en-US" dirty="0">
+              <a:solidFill>
+                <a:schemeClr val="bg1"/>
+              </a:solidFill>
+            </a:endParaRPr>
+          </a:p>
+        </p:txBody>
+      </p:sp>
+      <p:sp>
+        <p:nvSpPr>
+          <p:cNvPr id="2" name="Título 1">
+            <a:extLst>
+              <a:ext uri="{FF2B5EF4-FFF2-40B4-BE49-F238E27FC236}">
+                <a16:creationId xmlns:a16="http://schemas.microsoft.com/office/drawing/2014/main" id="{65755AD9-E843-EF36-40A5-CFA92DE12DD0}"/>
+              </a:ext>
+            </a:extLst>
+          </p:cNvPr>
+          <p:cNvSpPr>
+            <a:spLocks noGrp="1"/>
+          </p:cNvSpPr>
+          <p:nvPr>
+            <p:ph type="title"/>
+          </p:nvPr>
+        </p:nvSpPr>
+        <p:spPr>
+          <a:xfrm>
+            <a:off x="838200" y="448721"/>
+            <a:ext cx="4707671" cy="1225650"/>
+          </a:xfrm>
+        </p:spPr>
+        <p:txBody>
+          <a:bodyPr anchor="b">
+            <a:normAutofit/>
+          </a:bodyPr>
+          <a:lstStyle/>
+          <a:p>
+            <a:r>
+              <a:rPr lang="es-ES" sz="3800" b="1" i="0" cap="all" dirty="0">
+                <a:solidFill>
+                  <a:schemeClr val="bg1"/>
+                </a:solidFill>
+                <a:effectLst/>
+                <a:latin typeface="Posterama" panose="020B0504020200020000" pitchFamily="34" charset="0"/>
+              </a:rPr>
+              <a:t>NUEVO OBJETIVO</a:t>
+            </a:r>
+            <a:endParaRPr lang="es-CL" sz="3800" dirty="0">
+              <a:solidFill>
+                <a:schemeClr val="bg1"/>
+              </a:solidFill>
+            </a:endParaRPr>
+          </a:p>
+        </p:txBody>
+      </p:sp>
+      <p:cxnSp>
+        <p:nvCxnSpPr>
+          <p:cNvPr id="23" name="Straight Connector 22">
+            <a:extLst>
+              <a:ext uri="{FF2B5EF4-FFF2-40B4-BE49-F238E27FC236}">
+                <a16:creationId xmlns:a16="http://schemas.microsoft.com/office/drawing/2014/main" id="{EEA38897-7BA3-4408-8083-3235339C4A60}"/>
+              </a:ext>
+              <a:ext uri="{C183D7F6-B498-43B3-948B-1728B52AA6E4}">
+                <adec:decorative xmlns:adec="http://schemas.microsoft.com/office/drawing/2017/decorative" val="1"/>
+              </a:ext>
+            </a:extLst>
+          </p:cNvPr>
+          <p:cNvCxnSpPr>
+            <a:cxnSpLocks noGrp="1" noRot="1" noChangeAspect="1" noMove="1" noResize="1" noEditPoints="1" noAdjustHandles="1" noChangeArrowheads="1" noChangeShapeType="1"/>
+          </p:cNvCxnSpPr>
+          <p:nvPr>
+            <p:extLst>
+              <p:ext uri="{386F3935-93C4-4BCD-93E2-E3B085C9AB24}">
+                <p16:designElem xmlns:p16="http://schemas.microsoft.com/office/powerpoint/2015/main" val="1"/>
+              </p:ext>
+            </p:extLst>
+          </p:nvPr>
+        </p:nvCxnSpPr>
+        <p:spPr>
+          <a:xfrm flipH="1">
+            <a:off x="831873" y="1749756"/>
+            <a:ext cx="4718304" cy="0"/>
+          </a:xfrm>
+          <a:prstGeom prst="line">
+            <a:avLst/>
+          </a:prstGeom>
+          <a:ln w="12700">
+            <a:solidFill>
+              <a:schemeClr val="accent2"/>
+            </a:solidFill>
+          </a:ln>
+        </p:spPr>
+        <p:style>
+          <a:lnRef idx="1">
+            <a:schemeClr val="accent1"/>
+          </a:lnRef>
+          <a:fillRef idx="0">
+            <a:schemeClr val="accent1"/>
+          </a:fillRef>
+          <a:effectRef idx="0">
+            <a:schemeClr val="accent1"/>
+          </a:effectRef>
+          <a:fontRef idx="minor">
+            <a:schemeClr val="tx1"/>
+          </a:fontRef>
+        </p:style>
+      </p:cxnSp>
+      <p:sp>
+        <p:nvSpPr>
+          <p:cNvPr id="3" name="Marcador de contenido 2">
+            <a:extLst>
+              <a:ext uri="{FF2B5EF4-FFF2-40B4-BE49-F238E27FC236}">
+                <a16:creationId xmlns:a16="http://schemas.microsoft.com/office/drawing/2014/main" id="{9225D40D-B7D7-C38A-2697-5A1B13C92D4D}"/>
+              </a:ext>
+            </a:extLst>
+          </p:cNvPr>
+          <p:cNvSpPr>
+            <a:spLocks noGrp="1"/>
+          </p:cNvSpPr>
+          <p:nvPr>
+            <p:ph idx="1"/>
+          </p:nvPr>
+        </p:nvSpPr>
+        <p:spPr>
+          <a:xfrm>
+            <a:off x="897768" y="2480023"/>
+            <a:ext cx="4586513" cy="3647710"/>
+          </a:xfrm>
+        </p:spPr>
+        <p:txBody>
+          <a:bodyPr>
+            <a:normAutofit/>
+          </a:bodyPr>
+          <a:lstStyle/>
+          <a:p>
+            <a:r>
+              <a:rPr lang="es-ES" sz="2400" dirty="0">
+                <a:solidFill>
+                  <a:schemeClr val="bg1"/>
+                </a:solidFill>
+                <a:latin typeface="Posterama" panose="020B0504020200020000" pitchFamily="34" charset="0"/>
+                <a:cs typeface="Posterama" panose="020B0504020200020000" pitchFamily="34" charset="0"/>
+              </a:rPr>
+              <a:t>Ante la dificultad del problema “Extrapolar la salud mental y los tiroteos a Chile” vimos que era difícil ya que no hay mucha información sobre esto, por lo que nos centramos en la </a:t>
+            </a:r>
+            <a:r>
+              <a:rPr lang="es-ES" sz="2400" b="1" dirty="0">
+                <a:solidFill>
+                  <a:schemeClr val="bg1"/>
+                </a:solidFill>
+                <a:latin typeface="Posterama" panose="020B0504020200020000" pitchFamily="34" charset="0"/>
+                <a:cs typeface="Posterama" panose="020B0504020200020000" pitchFamily="34" charset="0"/>
+              </a:rPr>
+              <a:t>relación entre Salud Mental y los Tiroteos en Estados Unidos.</a:t>
+            </a:r>
+            <a:endParaRPr lang="es-ES" sz="2400" b="1" i="0" u="none" strike="noStrike" dirty="0">
+              <a:solidFill>
+                <a:schemeClr val="bg1"/>
+              </a:solidFill>
+              <a:effectLst/>
+              <a:latin typeface="Posterama" panose="020B0504020200020000" pitchFamily="34" charset="0"/>
+              <a:cs typeface="Posterama" panose="020B0504020200020000" pitchFamily="34" charset="0"/>
+            </a:endParaRPr>
+          </a:p>
+          <a:p>
+            <a:pPr marL="0" indent="0">
+              <a:buNone/>
+            </a:pPr>
+            <a:endParaRPr lang="es-ES" sz="2400" b="0" i="0" u="none" strike="noStrike" dirty="0">
+              <a:solidFill>
+                <a:schemeClr val="bg1"/>
+              </a:solidFill>
+              <a:effectLst/>
+              <a:latin typeface="Posterama" panose="020B0504020200020000" pitchFamily="34" charset="0"/>
+              <a:cs typeface="Posterama" panose="020B0504020200020000" pitchFamily="34" charset="0"/>
+            </a:endParaRPr>
+          </a:p>
+        </p:txBody>
+      </p:sp>
+      <p:cxnSp>
+        <p:nvCxnSpPr>
+          <p:cNvPr id="25" name="Straight Connector 24">
+            <a:extLst>
+              <a:ext uri="{FF2B5EF4-FFF2-40B4-BE49-F238E27FC236}">
+                <a16:creationId xmlns:a16="http://schemas.microsoft.com/office/drawing/2014/main" id="{F11AD06B-AB20-4097-8606-5DA00DBACE88}"/>
+              </a:ext>
+              <a:ext uri="{C183D7F6-B498-43B3-948B-1728B52AA6E4}">
+                <adec:decorative xmlns:adec="http://schemas.microsoft.com/office/drawing/2017/decorative" val="1"/>
+              </a:ext>
+            </a:extLst>
+          </p:cNvPr>
+          <p:cNvCxnSpPr>
+            <a:cxnSpLocks noGrp="1" noRot="1" noChangeAspect="1" noMove="1" noResize="1" noEditPoints="1" noAdjustHandles="1" noChangeArrowheads="1" noChangeShapeType="1"/>
+          </p:cNvCxnSpPr>
+          <p:nvPr>
+            <p:extLst>
+              <p:ext uri="{386F3935-93C4-4BCD-93E2-E3B085C9AB24}">
+                <p16:designElem xmlns:p16="http://schemas.microsoft.com/office/powerpoint/2015/main" val="1"/>
+              </p:ext>
+            </p:extLst>
+          </p:nvPr>
+        </p:nvCxnSpPr>
+        <p:spPr>
+          <a:xfrm flipH="1">
+            <a:off x="834027" y="5707672"/>
+            <a:ext cx="4713997" cy="0"/>
+          </a:xfrm>
+          <a:prstGeom prst="line">
+            <a:avLst/>
+          </a:prstGeom>
+          <a:ln w="12700">
+            <a:solidFill>
+              <a:schemeClr val="accent2"/>
+            </a:solidFill>
+          </a:ln>
+        </p:spPr>
+        <p:style>
+          <a:lnRef idx="1">
+            <a:schemeClr val="accent1"/>
+          </a:lnRef>
+          <a:fillRef idx="0">
+            <a:schemeClr val="accent1"/>
+          </a:fillRef>
+          <a:effectRef idx="0">
+            <a:schemeClr val="accent1"/>
+          </a:effectRef>
+          <a:fontRef idx="minor">
+            <a:schemeClr val="tx1"/>
+          </a:fontRef>
+        </p:style>
+      </p:cxnSp>
+      <p:pic>
+        <p:nvPicPr>
+          <p:cNvPr id="15" name="Imagen 14">
+            <a:extLst>
+              <a:ext uri="{FF2B5EF4-FFF2-40B4-BE49-F238E27FC236}">
+                <a16:creationId xmlns:a16="http://schemas.microsoft.com/office/drawing/2014/main" id="{AB345D88-46FF-5BF5-AF40-A70DC5798909}"/>
+              </a:ext>
+            </a:extLst>
+          </p:cNvPr>
+          <p:cNvPicPr>
+            <a:picLocks noChangeAspect="1"/>
+          </p:cNvPicPr>
+          <p:nvPr/>
+        </p:nvPicPr>
+        <p:blipFill>
+          <a:blip r:embed="rId2">
+            <a:extLst>
+              <a:ext uri="{28A0092B-C50C-407E-A947-70E740481C1C}">
+                <a14:useLocalDpi xmlns:a14="http://schemas.microsoft.com/office/drawing/2010/main" val="0"/>
+              </a:ext>
+            </a:extLst>
+          </a:blip>
+          <a:stretch>
+            <a:fillRect/>
+          </a:stretch>
+        </p:blipFill>
+        <p:spPr>
+          <a:xfrm>
+            <a:off x="5963117" y="0"/>
+            <a:ext cx="6228883" cy="6858000"/>
+          </a:xfrm>
+          <a:prstGeom prst="rect">
+            <a:avLst/>
+          </a:prstGeom>
+        </p:spPr>
+      </p:pic>
+    </p:spTree>
+    <p:extLst>
+      <p:ext uri="{BB962C8B-B14F-4D97-AF65-F5344CB8AC3E}">
+        <p14:creationId xmlns:p14="http://schemas.microsoft.com/office/powerpoint/2010/main" val="1389041507"/>
+      </p:ext>
+    </p:extLst>
+  </p:cSld>
+  <p:clrMapOvr>
+    <a:masterClrMapping/>
+  </p:clrMapOvr>
+</p:sld>
+</file>
+
+<file path=ppt/slides/slide3.xml><?xml version="1.0" encoding="utf-8"?>
+<p:sld xmlns:a="http://schemas.openxmlformats.org/drawingml/2006/main" xmlns:r="http://schemas.openxmlformats.org/officeDocument/2006/relationships" xmlns:p="http://schemas.openxmlformats.org/presentationml/2006/main">
+  <p:cSld>
+    <p:bg>
+      <p:bgPr>
+        <a:solidFill>
+          <a:schemeClr val="bg1"/>
+        </a:solidFill>
+        <a:effectLst/>
+      </p:bgPr>
+    </p:bg>
+    <p:spTree>
+      <p:nvGrpSpPr>
+        <p:cNvPr id="1" name=""/>
+        <p:cNvGrpSpPr/>
+        <p:nvPr/>
+      </p:nvGrpSpPr>
+      <p:grpSpPr>
+        <a:xfrm>
+          <a:off x="0" y="0"/>
+          <a:ext cx="0" cy="0"/>
+          <a:chOff x="0" y="0"/>
+          <a:chExt cx="0" cy="0"/>
+        </a:xfrm>
+      </p:grpSpPr>
+      <p:sp>
+        <p:nvSpPr>
+          <p:cNvPr id="8" name="Rectangle 7">
+            <a:extLst>
+              <a:ext uri="{FF2B5EF4-FFF2-40B4-BE49-F238E27FC236}">
+                <a16:creationId xmlns:a16="http://schemas.microsoft.com/office/drawing/2014/main" id="{E8A8EAB8-D2FF-444D-B34B-7D32F106AD0E}"/>
+              </a:ext>
+              <a:ext uri="{C183D7F6-B498-43B3-948B-1728B52AA6E4}">
+                <adec:decorative xmlns:adec="http://schemas.microsoft.com/office/drawing/2017/decorative" val="1"/>
+              </a:ext>
+            </a:extLst>
+          </p:cNvPr>
+          <p:cNvSpPr>
+            <a:spLocks noGrp="1" noRot="1" noChangeAspect="1" noMove="1" noResize="1" noEditPoints="1" noAdjustHandles="1" noChangeArrowheads="1" noChangeShapeType="1" noTextEdit="1"/>
+          </p:cNvSpPr>
+          <p:nvPr>
+            <p:extLst>
+              <p:ext uri="{386F3935-93C4-4BCD-93E2-E3B085C9AB24}">
+                <p16:designElem xmlns:p16="http://schemas.microsoft.com/office/powerpoint/2015/main" val="1"/>
+              </p:ext>
+            </p:extLst>
+          </p:nvPr>
+        </p:nvSpPr>
+        <p:spPr>
+          <a:xfrm>
+            <a:off x="0" y="0"/>
+            <a:ext cx="12192000" cy="6858000"/>
+          </a:xfrm>
+          <a:prstGeom prst="rect">
+            <a:avLst/>
+          </a:prstGeom>
+          <a:solidFill>
+            <a:schemeClr val="tx1">
+              <a:lumMod val="95000"/>
+              <a:lumOff val="5000"/>
+            </a:schemeClr>
+          </a:solidFill>
+          <a:ln>
+            <a:noFill/>
+          </a:ln>
+        </p:spPr>
+        <p:style>
+          <a:lnRef idx="2">
+            <a:schemeClr val="accent1">
+              <a:shade val="50000"/>
+            </a:schemeClr>
+          </a:lnRef>
+          <a:fillRef idx="1">
+            <a:schemeClr val="accent1"/>
+          </a:fillRef>
+          <a:effectRef idx="0">
+            <a:schemeClr val="accent1"/>
+          </a:effectRef>
+          <a:fontRef idx="minor">
+            <a:schemeClr val="lt1"/>
+          </a:fontRef>
+        </p:style>
+        <p:txBody>
+          <a:bodyPr rtlCol="0" anchor="ctr"/>
+          <a:lstStyle/>
+          <a:p>
+            <a:pPr algn="ctr"/>
+            <a:endParaRPr lang="en-US" dirty="0">
+              <a:solidFill>
+                <a:schemeClr val="bg1"/>
+              </a:solidFill>
+            </a:endParaRPr>
+          </a:p>
+        </p:txBody>
+      </p:sp>
+      <p:sp>
+        <p:nvSpPr>
+          <p:cNvPr id="2" name="Título 1">
+            <a:extLst>
+              <a:ext uri="{FF2B5EF4-FFF2-40B4-BE49-F238E27FC236}">
+                <a16:creationId xmlns:a16="http://schemas.microsoft.com/office/drawing/2014/main" id="{AACA2F14-E065-70B0-AB14-606E4FF8662C}"/>
+              </a:ext>
+            </a:extLst>
+          </p:cNvPr>
+          <p:cNvSpPr>
+            <a:spLocks noGrp="1"/>
+          </p:cNvSpPr>
+          <p:nvPr>
+            <p:ph type="title"/>
+          </p:nvPr>
+        </p:nvSpPr>
+        <p:spPr>
+          <a:xfrm>
+            <a:off x="737326" y="1074345"/>
+            <a:ext cx="4552276" cy="2354655"/>
+          </a:xfrm>
+        </p:spPr>
+        <p:txBody>
+          <a:bodyPr anchor="ctr">
+            <a:normAutofit/>
+          </a:bodyPr>
+          <a:lstStyle/>
+          <a:p>
+            <a:r>
+              <a:rPr lang="es-ES" sz="5000" b="1" i="0" cap="all" dirty="0">
+                <a:solidFill>
+                  <a:schemeClr val="bg1"/>
+                </a:solidFill>
+                <a:effectLst/>
+                <a:latin typeface="Posterama" panose="020B0504020200020000" pitchFamily="34" charset="0"/>
+              </a:rPr>
+              <a:t>PROBLEMA</a:t>
+            </a:r>
+            <a:endParaRPr lang="es-CL" sz="5000" dirty="0">
+              <a:solidFill>
+                <a:schemeClr val="bg1"/>
+              </a:solidFill>
+            </a:endParaRPr>
+          </a:p>
+        </p:txBody>
+      </p:sp>
+      <p:cxnSp>
+        <p:nvCxnSpPr>
+          <p:cNvPr id="10" name="Straight Connector 9">
+            <a:extLst>
+              <a:ext uri="{FF2B5EF4-FFF2-40B4-BE49-F238E27FC236}">
+                <a16:creationId xmlns:a16="http://schemas.microsoft.com/office/drawing/2014/main" id="{067633D1-6EE6-4118-B9F0-B363477BEE7A}"/>
+              </a:ext>
+              <a:ext uri="{C183D7F6-B498-43B3-948B-1728B52AA6E4}">
+                <adec:decorative xmlns:adec="http://schemas.microsoft.com/office/drawing/2017/decorative" val="1"/>
+              </a:ext>
+            </a:extLst>
+          </p:cNvPr>
+          <p:cNvCxnSpPr>
+            <a:cxnSpLocks noGrp="1" noRot="1" noChangeAspect="1" noMove="1" noResize="1" noEditPoints="1" noAdjustHandles="1" noChangeArrowheads="1" noChangeShapeType="1"/>
+          </p:cNvCxnSpPr>
+          <p:nvPr>
+            <p:extLst>
+              <p:ext uri="{386F3935-93C4-4BCD-93E2-E3B085C9AB24}">
+                <p16:designElem xmlns:p16="http://schemas.microsoft.com/office/powerpoint/2015/main" val="1"/>
+              </p:ext>
+            </p:extLst>
+          </p:nvPr>
+        </p:nvCxnSpPr>
+        <p:spPr>
+          <a:xfrm flipH="1">
+            <a:off x="1014141" y="1450655"/>
+            <a:ext cx="3932030" cy="0"/>
+          </a:xfrm>
+          <a:prstGeom prst="line">
+            <a:avLst/>
+          </a:prstGeom>
+          <a:ln w="12700">
+            <a:solidFill>
+              <a:schemeClr val="accent2"/>
+            </a:solidFill>
+          </a:ln>
+        </p:spPr>
+        <p:style>
+          <a:lnRef idx="1">
+            <a:schemeClr val="accent1"/>
+          </a:lnRef>
+          <a:fillRef idx="0">
+            <a:schemeClr val="accent1"/>
+          </a:fillRef>
+          <a:effectRef idx="0">
+            <a:schemeClr val="accent1"/>
+          </a:effectRef>
+          <a:fontRef idx="minor">
+            <a:schemeClr val="tx1"/>
+          </a:fontRef>
+        </p:style>
+      </p:cxnSp>
+      <p:cxnSp>
+        <p:nvCxnSpPr>
+          <p:cNvPr id="12" name="Straight Connector 11">
+            <a:extLst>
+              <a:ext uri="{FF2B5EF4-FFF2-40B4-BE49-F238E27FC236}">
+                <a16:creationId xmlns:a16="http://schemas.microsoft.com/office/drawing/2014/main" id="{4AD7FFC6-42A9-49CB-B5E9-B3F6B038331B}"/>
+              </a:ext>
+              <a:ext uri="{C183D7F6-B498-43B3-948B-1728B52AA6E4}">
+                <adec:decorative xmlns:adec="http://schemas.microsoft.com/office/drawing/2017/decorative" val="1"/>
+              </a:ext>
+            </a:extLst>
+          </p:cNvPr>
+          <p:cNvCxnSpPr>
+            <a:cxnSpLocks noGrp="1" noRot="1" noChangeAspect="1" noMove="1" noResize="1" noEditPoints="1" noAdjustHandles="1" noChangeArrowheads="1" noChangeShapeType="1"/>
+          </p:cNvCxnSpPr>
+          <p:nvPr>
+            <p:extLst>
+              <p:ext uri="{386F3935-93C4-4BCD-93E2-E3B085C9AB24}">
+                <p16:designElem xmlns:p16="http://schemas.microsoft.com/office/powerpoint/2015/main" val="1"/>
+              </p:ext>
+            </p:extLst>
+          </p:nvPr>
+        </p:nvCxnSpPr>
+        <p:spPr>
+          <a:xfrm flipH="1">
+            <a:off x="1014141" y="5408571"/>
+            <a:ext cx="3932030" cy="0"/>
+          </a:xfrm>
+          <a:prstGeom prst="line">
+            <a:avLst/>
+          </a:prstGeom>
+          <a:ln w="12700">
+            <a:solidFill>
+              <a:schemeClr val="accent2"/>
+            </a:solidFill>
+          </a:ln>
+        </p:spPr>
+        <p:style>
+          <a:lnRef idx="1">
+            <a:schemeClr val="accent1"/>
+          </a:lnRef>
+          <a:fillRef idx="0">
+            <a:schemeClr val="accent1"/>
+          </a:fillRef>
+          <a:effectRef idx="0">
+            <a:schemeClr val="accent1"/>
+          </a:effectRef>
+          <a:fontRef idx="minor">
+            <a:schemeClr val="tx1"/>
+          </a:fontRef>
+        </p:style>
+      </p:cxnSp>
+      <p:sp>
+        <p:nvSpPr>
+          <p:cNvPr id="3" name="Marcador de contenido 2">
+            <a:extLst>
+              <a:ext uri="{FF2B5EF4-FFF2-40B4-BE49-F238E27FC236}">
+                <a16:creationId xmlns:a16="http://schemas.microsoft.com/office/drawing/2014/main" id="{EDDA0161-AB76-2B37-9660-CEA5E74D33AB}"/>
+              </a:ext>
+            </a:extLst>
+          </p:cNvPr>
+          <p:cNvSpPr>
+            <a:spLocks noGrp="1"/>
+          </p:cNvSpPr>
+          <p:nvPr>
+            <p:ph idx="1"/>
+          </p:nvPr>
+        </p:nvSpPr>
+        <p:spPr>
+          <a:xfrm>
+            <a:off x="906646" y="1856978"/>
+            <a:ext cx="5008901" cy="4571972"/>
+          </a:xfrm>
+        </p:spPr>
+        <p:txBody>
+          <a:bodyPr anchor="ctr">
+            <a:normAutofit/>
+          </a:bodyPr>
+          <a:lstStyle/>
+          <a:p>
+            <a:r>
+              <a:rPr lang="es-MX" sz="2400" dirty="0">
+                <a:solidFill>
+                  <a:schemeClr val="bg1"/>
+                </a:solidFill>
+                <a:latin typeface="Posterama" panose="020B0504020200020000" pitchFamily="34" charset="0"/>
+                <a:cs typeface="Posterama" panose="020B0504020200020000" pitchFamily="34" charset="0"/>
+              </a:rPr>
+              <a:t>Cambios del </a:t>
+            </a:r>
+            <a:r>
+              <a:rPr lang="es-MX" sz="2400" dirty="0" err="1">
+                <a:solidFill>
+                  <a:schemeClr val="bg1"/>
+                </a:solidFill>
+                <a:latin typeface="Posterama" panose="020B0504020200020000" pitchFamily="34" charset="0"/>
+                <a:cs typeface="Posterama" panose="020B0504020200020000" pitchFamily="34" charset="0"/>
+              </a:rPr>
+              <a:t>DataFrame</a:t>
+            </a:r>
+            <a:r>
+              <a:rPr lang="es-MX" sz="2400" dirty="0">
+                <a:solidFill>
+                  <a:schemeClr val="bg1"/>
+                </a:solidFill>
+                <a:latin typeface="Posterama" panose="020B0504020200020000" pitchFamily="34" charset="0"/>
+                <a:cs typeface="Posterama" panose="020B0504020200020000" pitchFamily="34" charset="0"/>
+              </a:rPr>
+              <a:t>.</a:t>
+            </a:r>
+          </a:p>
+          <a:p>
+            <a:r>
+              <a:rPr lang="es-MX" sz="2400" b="0" i="0" dirty="0">
+                <a:solidFill>
+                  <a:schemeClr val="bg1"/>
+                </a:solidFill>
+                <a:effectLst/>
+                <a:latin typeface="Posterama" panose="020B0504020200020000" pitchFamily="34" charset="0"/>
+                <a:cs typeface="Posterama" panose="020B0504020200020000" pitchFamily="34" charset="0"/>
+              </a:rPr>
+              <a:t>Problema con las variables categóricas</a:t>
+            </a:r>
+          </a:p>
+          <a:p>
+            <a:pPr marL="0" indent="0">
+              <a:buNone/>
+            </a:pPr>
+            <a:endParaRPr lang="es-CL" sz="2000" dirty="0">
+              <a:solidFill>
+                <a:schemeClr val="bg1"/>
+              </a:solidFill>
+            </a:endParaRPr>
+          </a:p>
+        </p:txBody>
+      </p:sp>
+      <p:pic>
+        <p:nvPicPr>
+          <p:cNvPr id="7" name="Imagen 6">
+            <a:extLst>
+              <a:ext uri="{FF2B5EF4-FFF2-40B4-BE49-F238E27FC236}">
+                <a16:creationId xmlns:a16="http://schemas.microsoft.com/office/drawing/2014/main" id="{2F42516F-531B-B971-6BC0-C343E43AAD7C}"/>
+              </a:ext>
+            </a:extLst>
+          </p:cNvPr>
+          <p:cNvPicPr>
+            <a:picLocks noChangeAspect="1"/>
+          </p:cNvPicPr>
+          <p:nvPr/>
+        </p:nvPicPr>
+        <p:blipFill>
+          <a:blip r:embed="rId3">
+            <a:extLst>
+              <a:ext uri="{28A0092B-C50C-407E-A947-70E740481C1C}">
+                <a14:useLocalDpi xmlns:a14="http://schemas.microsoft.com/office/drawing/2010/main" val="0"/>
+              </a:ext>
+            </a:extLst>
+          </a:blip>
+          <a:stretch>
+            <a:fillRect/>
+          </a:stretch>
+        </p:blipFill>
+        <p:spPr>
+          <a:xfrm>
+            <a:off x="5344911" y="1237957"/>
+            <a:ext cx="6858000" cy="6858000"/>
+          </a:xfrm>
+          <a:prstGeom prst="rect">
+            <a:avLst/>
+          </a:prstGeom>
+        </p:spPr>
+      </p:pic>
+      <p:pic>
+        <p:nvPicPr>
+          <p:cNvPr id="5" name="Imagen 4">
+            <a:extLst>
+              <a:ext uri="{FF2B5EF4-FFF2-40B4-BE49-F238E27FC236}">
+                <a16:creationId xmlns:a16="http://schemas.microsoft.com/office/drawing/2014/main" id="{A6EE7044-BC45-42C5-ACF8-4BE5EBFED00E}"/>
+              </a:ext>
+            </a:extLst>
+          </p:cNvPr>
+          <p:cNvPicPr>
+            <a:picLocks noChangeAspect="1"/>
+          </p:cNvPicPr>
+          <p:nvPr/>
+        </p:nvPicPr>
+        <p:blipFill>
+          <a:blip r:embed="rId4"/>
+          <a:stretch>
+            <a:fillRect/>
+          </a:stretch>
+        </p:blipFill>
+        <p:spPr>
+          <a:xfrm>
+            <a:off x="6196248" y="2251671"/>
+            <a:ext cx="5136551" cy="3028252"/>
+          </a:xfrm>
+          <a:prstGeom prst="rect">
+            <a:avLst/>
+          </a:prstGeom>
+        </p:spPr>
+      </p:pic>
+    </p:spTree>
+    <p:extLst>
+      <p:ext uri="{BB962C8B-B14F-4D97-AF65-F5344CB8AC3E}">
+        <p14:creationId xmlns:p14="http://schemas.microsoft.com/office/powerpoint/2010/main" val="1723594543"/>
+      </p:ext>
+    </p:extLst>
+  </p:cSld>
+  <p:clrMapOvr>
+    <a:masterClrMapping/>
+  </p:clrMapOvr>
+</p:sld>
+</file>
+
+<file path=ppt/slides/slide4.xml><?xml version="1.0" encoding="utf-8"?>
+<p:sld xmlns:a="http://schemas.openxmlformats.org/drawingml/2006/main" xmlns:r="http://schemas.openxmlformats.org/officeDocument/2006/relationships" xmlns:p="http://schemas.openxmlformats.org/presentationml/2006/main">
+  <p:cSld>
+    <p:bg>
+      <p:bgPr>
+        <a:solidFill>
+          <a:schemeClr val="bg1"/>
+        </a:solidFill>
+        <a:effectLst/>
+      </p:bgPr>
+    </p:bg>
+    <p:spTree>
+      <p:nvGrpSpPr>
+        <p:cNvPr id="1" name=""/>
+        <p:cNvGrpSpPr/>
+        <p:nvPr/>
+      </p:nvGrpSpPr>
+      <p:grpSpPr>
+        <a:xfrm>
+          <a:off x="0" y="0"/>
+          <a:ext cx="0" cy="0"/>
+          <a:chOff x="0" y="0"/>
+          <a:chExt cx="0" cy="0"/>
+        </a:xfrm>
+      </p:grpSpPr>
+      <p:sp>
+        <p:nvSpPr>
+          <p:cNvPr id="8" name="Rectangle 7">
+            <a:extLst>
+              <a:ext uri="{FF2B5EF4-FFF2-40B4-BE49-F238E27FC236}">
+                <a16:creationId xmlns:a16="http://schemas.microsoft.com/office/drawing/2014/main" id="{E8A8EAB8-D2FF-444D-B34B-7D32F106AD0E}"/>
+              </a:ext>
+              <a:ext uri="{C183D7F6-B498-43B3-948B-1728B52AA6E4}">
+                <adec:decorative xmlns:adec="http://schemas.microsoft.com/office/drawing/2017/decorative" val="1"/>
+              </a:ext>
+            </a:extLst>
+          </p:cNvPr>
+          <p:cNvSpPr>
+            <a:spLocks noGrp="1" noRot="1" noChangeAspect="1" noMove="1" noResize="1" noEditPoints="1" noAdjustHandles="1" noChangeArrowheads="1" noChangeShapeType="1" noTextEdit="1"/>
+          </p:cNvSpPr>
+          <p:nvPr>
+            <p:extLst>
+              <p:ext uri="{386F3935-93C4-4BCD-93E2-E3B085C9AB24}">
+                <p16:designElem xmlns:p16="http://schemas.microsoft.com/office/powerpoint/2015/main" val="1"/>
+              </p:ext>
+            </p:extLst>
+          </p:nvPr>
+        </p:nvSpPr>
+        <p:spPr>
+          <a:xfrm>
+            <a:off x="0" y="0"/>
+            <a:ext cx="12192000" cy="6858000"/>
+          </a:xfrm>
+          <a:prstGeom prst="rect">
+            <a:avLst/>
+          </a:prstGeom>
+          <a:solidFill>
+            <a:schemeClr val="tx1">
+              <a:lumMod val="95000"/>
+              <a:lumOff val="5000"/>
+            </a:schemeClr>
+          </a:solidFill>
+          <a:ln>
+            <a:noFill/>
+          </a:ln>
+        </p:spPr>
+        <p:style>
+          <a:lnRef idx="2">
+            <a:schemeClr val="accent1">
+              <a:shade val="50000"/>
+            </a:schemeClr>
+          </a:lnRef>
+          <a:fillRef idx="1">
+            <a:schemeClr val="accent1"/>
+          </a:fillRef>
+          <a:effectRef idx="0">
+            <a:schemeClr val="accent1"/>
+          </a:effectRef>
+          <a:fontRef idx="minor">
+            <a:schemeClr val="lt1"/>
+          </a:fontRef>
+        </p:style>
+        <p:txBody>
+          <a:bodyPr rtlCol="0" anchor="ctr"/>
+          <a:lstStyle/>
+          <a:p>
+            <a:pPr algn="ctr"/>
+            <a:endParaRPr lang="en-US" dirty="0">
+              <a:solidFill>
+                <a:schemeClr val="bg1"/>
+              </a:solidFill>
+            </a:endParaRPr>
+          </a:p>
+        </p:txBody>
+      </p:sp>
+      <p:sp>
+        <p:nvSpPr>
+          <p:cNvPr id="2" name="Título 1">
+            <a:extLst>
+              <a:ext uri="{FF2B5EF4-FFF2-40B4-BE49-F238E27FC236}">
+                <a16:creationId xmlns:a16="http://schemas.microsoft.com/office/drawing/2014/main" id="{AACA2F14-E065-70B0-AB14-606E4FF8662C}"/>
+              </a:ext>
+            </a:extLst>
+          </p:cNvPr>
+          <p:cNvSpPr>
+            <a:spLocks noGrp="1"/>
+          </p:cNvSpPr>
+          <p:nvPr>
+            <p:ph type="title"/>
+          </p:nvPr>
+        </p:nvSpPr>
+        <p:spPr>
+          <a:xfrm>
+            <a:off x="779582" y="131438"/>
+            <a:ext cx="7393799" cy="1618182"/>
+          </a:xfrm>
+        </p:spPr>
+        <p:txBody>
+          <a:bodyPr anchor="ctr">
+            <a:normAutofit/>
+          </a:bodyPr>
+          <a:lstStyle/>
+          <a:p>
+            <a:r>
+              <a:rPr lang="es-ES" b="1" i="0" cap="all" dirty="0" err="1">
+                <a:solidFill>
+                  <a:schemeClr val="bg1"/>
+                </a:solidFill>
+                <a:effectLst/>
+                <a:latin typeface="Posterama" panose="020B0504020200020000" pitchFamily="34" charset="0"/>
+              </a:rPr>
+              <a:t>Jupyter</a:t>
+            </a:r>
+            <a:r>
+              <a:rPr lang="es-ES" b="1" i="0" cap="all" dirty="0">
+                <a:solidFill>
+                  <a:schemeClr val="bg1"/>
+                </a:solidFill>
+                <a:effectLst/>
+                <a:latin typeface="Posterama" panose="020B0504020200020000" pitchFamily="34" charset="0"/>
+              </a:rPr>
+              <a:t> Notebook</a:t>
+            </a:r>
+            <a:endParaRPr lang="es-CL" dirty="0">
+              <a:solidFill>
+                <a:schemeClr val="bg1"/>
+              </a:solidFill>
+            </a:endParaRPr>
+          </a:p>
+        </p:txBody>
+      </p:sp>
+      <p:cxnSp>
+        <p:nvCxnSpPr>
+          <p:cNvPr id="10" name="Straight Connector 9">
+            <a:extLst>
+              <a:ext uri="{FF2B5EF4-FFF2-40B4-BE49-F238E27FC236}">
+                <a16:creationId xmlns:a16="http://schemas.microsoft.com/office/drawing/2014/main" id="{067633D1-6EE6-4118-B9F0-B363477BEE7A}"/>
+              </a:ext>
+              <a:ext uri="{C183D7F6-B498-43B3-948B-1728B52AA6E4}">
+                <adec:decorative xmlns:adec="http://schemas.microsoft.com/office/drawing/2017/decorative" val="1"/>
+              </a:ext>
+            </a:extLst>
+          </p:cNvPr>
+          <p:cNvCxnSpPr>
+            <a:cxnSpLocks noGrp="1" noRot="1" noChangeAspect="1" noMove="1" noResize="1" noEditPoints="1" noAdjustHandles="1" noChangeArrowheads="1" noChangeShapeType="1"/>
+          </p:cNvCxnSpPr>
+          <p:nvPr>
+            <p:extLst>
+              <p:ext uri="{386F3935-93C4-4BCD-93E2-E3B085C9AB24}">
+                <p16:designElem xmlns:p16="http://schemas.microsoft.com/office/powerpoint/2015/main" val="1"/>
+              </p:ext>
+            </p:extLst>
+          </p:nvPr>
+        </p:nvCxnSpPr>
+        <p:spPr>
+          <a:xfrm flipH="1">
+            <a:off x="1014141" y="1450655"/>
+            <a:ext cx="3932030" cy="0"/>
+          </a:xfrm>
+          <a:prstGeom prst="line">
+            <a:avLst/>
+          </a:prstGeom>
+          <a:ln w="12700">
+            <a:solidFill>
+              <a:schemeClr val="accent2"/>
+            </a:solidFill>
+          </a:ln>
+        </p:spPr>
+        <p:style>
+          <a:lnRef idx="1">
+            <a:schemeClr val="accent1"/>
+          </a:lnRef>
+          <a:fillRef idx="0">
+            <a:schemeClr val="accent1"/>
+          </a:fillRef>
+          <a:effectRef idx="0">
+            <a:schemeClr val="accent1"/>
+          </a:effectRef>
+          <a:fontRef idx="minor">
+            <a:schemeClr val="tx1"/>
+          </a:fontRef>
+        </p:style>
+      </p:cxnSp>
+      <p:cxnSp>
+        <p:nvCxnSpPr>
+          <p:cNvPr id="12" name="Straight Connector 11">
+            <a:extLst>
+              <a:ext uri="{FF2B5EF4-FFF2-40B4-BE49-F238E27FC236}">
+                <a16:creationId xmlns:a16="http://schemas.microsoft.com/office/drawing/2014/main" id="{4AD7FFC6-42A9-49CB-B5E9-B3F6B038331B}"/>
+              </a:ext>
+              <a:ext uri="{C183D7F6-B498-43B3-948B-1728B52AA6E4}">
+                <adec:decorative xmlns:adec="http://schemas.microsoft.com/office/drawing/2017/decorative" val="1"/>
+              </a:ext>
+            </a:extLst>
+          </p:cNvPr>
+          <p:cNvCxnSpPr>
+            <a:cxnSpLocks noGrp="1" noRot="1" noChangeAspect="1" noMove="1" noResize="1" noEditPoints="1" noAdjustHandles="1" noChangeArrowheads="1" noChangeShapeType="1"/>
+          </p:cNvCxnSpPr>
+          <p:nvPr>
+            <p:extLst>
+              <p:ext uri="{386F3935-93C4-4BCD-93E2-E3B085C9AB24}">
+                <p16:designElem xmlns:p16="http://schemas.microsoft.com/office/powerpoint/2015/main" val="1"/>
+              </p:ext>
+            </p:extLst>
+          </p:nvPr>
+        </p:nvCxnSpPr>
+        <p:spPr>
+          <a:xfrm flipH="1">
+            <a:off x="1014141" y="5408571"/>
+            <a:ext cx="3932030" cy="0"/>
+          </a:xfrm>
+          <a:prstGeom prst="line">
+            <a:avLst/>
+          </a:prstGeom>
+          <a:ln w="12700">
+            <a:solidFill>
+              <a:schemeClr val="accent2"/>
+            </a:solidFill>
+          </a:ln>
+        </p:spPr>
+        <p:style>
+          <a:lnRef idx="1">
+            <a:schemeClr val="accent1"/>
+          </a:lnRef>
+          <a:fillRef idx="0">
+            <a:schemeClr val="accent1"/>
+          </a:fillRef>
+          <a:effectRef idx="0">
+            <a:schemeClr val="accent1"/>
+          </a:effectRef>
+          <a:fontRef idx="minor">
+            <a:schemeClr val="tx1"/>
+          </a:fontRef>
+        </p:style>
+      </p:cxnSp>
+      <p:pic>
+        <p:nvPicPr>
+          <p:cNvPr id="4" name="Imagen 3">
+            <a:extLst>
+              <a:ext uri="{FF2B5EF4-FFF2-40B4-BE49-F238E27FC236}">
+                <a16:creationId xmlns:a16="http://schemas.microsoft.com/office/drawing/2014/main" id="{26DC9346-9A87-394D-C81F-762F08623B4E}"/>
+              </a:ext>
+            </a:extLst>
+          </p:cNvPr>
+          <p:cNvPicPr>
+            <a:picLocks noChangeAspect="1"/>
+          </p:cNvPicPr>
+          <p:nvPr/>
+        </p:nvPicPr>
+        <p:blipFill>
+          <a:blip r:embed="rId3"/>
+          <a:stretch>
+            <a:fillRect/>
+          </a:stretch>
+        </p:blipFill>
+        <p:spPr>
+          <a:xfrm>
+            <a:off x="860293" y="1449428"/>
+            <a:ext cx="9443914" cy="4853122"/>
+          </a:xfrm>
+          <a:prstGeom prst="rect">
+            <a:avLst/>
+          </a:prstGeom>
+        </p:spPr>
+      </p:pic>
+    </p:spTree>
+    <p:extLst>
+      <p:ext uri="{BB962C8B-B14F-4D97-AF65-F5344CB8AC3E}">
+        <p14:creationId xmlns:p14="http://schemas.microsoft.com/office/powerpoint/2010/main" val="4082745117"/>
+      </p:ext>
+    </p:extLst>
+  </p:cSld>
+  <p:clrMapOvr>
+    <a:masterClrMapping/>
+  </p:clrMapOvr>
+</p:sld>
+</file>
+
+<file path=ppt/slides/slide5.xml><?xml version="1.0" encoding="utf-8"?>
+<p:sld xmlns:a="http://schemas.openxmlformats.org/drawingml/2006/main" xmlns:r="http://schemas.openxmlformats.org/officeDocument/2006/relationships" xmlns:p="http://schemas.openxmlformats.org/presentationml/2006/main">
+  <p:cSld>
+    <p:bg>
+      <p:bgPr>
+        <a:solidFill>
+          <a:schemeClr val="bg1"/>
+        </a:solidFill>
+        <a:effectLst/>
+      </p:bgPr>
+    </p:bg>
+    <p:spTree>
+      <p:nvGrpSpPr>
+        <p:cNvPr id="1" name=""/>
+        <p:cNvGrpSpPr/>
+        <p:nvPr/>
+      </p:nvGrpSpPr>
+      <p:grpSpPr>
+        <a:xfrm>
+          <a:off x="0" y="0"/>
+          <a:ext cx="0" cy="0"/>
+          <a:chOff x="0" y="0"/>
+          <a:chExt cx="0" cy="0"/>
+        </a:xfrm>
+      </p:grpSpPr>
+      <p:sp>
+        <p:nvSpPr>
+          <p:cNvPr id="8" name="Rectangle 7">
+            <a:extLst>
+              <a:ext uri="{FF2B5EF4-FFF2-40B4-BE49-F238E27FC236}">
+                <a16:creationId xmlns:a16="http://schemas.microsoft.com/office/drawing/2014/main" id="{E8A8EAB8-D2FF-444D-B34B-7D32F106AD0E}"/>
+              </a:ext>
+              <a:ext uri="{C183D7F6-B498-43B3-948B-1728B52AA6E4}">
+                <adec:decorative xmlns:adec="http://schemas.microsoft.com/office/drawing/2017/decorative" val="1"/>
+              </a:ext>
+            </a:extLst>
+          </p:cNvPr>
+          <p:cNvSpPr>
+            <a:spLocks noGrp="1" noRot="1" noChangeAspect="1" noMove="1" noResize="1" noEditPoints="1" noAdjustHandles="1" noChangeArrowheads="1" noChangeShapeType="1" noTextEdit="1"/>
+          </p:cNvSpPr>
+          <p:nvPr>
+            <p:extLst>
+              <p:ext uri="{386F3935-93C4-4BCD-93E2-E3B085C9AB24}">
+                <p16:designElem xmlns:p16="http://schemas.microsoft.com/office/powerpoint/2015/main" val="1"/>
+              </p:ext>
+            </p:extLst>
+          </p:nvPr>
+        </p:nvSpPr>
+        <p:spPr>
+          <a:xfrm>
+            <a:off x="0" y="0"/>
+            <a:ext cx="12192000" cy="6858000"/>
+          </a:xfrm>
+          <a:prstGeom prst="rect">
+            <a:avLst/>
+          </a:prstGeom>
+          <a:solidFill>
+            <a:schemeClr val="tx1">
+              <a:lumMod val="95000"/>
+              <a:lumOff val="5000"/>
+            </a:schemeClr>
+          </a:solidFill>
+          <a:ln>
+            <a:noFill/>
+          </a:ln>
+        </p:spPr>
+        <p:style>
+          <a:lnRef idx="2">
+            <a:schemeClr val="accent1">
+              <a:shade val="50000"/>
+            </a:schemeClr>
+          </a:lnRef>
+          <a:fillRef idx="1">
+            <a:schemeClr val="accent1"/>
+          </a:fillRef>
+          <a:effectRef idx="0">
+            <a:schemeClr val="accent1"/>
+          </a:effectRef>
+          <a:fontRef idx="minor">
+            <a:schemeClr val="lt1"/>
+          </a:fontRef>
+        </p:style>
+        <p:txBody>
+          <a:bodyPr rtlCol="0" anchor="ctr"/>
+          <a:lstStyle/>
+          <a:p>
+            <a:pPr algn="ctr"/>
+            <a:endParaRPr lang="en-US" dirty="0">
+              <a:solidFill>
+                <a:schemeClr val="bg1"/>
+              </a:solidFill>
+            </a:endParaRPr>
+          </a:p>
+        </p:txBody>
+      </p:sp>
+      <p:sp>
+        <p:nvSpPr>
+          <p:cNvPr id="2" name="Título 1">
+            <a:extLst>
+              <a:ext uri="{FF2B5EF4-FFF2-40B4-BE49-F238E27FC236}">
+                <a16:creationId xmlns:a16="http://schemas.microsoft.com/office/drawing/2014/main" id="{AACA2F14-E065-70B0-AB14-606E4FF8662C}"/>
+              </a:ext>
+            </a:extLst>
+          </p:cNvPr>
+          <p:cNvSpPr>
+            <a:spLocks noGrp="1"/>
+          </p:cNvSpPr>
+          <p:nvPr>
+            <p:ph type="title"/>
+          </p:nvPr>
+        </p:nvSpPr>
+        <p:spPr>
+          <a:xfrm>
+            <a:off x="779582" y="131438"/>
+            <a:ext cx="7393799" cy="1618182"/>
+          </a:xfrm>
+        </p:spPr>
+        <p:txBody>
+          <a:bodyPr anchor="ctr">
+            <a:normAutofit/>
+          </a:bodyPr>
+          <a:lstStyle/>
+          <a:p>
+            <a:r>
+              <a:rPr lang="es-ES" b="1" i="0" cap="all" dirty="0" err="1">
+                <a:solidFill>
+                  <a:schemeClr val="bg1"/>
+                </a:solidFill>
+                <a:effectLst/>
+                <a:latin typeface="Posterama" panose="020B0504020200020000" pitchFamily="34" charset="0"/>
+              </a:rPr>
+              <a:t>Jupyter</a:t>
+            </a:r>
+            <a:r>
+              <a:rPr lang="es-ES" b="1" i="0" cap="all" dirty="0">
+                <a:solidFill>
+                  <a:schemeClr val="bg1"/>
+                </a:solidFill>
+                <a:effectLst/>
+                <a:latin typeface="Posterama" panose="020B0504020200020000" pitchFamily="34" charset="0"/>
+              </a:rPr>
+              <a:t> Notebook</a:t>
+            </a:r>
+            <a:endParaRPr lang="es-CL" dirty="0">
+              <a:solidFill>
+                <a:schemeClr val="bg1"/>
+              </a:solidFill>
+            </a:endParaRPr>
+          </a:p>
+        </p:txBody>
+      </p:sp>
+      <p:cxnSp>
+        <p:nvCxnSpPr>
+          <p:cNvPr id="10" name="Straight Connector 9">
+            <a:extLst>
+              <a:ext uri="{FF2B5EF4-FFF2-40B4-BE49-F238E27FC236}">
+                <a16:creationId xmlns:a16="http://schemas.microsoft.com/office/drawing/2014/main" id="{067633D1-6EE6-4118-B9F0-B363477BEE7A}"/>
+              </a:ext>
+              <a:ext uri="{C183D7F6-B498-43B3-948B-1728B52AA6E4}">
+                <adec:decorative xmlns:adec="http://schemas.microsoft.com/office/drawing/2017/decorative" val="1"/>
+              </a:ext>
+            </a:extLst>
+          </p:cNvPr>
+          <p:cNvCxnSpPr>
+            <a:cxnSpLocks noGrp="1" noRot="1" noChangeAspect="1" noMove="1" noResize="1" noEditPoints="1" noAdjustHandles="1" noChangeArrowheads="1" noChangeShapeType="1"/>
+          </p:cNvCxnSpPr>
+          <p:nvPr>
+            <p:extLst>
+              <p:ext uri="{386F3935-93C4-4BCD-93E2-E3B085C9AB24}">
+                <p16:designElem xmlns:p16="http://schemas.microsoft.com/office/powerpoint/2015/main" val="1"/>
+              </p:ext>
+            </p:extLst>
+          </p:nvPr>
+        </p:nvCxnSpPr>
+        <p:spPr>
+          <a:xfrm flipH="1">
+            <a:off x="1014141" y="1450655"/>
+            <a:ext cx="3932030" cy="0"/>
+          </a:xfrm>
+          <a:prstGeom prst="line">
+            <a:avLst/>
+          </a:prstGeom>
+          <a:ln w="12700">
+            <a:solidFill>
+              <a:schemeClr val="accent2"/>
+            </a:solidFill>
+          </a:ln>
+        </p:spPr>
+        <p:style>
+          <a:lnRef idx="1">
+            <a:schemeClr val="accent1"/>
+          </a:lnRef>
+          <a:fillRef idx="0">
+            <a:schemeClr val="accent1"/>
+          </a:fillRef>
+          <a:effectRef idx="0">
+            <a:schemeClr val="accent1"/>
+          </a:effectRef>
+          <a:fontRef idx="minor">
+            <a:schemeClr val="tx1"/>
+          </a:fontRef>
+        </p:style>
+      </p:cxnSp>
+      <p:cxnSp>
+        <p:nvCxnSpPr>
+          <p:cNvPr id="12" name="Straight Connector 11">
+            <a:extLst>
+              <a:ext uri="{FF2B5EF4-FFF2-40B4-BE49-F238E27FC236}">
+                <a16:creationId xmlns:a16="http://schemas.microsoft.com/office/drawing/2014/main" id="{4AD7FFC6-42A9-49CB-B5E9-B3F6B038331B}"/>
+              </a:ext>
+              <a:ext uri="{C183D7F6-B498-43B3-948B-1728B52AA6E4}">
+                <adec:decorative xmlns:adec="http://schemas.microsoft.com/office/drawing/2017/decorative" val="1"/>
+              </a:ext>
+            </a:extLst>
+          </p:cNvPr>
+          <p:cNvCxnSpPr>
+            <a:cxnSpLocks noGrp="1" noRot="1" noChangeAspect="1" noMove="1" noResize="1" noEditPoints="1" noAdjustHandles="1" noChangeArrowheads="1" noChangeShapeType="1"/>
+          </p:cNvCxnSpPr>
+          <p:nvPr>
+            <p:extLst>
+              <p:ext uri="{386F3935-93C4-4BCD-93E2-E3B085C9AB24}">
+                <p16:designElem xmlns:p16="http://schemas.microsoft.com/office/powerpoint/2015/main" val="1"/>
+              </p:ext>
+            </p:extLst>
+          </p:nvPr>
+        </p:nvCxnSpPr>
+        <p:spPr>
+          <a:xfrm flipH="1">
+            <a:off x="1014141" y="5408571"/>
+            <a:ext cx="3932030" cy="0"/>
+          </a:xfrm>
+          <a:prstGeom prst="line">
+            <a:avLst/>
+          </a:prstGeom>
+          <a:ln w="12700">
+            <a:solidFill>
+              <a:schemeClr val="accent2"/>
+            </a:solidFill>
+          </a:ln>
+        </p:spPr>
+        <p:style>
+          <a:lnRef idx="1">
+            <a:schemeClr val="accent1"/>
+          </a:lnRef>
+          <a:fillRef idx="0">
+            <a:schemeClr val="accent1"/>
+          </a:fillRef>
+          <a:effectRef idx="0">
+            <a:schemeClr val="accent1"/>
+          </a:effectRef>
+          <a:fontRef idx="minor">
+            <a:schemeClr val="tx1"/>
+          </a:fontRef>
+        </p:style>
+      </p:cxnSp>
+      <p:pic>
+        <p:nvPicPr>
+          <p:cNvPr id="5" name="Imagen 4">
+            <a:extLst>
+              <a:ext uri="{FF2B5EF4-FFF2-40B4-BE49-F238E27FC236}">
+                <a16:creationId xmlns:a16="http://schemas.microsoft.com/office/drawing/2014/main" id="{76952CC3-B924-1CD4-F3D6-DCC82FCFD2BA}"/>
+              </a:ext>
+            </a:extLst>
+          </p:cNvPr>
+          <p:cNvPicPr>
+            <a:picLocks noChangeAspect="1"/>
+          </p:cNvPicPr>
+          <p:nvPr/>
+        </p:nvPicPr>
+        <p:blipFill>
+          <a:blip r:embed="rId3"/>
+          <a:stretch>
+            <a:fillRect/>
+          </a:stretch>
+        </p:blipFill>
+        <p:spPr>
+          <a:xfrm>
+            <a:off x="921005" y="1749619"/>
+            <a:ext cx="4594891" cy="3139676"/>
+          </a:xfrm>
+          <a:prstGeom prst="rect">
+            <a:avLst/>
+          </a:prstGeom>
+        </p:spPr>
+      </p:pic>
+      <p:pic>
+        <p:nvPicPr>
+          <p:cNvPr id="7" name="Imagen 6">
+            <a:extLst>
+              <a:ext uri="{FF2B5EF4-FFF2-40B4-BE49-F238E27FC236}">
+                <a16:creationId xmlns:a16="http://schemas.microsoft.com/office/drawing/2014/main" id="{271B15C6-A910-FFA7-7097-72823CC34639}"/>
+              </a:ext>
+            </a:extLst>
+          </p:cNvPr>
+          <p:cNvPicPr>
+            <a:picLocks noChangeAspect="1"/>
+          </p:cNvPicPr>
+          <p:nvPr/>
+        </p:nvPicPr>
+        <p:blipFill>
+          <a:blip r:embed="rId4"/>
+          <a:stretch>
+            <a:fillRect/>
+          </a:stretch>
+        </p:blipFill>
+        <p:spPr>
+          <a:xfrm>
+            <a:off x="5977561" y="1749619"/>
+            <a:ext cx="4594891" cy="3139676"/>
+          </a:xfrm>
+          <a:prstGeom prst="rect">
+            <a:avLst/>
+          </a:prstGeom>
+        </p:spPr>
+      </p:pic>
+    </p:spTree>
+    <p:extLst>
+      <p:ext uri="{BB962C8B-B14F-4D97-AF65-F5344CB8AC3E}">
+        <p14:creationId xmlns:p14="http://schemas.microsoft.com/office/powerpoint/2010/main" val="149331979"/>
+      </p:ext>
+    </p:extLst>
+  </p:cSld>
+  <p:clrMapOvr>
+    <a:masterClrMapping/>
+  </p:clrMapOvr>
+</p:sld>
+</file>
+
+<file path=ppt/slides/slide6.xml><?xml version="1.0" encoding="utf-8"?>
+<p:sld xmlns:a="http://schemas.openxmlformats.org/drawingml/2006/main" xmlns:r="http://schemas.openxmlformats.org/officeDocument/2006/relationships" xmlns:p="http://schemas.openxmlformats.org/presentationml/2006/main">
+  <p:cSld>
+    <p:bg>
+      <p:bgPr>
+        <a:solidFill>
+          <a:schemeClr val="bg1"/>
+        </a:solidFill>
+        <a:effectLst/>
+      </p:bgPr>
+    </p:bg>
+    <p:spTree>
+      <p:nvGrpSpPr>
+        <p:cNvPr id="1" name=""/>
+        <p:cNvGrpSpPr/>
+        <p:nvPr/>
+      </p:nvGrpSpPr>
+      <p:grpSpPr>
+        <a:xfrm>
+          <a:off x="0" y="0"/>
+          <a:ext cx="0" cy="0"/>
+          <a:chOff x="0" y="0"/>
+          <a:chExt cx="0" cy="0"/>
+        </a:xfrm>
+      </p:grpSpPr>
+      <p:sp>
+        <p:nvSpPr>
+          <p:cNvPr id="8" name="Rectangle 7">
+            <a:extLst>
+              <a:ext uri="{FF2B5EF4-FFF2-40B4-BE49-F238E27FC236}">
+                <a16:creationId xmlns:a16="http://schemas.microsoft.com/office/drawing/2014/main" id="{E8A8EAB8-D2FF-444D-B34B-7D32F106AD0E}"/>
+              </a:ext>
+              <a:ext uri="{C183D7F6-B498-43B3-948B-1728B52AA6E4}">
+                <adec:decorative xmlns:adec="http://schemas.microsoft.com/office/drawing/2017/decorative" val="1"/>
+              </a:ext>
+            </a:extLst>
+          </p:cNvPr>
+          <p:cNvSpPr>
+            <a:spLocks noGrp="1" noRot="1" noChangeAspect="1" noMove="1" noResize="1" noEditPoints="1" noAdjustHandles="1" noChangeArrowheads="1" noChangeShapeType="1" noTextEdit="1"/>
+          </p:cNvSpPr>
+          <p:nvPr>
+            <p:extLst>
+              <p:ext uri="{386F3935-93C4-4BCD-93E2-E3B085C9AB24}">
+                <p16:designElem xmlns:p16="http://schemas.microsoft.com/office/powerpoint/2015/main" val="1"/>
+              </p:ext>
+            </p:extLst>
+          </p:nvPr>
+        </p:nvSpPr>
+        <p:spPr>
+          <a:xfrm>
+            <a:off x="0" y="0"/>
+            <a:ext cx="12192000" cy="6858000"/>
+          </a:xfrm>
+          <a:prstGeom prst="rect">
+            <a:avLst/>
+          </a:prstGeom>
+          <a:solidFill>
+            <a:schemeClr val="tx1">
+              <a:lumMod val="95000"/>
+              <a:lumOff val="5000"/>
+            </a:schemeClr>
+          </a:solidFill>
+          <a:ln>
+            <a:noFill/>
+          </a:ln>
+        </p:spPr>
+        <p:style>
+          <a:lnRef idx="2">
+            <a:schemeClr val="accent1">
+              <a:shade val="50000"/>
+            </a:schemeClr>
+          </a:lnRef>
+          <a:fillRef idx="1">
+            <a:schemeClr val="accent1"/>
+          </a:fillRef>
+          <a:effectRef idx="0">
+            <a:schemeClr val="accent1"/>
+          </a:effectRef>
+          <a:fontRef idx="minor">
+            <a:schemeClr val="lt1"/>
+          </a:fontRef>
+        </p:style>
+        <p:txBody>
+          <a:bodyPr rtlCol="0" anchor="ctr"/>
+          <a:lstStyle/>
+          <a:p>
+            <a:pPr algn="ctr"/>
+            <a:endParaRPr lang="en-US" dirty="0">
+              <a:solidFill>
+                <a:schemeClr val="bg1"/>
+              </a:solidFill>
+            </a:endParaRPr>
+          </a:p>
+        </p:txBody>
+      </p:sp>
+      <p:sp>
+        <p:nvSpPr>
+          <p:cNvPr id="2" name="Título 1">
+            <a:extLst>
+              <a:ext uri="{FF2B5EF4-FFF2-40B4-BE49-F238E27FC236}">
+                <a16:creationId xmlns:a16="http://schemas.microsoft.com/office/drawing/2014/main" id="{AACA2F14-E065-70B0-AB14-606E4FF8662C}"/>
+              </a:ext>
+            </a:extLst>
+          </p:cNvPr>
+          <p:cNvSpPr>
+            <a:spLocks noGrp="1"/>
+          </p:cNvSpPr>
+          <p:nvPr>
+            <p:ph type="title"/>
+          </p:nvPr>
+        </p:nvSpPr>
+        <p:spPr>
+          <a:xfrm>
+            <a:off x="907401" y="21499"/>
+            <a:ext cx="6712599" cy="881283"/>
+          </a:xfrm>
+        </p:spPr>
+        <p:txBody>
+          <a:bodyPr anchor="ctr">
+            <a:normAutofit/>
+          </a:bodyPr>
+          <a:lstStyle/>
+          <a:p>
+            <a:r>
+              <a:rPr lang="es-ES" b="1" i="0" cap="all" dirty="0" err="1">
+                <a:solidFill>
+                  <a:schemeClr val="bg1"/>
+                </a:solidFill>
+                <a:effectLst/>
+                <a:latin typeface="Posterama" panose="020B0504020200020000" pitchFamily="34" charset="0"/>
+              </a:rPr>
+              <a:t>Jupyter</a:t>
+            </a:r>
+            <a:r>
+              <a:rPr lang="es-ES" b="1" i="0" cap="all" dirty="0">
+                <a:solidFill>
+                  <a:schemeClr val="bg1"/>
+                </a:solidFill>
+                <a:effectLst/>
+                <a:latin typeface="Posterama" panose="020B0504020200020000" pitchFamily="34" charset="0"/>
+              </a:rPr>
+              <a:t> Notebook</a:t>
+            </a:r>
+            <a:endParaRPr lang="es-CL" dirty="0">
+              <a:solidFill>
+                <a:schemeClr val="bg1"/>
+              </a:solidFill>
+            </a:endParaRPr>
+          </a:p>
+        </p:txBody>
+      </p:sp>
+      <p:cxnSp>
+        <p:nvCxnSpPr>
+          <p:cNvPr id="10" name="Straight Connector 9">
+            <a:extLst>
+              <a:ext uri="{FF2B5EF4-FFF2-40B4-BE49-F238E27FC236}">
+                <a16:creationId xmlns:a16="http://schemas.microsoft.com/office/drawing/2014/main" id="{067633D1-6EE6-4118-B9F0-B363477BEE7A}"/>
+              </a:ext>
+              <a:ext uri="{C183D7F6-B498-43B3-948B-1728B52AA6E4}">
+                <adec:decorative xmlns:adec="http://schemas.microsoft.com/office/drawing/2017/decorative" val="1"/>
+              </a:ext>
+            </a:extLst>
+          </p:cNvPr>
+          <p:cNvCxnSpPr>
+            <a:cxnSpLocks noGrp="1" noRot="1" noChangeAspect="1" noMove="1" noResize="1" noEditPoints="1" noAdjustHandles="1" noChangeArrowheads="1" noChangeShapeType="1"/>
+          </p:cNvCxnSpPr>
+          <p:nvPr>
+            <p:extLst>
+              <p:ext uri="{386F3935-93C4-4BCD-93E2-E3B085C9AB24}">
+                <p16:designElem xmlns:p16="http://schemas.microsoft.com/office/powerpoint/2015/main" val="1"/>
+              </p:ext>
+            </p:extLst>
+          </p:nvPr>
+        </p:nvCxnSpPr>
+        <p:spPr>
+          <a:xfrm flipH="1">
+            <a:off x="1014141" y="1450655"/>
+            <a:ext cx="3932030" cy="0"/>
+          </a:xfrm>
+          <a:prstGeom prst="line">
+            <a:avLst/>
+          </a:prstGeom>
+          <a:ln w="12700">
+            <a:solidFill>
+              <a:schemeClr val="accent2"/>
+            </a:solidFill>
+          </a:ln>
+        </p:spPr>
+        <p:style>
+          <a:lnRef idx="1">
+            <a:schemeClr val="accent1"/>
+          </a:lnRef>
+          <a:fillRef idx="0">
+            <a:schemeClr val="accent1"/>
+          </a:fillRef>
+          <a:effectRef idx="0">
+            <a:schemeClr val="accent1"/>
+          </a:effectRef>
+          <a:fontRef idx="minor">
+            <a:schemeClr val="tx1"/>
+          </a:fontRef>
+        </p:style>
+      </p:cxnSp>
+      <p:cxnSp>
+        <p:nvCxnSpPr>
+          <p:cNvPr id="12" name="Straight Connector 11">
+            <a:extLst>
+              <a:ext uri="{FF2B5EF4-FFF2-40B4-BE49-F238E27FC236}">
+                <a16:creationId xmlns:a16="http://schemas.microsoft.com/office/drawing/2014/main" id="{4AD7FFC6-42A9-49CB-B5E9-B3F6B038331B}"/>
+              </a:ext>
+              <a:ext uri="{C183D7F6-B498-43B3-948B-1728B52AA6E4}">
+                <adec:decorative xmlns:adec="http://schemas.microsoft.com/office/drawing/2017/decorative" val="1"/>
+              </a:ext>
+            </a:extLst>
+          </p:cNvPr>
+          <p:cNvCxnSpPr>
+            <a:cxnSpLocks noGrp="1" noRot="1" noChangeAspect="1" noMove="1" noResize="1" noEditPoints="1" noAdjustHandles="1" noChangeArrowheads="1" noChangeShapeType="1"/>
+          </p:cNvCxnSpPr>
+          <p:nvPr>
+            <p:extLst>
+              <p:ext uri="{386F3935-93C4-4BCD-93E2-E3B085C9AB24}">
+                <p16:designElem xmlns:p16="http://schemas.microsoft.com/office/powerpoint/2015/main" val="1"/>
+              </p:ext>
+            </p:extLst>
+          </p:nvPr>
+        </p:nvCxnSpPr>
+        <p:spPr>
+          <a:xfrm flipH="1">
+            <a:off x="1014141" y="5408571"/>
+            <a:ext cx="3932030" cy="0"/>
+          </a:xfrm>
+          <a:prstGeom prst="line">
+            <a:avLst/>
+          </a:prstGeom>
+          <a:ln w="12700">
+            <a:solidFill>
+              <a:schemeClr val="accent2"/>
+            </a:solidFill>
+          </a:ln>
+        </p:spPr>
+        <p:style>
+          <a:lnRef idx="1">
+            <a:schemeClr val="accent1"/>
+          </a:lnRef>
+          <a:fillRef idx="0">
+            <a:schemeClr val="accent1"/>
+          </a:fillRef>
+          <a:effectRef idx="0">
+            <a:schemeClr val="accent1"/>
+          </a:effectRef>
+          <a:fontRef idx="minor">
+            <a:schemeClr val="tx1"/>
+          </a:fontRef>
+        </p:style>
+      </p:cxnSp>
+      <p:pic>
+        <p:nvPicPr>
+          <p:cNvPr id="4" name="Imagen 3">
+            <a:extLst>
+              <a:ext uri="{FF2B5EF4-FFF2-40B4-BE49-F238E27FC236}">
+                <a16:creationId xmlns:a16="http://schemas.microsoft.com/office/drawing/2014/main" id="{C506BC81-7348-73DE-1614-BA6E9B9CACBF}"/>
+              </a:ext>
+            </a:extLst>
+          </p:cNvPr>
+          <p:cNvPicPr>
+            <a:picLocks noChangeAspect="1"/>
+          </p:cNvPicPr>
+          <p:nvPr/>
+        </p:nvPicPr>
+        <p:blipFill>
+          <a:blip r:embed="rId3"/>
+          <a:stretch>
+            <a:fillRect/>
+          </a:stretch>
+        </p:blipFill>
+        <p:spPr>
+          <a:xfrm>
+            <a:off x="1014140" y="826237"/>
+            <a:ext cx="4354272" cy="2827354"/>
+          </a:xfrm>
+          <a:prstGeom prst="rect">
+            <a:avLst/>
+          </a:prstGeom>
+        </p:spPr>
+      </p:pic>
+      <p:pic>
+        <p:nvPicPr>
+          <p:cNvPr id="9" name="Imagen 8">
+            <a:extLst>
+              <a:ext uri="{FF2B5EF4-FFF2-40B4-BE49-F238E27FC236}">
+                <a16:creationId xmlns:a16="http://schemas.microsoft.com/office/drawing/2014/main" id="{0060B010-F45D-E4F4-BC1A-9C239E8F9E00}"/>
+              </a:ext>
+            </a:extLst>
+          </p:cNvPr>
+          <p:cNvPicPr>
+            <a:picLocks noChangeAspect="1"/>
+          </p:cNvPicPr>
+          <p:nvPr/>
+        </p:nvPicPr>
+        <p:blipFill>
+          <a:blip r:embed="rId4"/>
+          <a:stretch>
+            <a:fillRect/>
+          </a:stretch>
+        </p:blipFill>
+        <p:spPr>
+          <a:xfrm>
+            <a:off x="6382551" y="826237"/>
+            <a:ext cx="4354272" cy="2875879"/>
+          </a:xfrm>
+          <a:prstGeom prst="rect">
+            <a:avLst/>
+          </a:prstGeom>
+        </p:spPr>
+      </p:pic>
+      <p:pic>
+        <p:nvPicPr>
+          <p:cNvPr id="13" name="Imagen 12">
+            <a:extLst>
+              <a:ext uri="{FF2B5EF4-FFF2-40B4-BE49-F238E27FC236}">
+                <a16:creationId xmlns:a16="http://schemas.microsoft.com/office/drawing/2014/main" id="{C7C79E3B-5E4D-B35F-DE97-C24863088A68}"/>
+              </a:ext>
+            </a:extLst>
+          </p:cNvPr>
+          <p:cNvPicPr>
+            <a:picLocks noChangeAspect="1"/>
+          </p:cNvPicPr>
+          <p:nvPr/>
+        </p:nvPicPr>
+        <p:blipFill>
+          <a:blip r:embed="rId5"/>
+          <a:stretch>
+            <a:fillRect/>
+          </a:stretch>
+        </p:blipFill>
+        <p:spPr>
+          <a:xfrm>
+            <a:off x="1014140" y="3751515"/>
+            <a:ext cx="4354271" cy="2822617"/>
+          </a:xfrm>
+          <a:prstGeom prst="rect">
+            <a:avLst/>
+          </a:prstGeom>
+        </p:spPr>
+      </p:pic>
+      <p:pic>
+        <p:nvPicPr>
+          <p:cNvPr id="15" name="Imagen 14">
+            <a:extLst>
+              <a:ext uri="{FF2B5EF4-FFF2-40B4-BE49-F238E27FC236}">
+                <a16:creationId xmlns:a16="http://schemas.microsoft.com/office/drawing/2014/main" id="{1ACFFEA2-17A4-2B68-DE86-B682B87B1457}"/>
+              </a:ext>
+            </a:extLst>
+          </p:cNvPr>
+          <p:cNvPicPr>
+            <a:picLocks noChangeAspect="1"/>
+          </p:cNvPicPr>
+          <p:nvPr/>
+        </p:nvPicPr>
+        <p:blipFill>
+          <a:blip r:embed="rId6"/>
+          <a:stretch>
+            <a:fillRect/>
+          </a:stretch>
+        </p:blipFill>
+        <p:spPr>
+          <a:xfrm>
+            <a:off x="6382551" y="3772819"/>
+            <a:ext cx="4354271" cy="2907844"/>
+          </a:xfrm>
+          <a:prstGeom prst="rect">
+            <a:avLst/>
+          </a:prstGeom>
+        </p:spPr>
+      </p:pic>
+    </p:spTree>
+    <p:extLst>
+      <p:ext uri="{BB962C8B-B14F-4D97-AF65-F5344CB8AC3E}">
+        <p14:creationId xmlns:p14="http://schemas.microsoft.com/office/powerpoint/2010/main" val="2297381815"/>
+      </p:ext>
+    </p:extLst>
+  </p:cSld>
+  <p:clrMapOvr>
+    <a:masterClrMapping/>
+  </p:clrMapOvr>
+</p:sld>
+</file>
+
+<file path=ppt/slides/slide7.xml><?xml version="1.0" encoding="utf-8"?>
+<p:sld xmlns:a="http://schemas.openxmlformats.org/drawingml/2006/main" xmlns:r="http://schemas.openxmlformats.org/officeDocument/2006/relationships" xmlns:p="http://schemas.openxmlformats.org/presentationml/2006/main">
+  <p:cSld>
+    <p:bg>
+      <p:bgPr>
+        <a:solidFill>
+          <a:schemeClr val="bg1"/>
+        </a:solidFill>
+        <a:effectLst/>
+      </p:bgPr>
+    </p:bg>
+    <p:spTree>
+      <p:nvGrpSpPr>
+        <p:cNvPr id="1" name=""/>
+        <p:cNvGrpSpPr/>
+        <p:nvPr/>
+      </p:nvGrpSpPr>
+      <p:grpSpPr>
+        <a:xfrm>
+          <a:off x="0" y="0"/>
+          <a:ext cx="0" cy="0"/>
+          <a:chOff x="0" y="0"/>
+          <a:chExt cx="0" cy="0"/>
+        </a:xfrm>
+      </p:grpSpPr>
+      <p:sp>
+        <p:nvSpPr>
+          <p:cNvPr id="8" name="Rectangle 7">
+            <a:extLst>
+              <a:ext uri="{FF2B5EF4-FFF2-40B4-BE49-F238E27FC236}">
+                <a16:creationId xmlns:a16="http://schemas.microsoft.com/office/drawing/2014/main" id="{E8A8EAB8-D2FF-444D-B34B-7D32F106AD0E}"/>
+              </a:ext>
+              <a:ext uri="{C183D7F6-B498-43B3-948B-1728B52AA6E4}">
+                <adec:decorative xmlns:adec="http://schemas.microsoft.com/office/drawing/2017/decorative" val="1"/>
+              </a:ext>
+            </a:extLst>
+          </p:cNvPr>
+          <p:cNvSpPr>
+            <a:spLocks noGrp="1" noRot="1" noChangeAspect="1" noMove="1" noResize="1" noEditPoints="1" noAdjustHandles="1" noChangeArrowheads="1" noChangeShapeType="1" noTextEdit="1"/>
+          </p:cNvSpPr>
+          <p:nvPr>
+            <p:extLst>
+              <p:ext uri="{386F3935-93C4-4BCD-93E2-E3B085C9AB24}">
+                <p16:designElem xmlns:p16="http://schemas.microsoft.com/office/powerpoint/2015/main" val="1"/>
+              </p:ext>
+            </p:extLst>
+          </p:nvPr>
+        </p:nvSpPr>
+        <p:spPr>
+          <a:xfrm>
+            <a:off x="0" y="0"/>
+            <a:ext cx="12192000" cy="6858000"/>
+          </a:xfrm>
+          <a:prstGeom prst="rect">
+            <a:avLst/>
+          </a:prstGeom>
+          <a:solidFill>
+            <a:schemeClr val="tx1">
+              <a:lumMod val="95000"/>
+              <a:lumOff val="5000"/>
+            </a:schemeClr>
+          </a:solidFill>
+          <a:ln>
+            <a:noFill/>
+          </a:ln>
+        </p:spPr>
+        <p:style>
+          <a:lnRef idx="2">
+            <a:schemeClr val="accent1">
+              <a:shade val="50000"/>
+            </a:schemeClr>
+          </a:lnRef>
+          <a:fillRef idx="1">
+            <a:schemeClr val="accent1"/>
+          </a:fillRef>
+          <a:effectRef idx="0">
+            <a:schemeClr val="accent1"/>
+          </a:effectRef>
+          <a:fontRef idx="minor">
+            <a:schemeClr val="lt1"/>
+          </a:fontRef>
+        </p:style>
+        <p:txBody>
+          <a:bodyPr rtlCol="0" anchor="ctr"/>
+          <a:lstStyle/>
+          <a:p>
+            <a:pPr algn="ctr"/>
+            <a:endParaRPr lang="en-US" dirty="0">
+              <a:solidFill>
+                <a:schemeClr val="bg1"/>
+              </a:solidFill>
+            </a:endParaRPr>
+          </a:p>
+        </p:txBody>
+      </p:sp>
+      <p:sp>
+        <p:nvSpPr>
+          <p:cNvPr id="2" name="Título 1">
+            <a:extLst>
+              <a:ext uri="{FF2B5EF4-FFF2-40B4-BE49-F238E27FC236}">
+                <a16:creationId xmlns:a16="http://schemas.microsoft.com/office/drawing/2014/main" id="{AACA2F14-E065-70B0-AB14-606E4FF8662C}"/>
+              </a:ext>
+            </a:extLst>
+          </p:cNvPr>
+          <p:cNvSpPr>
+            <a:spLocks noGrp="1"/>
+          </p:cNvSpPr>
+          <p:nvPr>
+            <p:ph type="title"/>
+          </p:nvPr>
+        </p:nvSpPr>
+        <p:spPr>
+          <a:xfrm>
+            <a:off x="484249" y="160798"/>
+            <a:ext cx="1060334" cy="1146271"/>
+          </a:xfrm>
+        </p:spPr>
+        <p:txBody>
+          <a:bodyPr anchor="ctr">
+            <a:normAutofit/>
+          </a:bodyPr>
+          <a:lstStyle/>
+          <a:p>
+            <a:r>
+              <a:rPr lang="es-ES" sz="1100" b="1" i="0" cap="all" dirty="0" err="1">
+                <a:solidFill>
+                  <a:schemeClr val="bg1"/>
+                </a:solidFill>
+                <a:effectLst/>
+                <a:latin typeface="Posterama" panose="020B0504020200020000" pitchFamily="34" charset="0"/>
+              </a:rPr>
+              <a:t>Jupyter</a:t>
+            </a:r>
+            <a:r>
+              <a:rPr lang="es-ES" sz="1100" b="1" i="0" cap="all" dirty="0">
+                <a:solidFill>
+                  <a:schemeClr val="bg1"/>
+                </a:solidFill>
+                <a:effectLst/>
+                <a:latin typeface="Posterama" panose="020B0504020200020000" pitchFamily="34" charset="0"/>
+              </a:rPr>
+              <a:t> Notebook</a:t>
+            </a:r>
+            <a:endParaRPr lang="es-CL" sz="1100" dirty="0">
+              <a:solidFill>
+                <a:schemeClr val="bg1"/>
+              </a:solidFill>
+            </a:endParaRPr>
+          </a:p>
+        </p:txBody>
+      </p:sp>
+      <p:cxnSp>
+        <p:nvCxnSpPr>
+          <p:cNvPr id="10" name="Straight Connector 9">
+            <a:extLst>
+              <a:ext uri="{FF2B5EF4-FFF2-40B4-BE49-F238E27FC236}">
+                <a16:creationId xmlns:a16="http://schemas.microsoft.com/office/drawing/2014/main" id="{067633D1-6EE6-4118-B9F0-B363477BEE7A}"/>
+              </a:ext>
+              <a:ext uri="{C183D7F6-B498-43B3-948B-1728B52AA6E4}">
+                <adec:decorative xmlns:adec="http://schemas.microsoft.com/office/drawing/2017/decorative" val="1"/>
+              </a:ext>
+            </a:extLst>
+          </p:cNvPr>
+          <p:cNvCxnSpPr>
+            <a:cxnSpLocks noGrp="1" noRot="1" noChangeAspect="1" noMove="1" noResize="1" noEditPoints="1" noAdjustHandles="1" noChangeArrowheads="1" noChangeShapeType="1"/>
+          </p:cNvCxnSpPr>
+          <p:nvPr>
+            <p:extLst>
+              <p:ext uri="{386F3935-93C4-4BCD-93E2-E3B085C9AB24}">
+                <p16:designElem xmlns:p16="http://schemas.microsoft.com/office/powerpoint/2015/main" val="1"/>
+              </p:ext>
+            </p:extLst>
+          </p:nvPr>
+        </p:nvCxnSpPr>
+        <p:spPr>
+          <a:xfrm flipH="1">
+            <a:off x="1014141" y="1450655"/>
+            <a:ext cx="3932030" cy="0"/>
+          </a:xfrm>
+          <a:prstGeom prst="line">
+            <a:avLst/>
+          </a:prstGeom>
+          <a:ln w="12700">
+            <a:solidFill>
+              <a:schemeClr val="accent2"/>
+            </a:solidFill>
+          </a:ln>
+        </p:spPr>
+        <p:style>
+          <a:lnRef idx="1">
+            <a:schemeClr val="accent1"/>
+          </a:lnRef>
+          <a:fillRef idx="0">
+            <a:schemeClr val="accent1"/>
+          </a:fillRef>
+          <a:effectRef idx="0">
+            <a:schemeClr val="accent1"/>
+          </a:effectRef>
+          <a:fontRef idx="minor">
+            <a:schemeClr val="tx1"/>
+          </a:fontRef>
+        </p:style>
+      </p:cxnSp>
+      <p:cxnSp>
+        <p:nvCxnSpPr>
+          <p:cNvPr id="12" name="Straight Connector 11">
+            <a:extLst>
+              <a:ext uri="{FF2B5EF4-FFF2-40B4-BE49-F238E27FC236}">
+                <a16:creationId xmlns:a16="http://schemas.microsoft.com/office/drawing/2014/main" id="{4AD7FFC6-42A9-49CB-B5E9-B3F6B038331B}"/>
+              </a:ext>
+              <a:ext uri="{C183D7F6-B498-43B3-948B-1728B52AA6E4}">
+                <adec:decorative xmlns:adec="http://schemas.microsoft.com/office/drawing/2017/decorative" val="1"/>
+              </a:ext>
+            </a:extLst>
+          </p:cNvPr>
+          <p:cNvCxnSpPr>
+            <a:cxnSpLocks noGrp="1" noRot="1" noChangeAspect="1" noMove="1" noResize="1" noEditPoints="1" noAdjustHandles="1" noChangeArrowheads="1" noChangeShapeType="1"/>
+          </p:cNvCxnSpPr>
+          <p:nvPr>
+            <p:extLst>
+              <p:ext uri="{386F3935-93C4-4BCD-93E2-E3B085C9AB24}">
+                <p16:designElem xmlns:p16="http://schemas.microsoft.com/office/powerpoint/2015/main" val="1"/>
+              </p:ext>
+            </p:extLst>
+          </p:nvPr>
+        </p:nvCxnSpPr>
+        <p:spPr>
+          <a:xfrm flipH="1">
+            <a:off x="1014141" y="5408571"/>
+            <a:ext cx="3932030" cy="0"/>
+          </a:xfrm>
+          <a:prstGeom prst="line">
+            <a:avLst/>
+          </a:prstGeom>
+          <a:ln w="12700">
+            <a:solidFill>
+              <a:schemeClr val="accent2"/>
+            </a:solidFill>
+          </a:ln>
+        </p:spPr>
+        <p:style>
+          <a:lnRef idx="1">
+            <a:schemeClr val="accent1"/>
+          </a:lnRef>
+          <a:fillRef idx="0">
+            <a:schemeClr val="accent1"/>
+          </a:fillRef>
+          <a:effectRef idx="0">
+            <a:schemeClr val="accent1"/>
+          </a:effectRef>
+          <a:fontRef idx="minor">
+            <a:schemeClr val="tx1"/>
+          </a:fontRef>
+        </p:style>
+      </p:cxnSp>
+      <p:pic>
+        <p:nvPicPr>
+          <p:cNvPr id="5" name="Imagen 4">
+            <a:extLst>
+              <a:ext uri="{FF2B5EF4-FFF2-40B4-BE49-F238E27FC236}">
+                <a16:creationId xmlns:a16="http://schemas.microsoft.com/office/drawing/2014/main" id="{C91467C7-A761-65B6-C962-5D25EE6D5E22}"/>
+              </a:ext>
+            </a:extLst>
+          </p:cNvPr>
+          <p:cNvPicPr>
+            <a:picLocks noChangeAspect="1"/>
+          </p:cNvPicPr>
+          <p:nvPr/>
+        </p:nvPicPr>
+        <p:blipFill rotWithShape="1">
+          <a:blip r:embed="rId3"/>
+          <a:srcRect t="4914"/>
+          <a:stretch/>
+        </p:blipFill>
+        <p:spPr>
+          <a:xfrm>
+            <a:off x="484249" y="1449428"/>
+            <a:ext cx="10869542" cy="5126914"/>
+          </a:xfrm>
+          <a:prstGeom prst="rect">
+            <a:avLst/>
+          </a:prstGeom>
+        </p:spPr>
+      </p:pic>
+      <p:pic>
+        <p:nvPicPr>
+          <p:cNvPr id="7" name="Imagen 6">
+            <a:extLst>
+              <a:ext uri="{FF2B5EF4-FFF2-40B4-BE49-F238E27FC236}">
+                <a16:creationId xmlns:a16="http://schemas.microsoft.com/office/drawing/2014/main" id="{8CBC9D9B-895F-A208-906D-D6B15CE3D17C}"/>
+              </a:ext>
+            </a:extLst>
+          </p:cNvPr>
+          <p:cNvPicPr>
+            <a:picLocks noChangeAspect="1"/>
+          </p:cNvPicPr>
+          <p:nvPr/>
+        </p:nvPicPr>
+        <p:blipFill>
+          <a:blip r:embed="rId4"/>
+          <a:stretch>
+            <a:fillRect/>
+          </a:stretch>
+        </p:blipFill>
+        <p:spPr>
+          <a:xfrm rot="10800000">
+            <a:off x="1967735" y="143707"/>
+            <a:ext cx="8040222" cy="1305107"/>
+          </a:xfrm>
+          <a:prstGeom prst="rect">
+            <a:avLst/>
+          </a:prstGeom>
+        </p:spPr>
+      </p:pic>
+    </p:spTree>
+    <p:extLst>
+      <p:ext uri="{BB962C8B-B14F-4D97-AF65-F5344CB8AC3E}">
+        <p14:creationId xmlns:p14="http://schemas.microsoft.com/office/powerpoint/2010/main" val="114450333"/>
+      </p:ext>
+    </p:extLst>
+  </p:cSld>
+  <p:clrMapOvr>
+    <a:masterClrMapping/>
+  </p:clrMapOvr>
+</p:sld>
+</file>
+
+<file path=ppt/slides/slide8.xml><?xml version="1.0" encoding="utf-8"?>
+<p:sld xmlns:a="http://schemas.openxmlformats.org/drawingml/2006/main" xmlns:r="http://schemas.openxmlformats.org/officeDocument/2006/relationships" xmlns:p="http://schemas.openxmlformats.org/presentationml/2006/main">
+  <p:cSld>
+    <p:bg>
+      <p:bgPr>
+        <a:solidFill>
+          <a:schemeClr val="bg1"/>
+        </a:solidFill>
+        <a:effectLst/>
+      </p:bgPr>
+    </p:bg>
+    <p:spTree>
+      <p:nvGrpSpPr>
+        <p:cNvPr id="1" name=""/>
+        <p:cNvGrpSpPr/>
+        <p:nvPr/>
+      </p:nvGrpSpPr>
+      <p:grpSpPr>
+        <a:xfrm>
+          <a:off x="0" y="0"/>
+          <a:ext cx="0" cy="0"/>
+          <a:chOff x="0" y="0"/>
+          <a:chExt cx="0" cy="0"/>
+        </a:xfrm>
+      </p:grpSpPr>
+      <p:sp>
+        <p:nvSpPr>
+          <p:cNvPr id="8" name="Rectangle 7">
+            <a:extLst>
+              <a:ext uri="{FF2B5EF4-FFF2-40B4-BE49-F238E27FC236}">
+                <a16:creationId xmlns:a16="http://schemas.microsoft.com/office/drawing/2014/main" id="{E8A8EAB8-D2FF-444D-B34B-7D32F106AD0E}"/>
+              </a:ext>
+              <a:ext uri="{C183D7F6-B498-43B3-948B-1728B52AA6E4}">
+                <adec:decorative xmlns:adec="http://schemas.microsoft.com/office/drawing/2017/decorative" val="1"/>
+              </a:ext>
+            </a:extLst>
+          </p:cNvPr>
+          <p:cNvSpPr>
+            <a:spLocks noGrp="1" noRot="1" noChangeAspect="1" noMove="1" noResize="1" noEditPoints="1" noAdjustHandles="1" noChangeArrowheads="1" noChangeShapeType="1" noTextEdit="1"/>
+          </p:cNvSpPr>
+          <p:nvPr>
+            <p:extLst>
+              <p:ext uri="{386F3935-93C4-4BCD-93E2-E3B085C9AB24}">
+                <p16:designElem xmlns:p16="http://schemas.microsoft.com/office/powerpoint/2015/main" val="1"/>
+              </p:ext>
+            </p:extLst>
+          </p:nvPr>
+        </p:nvSpPr>
+        <p:spPr>
+          <a:xfrm>
+            <a:off x="0" y="0"/>
+            <a:ext cx="12192000" cy="6858000"/>
+          </a:xfrm>
+          <a:prstGeom prst="rect">
+            <a:avLst/>
+          </a:prstGeom>
+          <a:solidFill>
+            <a:schemeClr val="tx1">
+              <a:lumMod val="95000"/>
+              <a:lumOff val="5000"/>
+            </a:schemeClr>
+          </a:solidFill>
+          <a:ln>
+            <a:noFill/>
+          </a:ln>
+        </p:spPr>
+        <p:style>
+          <a:lnRef idx="2">
+            <a:schemeClr val="accent1">
+              <a:shade val="50000"/>
+            </a:schemeClr>
+          </a:lnRef>
+          <a:fillRef idx="1">
+            <a:schemeClr val="accent1"/>
+          </a:fillRef>
+          <a:effectRef idx="0">
+            <a:schemeClr val="accent1"/>
+          </a:effectRef>
+          <a:fontRef idx="minor">
+            <a:schemeClr val="lt1"/>
+          </a:fontRef>
+        </p:style>
+        <p:txBody>
+          <a:bodyPr rtlCol="0" anchor="ctr"/>
+          <a:lstStyle/>
+          <a:p>
+            <a:pPr algn="ctr"/>
+            <a:endParaRPr lang="en-US" dirty="0">
+              <a:solidFill>
+                <a:schemeClr val="bg1"/>
+              </a:solidFill>
+            </a:endParaRPr>
+          </a:p>
+        </p:txBody>
+      </p:sp>
+      <p:sp>
+        <p:nvSpPr>
+          <p:cNvPr id="2" name="Título 1">
+            <a:extLst>
+              <a:ext uri="{FF2B5EF4-FFF2-40B4-BE49-F238E27FC236}">
+                <a16:creationId xmlns:a16="http://schemas.microsoft.com/office/drawing/2014/main" id="{AACA2F14-E065-70B0-AB14-606E4FF8662C}"/>
+              </a:ext>
+            </a:extLst>
+          </p:cNvPr>
+          <p:cNvSpPr>
+            <a:spLocks noGrp="1"/>
+          </p:cNvSpPr>
+          <p:nvPr>
+            <p:ph type="title"/>
+          </p:nvPr>
+        </p:nvSpPr>
+        <p:spPr>
+          <a:xfrm>
+            <a:off x="255639" y="0"/>
+            <a:ext cx="1060334" cy="1146271"/>
+          </a:xfrm>
+        </p:spPr>
+        <p:txBody>
+          <a:bodyPr anchor="ctr">
+            <a:normAutofit/>
+          </a:bodyPr>
+          <a:lstStyle/>
+          <a:p>
+            <a:r>
+              <a:rPr lang="es-ES" sz="1100" b="1" i="0" cap="all" dirty="0" err="1">
+                <a:solidFill>
+                  <a:schemeClr val="bg1"/>
+                </a:solidFill>
+                <a:effectLst/>
+                <a:latin typeface="Posterama" panose="020B0504020200020000" pitchFamily="34" charset="0"/>
+              </a:rPr>
+              <a:t>Jupyter</a:t>
+            </a:r>
+            <a:r>
+              <a:rPr lang="es-ES" sz="1100" b="1" i="0" cap="all" dirty="0">
+                <a:solidFill>
+                  <a:schemeClr val="bg1"/>
+                </a:solidFill>
+                <a:effectLst/>
+                <a:latin typeface="Posterama" panose="020B0504020200020000" pitchFamily="34" charset="0"/>
+              </a:rPr>
+              <a:t> Notebook</a:t>
+            </a:r>
+            <a:endParaRPr lang="es-CL" sz="1100" dirty="0">
+              <a:solidFill>
+                <a:schemeClr val="bg1"/>
+              </a:solidFill>
+            </a:endParaRPr>
+          </a:p>
+        </p:txBody>
+      </p:sp>
+      <p:cxnSp>
+        <p:nvCxnSpPr>
+          <p:cNvPr id="10" name="Straight Connector 9">
+            <a:extLst>
+              <a:ext uri="{FF2B5EF4-FFF2-40B4-BE49-F238E27FC236}">
+                <a16:creationId xmlns:a16="http://schemas.microsoft.com/office/drawing/2014/main" id="{067633D1-6EE6-4118-B9F0-B363477BEE7A}"/>
+              </a:ext>
+              <a:ext uri="{C183D7F6-B498-43B3-948B-1728B52AA6E4}">
+                <adec:decorative xmlns:adec="http://schemas.microsoft.com/office/drawing/2017/decorative" val="1"/>
+              </a:ext>
+            </a:extLst>
+          </p:cNvPr>
+          <p:cNvCxnSpPr>
+            <a:cxnSpLocks noGrp="1" noRot="1" noChangeAspect="1" noMove="1" noResize="1" noEditPoints="1" noAdjustHandles="1" noChangeArrowheads="1" noChangeShapeType="1"/>
+          </p:cNvCxnSpPr>
+          <p:nvPr>
+            <p:extLst>
+              <p:ext uri="{386F3935-93C4-4BCD-93E2-E3B085C9AB24}">
+                <p16:designElem xmlns:p16="http://schemas.microsoft.com/office/powerpoint/2015/main" val="1"/>
+              </p:ext>
+            </p:extLst>
+          </p:nvPr>
+        </p:nvCxnSpPr>
+        <p:spPr>
+          <a:xfrm flipH="1">
+            <a:off x="1014141" y="1450655"/>
+            <a:ext cx="3932030" cy="0"/>
+          </a:xfrm>
+          <a:prstGeom prst="line">
+            <a:avLst/>
+          </a:prstGeom>
+          <a:ln w="12700">
+            <a:solidFill>
+              <a:schemeClr val="accent2"/>
+            </a:solidFill>
+          </a:ln>
+        </p:spPr>
+        <p:style>
+          <a:lnRef idx="1">
+            <a:schemeClr val="accent1"/>
+          </a:lnRef>
+          <a:fillRef idx="0">
+            <a:schemeClr val="accent1"/>
+          </a:fillRef>
+          <a:effectRef idx="0">
+            <a:schemeClr val="accent1"/>
+          </a:effectRef>
+          <a:fontRef idx="minor">
+            <a:schemeClr val="tx1"/>
+          </a:fontRef>
+        </p:style>
+      </p:cxnSp>
+      <p:cxnSp>
+        <p:nvCxnSpPr>
+          <p:cNvPr id="12" name="Straight Connector 11">
+            <a:extLst>
+              <a:ext uri="{FF2B5EF4-FFF2-40B4-BE49-F238E27FC236}">
+                <a16:creationId xmlns:a16="http://schemas.microsoft.com/office/drawing/2014/main" id="{4AD7FFC6-42A9-49CB-B5E9-B3F6B038331B}"/>
+              </a:ext>
+              <a:ext uri="{C183D7F6-B498-43B3-948B-1728B52AA6E4}">
+                <adec:decorative xmlns:adec="http://schemas.microsoft.com/office/drawing/2017/decorative" val="1"/>
+              </a:ext>
+            </a:extLst>
+          </p:cNvPr>
+          <p:cNvCxnSpPr>
+            <a:cxnSpLocks noGrp="1" noRot="1" noChangeAspect="1" noMove="1" noResize="1" noEditPoints="1" noAdjustHandles="1" noChangeArrowheads="1" noChangeShapeType="1"/>
+          </p:cNvCxnSpPr>
+          <p:nvPr>
+            <p:extLst>
+              <p:ext uri="{386F3935-93C4-4BCD-93E2-E3B085C9AB24}">
+                <p16:designElem xmlns:p16="http://schemas.microsoft.com/office/powerpoint/2015/main" val="1"/>
+              </p:ext>
+            </p:extLst>
+          </p:nvPr>
+        </p:nvCxnSpPr>
+        <p:spPr>
+          <a:xfrm flipH="1">
+            <a:off x="1014141" y="5408571"/>
+            <a:ext cx="3932030" cy="0"/>
+          </a:xfrm>
+          <a:prstGeom prst="line">
+            <a:avLst/>
+          </a:prstGeom>
+          <a:ln w="12700">
+            <a:solidFill>
+              <a:schemeClr val="accent2"/>
+            </a:solidFill>
+          </a:ln>
+        </p:spPr>
+        <p:style>
+          <a:lnRef idx="1">
+            <a:schemeClr val="accent1"/>
+          </a:lnRef>
+          <a:fillRef idx="0">
+            <a:schemeClr val="accent1"/>
+          </a:fillRef>
+          <a:effectRef idx="0">
+            <a:schemeClr val="accent1"/>
+          </a:effectRef>
+          <a:fontRef idx="minor">
+            <a:schemeClr val="tx1"/>
+          </a:fontRef>
+        </p:style>
+      </p:cxnSp>
+      <p:pic>
+        <p:nvPicPr>
+          <p:cNvPr id="4" name="Imagen 3">
+            <a:extLst>
+              <a:ext uri="{FF2B5EF4-FFF2-40B4-BE49-F238E27FC236}">
+                <a16:creationId xmlns:a16="http://schemas.microsoft.com/office/drawing/2014/main" id="{7279141A-E779-3BCE-921A-C745249296DC}"/>
+              </a:ext>
+            </a:extLst>
+          </p:cNvPr>
+          <p:cNvPicPr>
+            <a:picLocks noChangeAspect="1"/>
+          </p:cNvPicPr>
+          <p:nvPr/>
+        </p:nvPicPr>
+        <p:blipFill>
+          <a:blip r:embed="rId3"/>
+          <a:stretch>
+            <a:fillRect/>
+          </a:stretch>
+        </p:blipFill>
+        <p:spPr>
+          <a:xfrm>
+            <a:off x="613160" y="852505"/>
+            <a:ext cx="10564699" cy="5801535"/>
+          </a:xfrm>
+          <a:prstGeom prst="rect">
+            <a:avLst/>
+          </a:prstGeom>
+        </p:spPr>
+      </p:pic>
+    </p:spTree>
+    <p:extLst>
+      <p:ext uri="{BB962C8B-B14F-4D97-AF65-F5344CB8AC3E}">
+        <p14:creationId xmlns:p14="http://schemas.microsoft.com/office/powerpoint/2010/main" val="3379794689"/>
+      </p:ext>
+    </p:extLst>
+  </p:cSld>
+  <p:clrMapOvr>
+    <a:masterClrMapping/>
+  </p:clrMapOvr>
+</p:sld>
+</file>
+
+<file path=ppt/slides/slide9.xml><?xml version="1.0" encoding="utf-8"?>
+<p:sld xmlns:a="http://schemas.openxmlformats.org/drawingml/2006/main" xmlns:r="http://schemas.openxmlformats.org/officeDocument/2006/relationships" xmlns:p="http://schemas.openxmlformats.org/presentationml/2006/main">
+  <p:cSld>
+    <p:bg>
+      <p:bgPr>
+        <a:solidFill>
+          <a:schemeClr val="bg1"/>
+        </a:solidFill>
+        <a:effectLst/>
+      </p:bgPr>
+    </p:bg>
+    <p:spTree>
+      <p:nvGrpSpPr>
+        <p:cNvPr id="1" name=""/>
+        <p:cNvGrpSpPr/>
+        <p:nvPr/>
+      </p:nvGrpSpPr>
+      <p:grpSpPr>
+        <a:xfrm>
+          <a:off x="0" y="0"/>
+          <a:ext cx="0" cy="0"/>
+          <a:chOff x="0" y="0"/>
+          <a:chExt cx="0" cy="0"/>
+        </a:xfrm>
+      </p:grpSpPr>
+      <p:sp>
+        <p:nvSpPr>
+          <p:cNvPr id="8" name="Rectangle 7">
+            <a:extLst>
+              <a:ext uri="{FF2B5EF4-FFF2-40B4-BE49-F238E27FC236}">
+                <a16:creationId xmlns:a16="http://schemas.microsoft.com/office/drawing/2014/main" id="{E8A8EAB8-D2FF-444D-B34B-7D32F106AD0E}"/>
+              </a:ext>
+              <a:ext uri="{C183D7F6-B498-43B3-948B-1728B52AA6E4}">
+                <adec:decorative xmlns:adec="http://schemas.microsoft.com/office/drawing/2017/decorative" val="1"/>
+              </a:ext>
+            </a:extLst>
+          </p:cNvPr>
+          <p:cNvSpPr>
+            <a:spLocks noGrp="1" noRot="1" noChangeAspect="1" noMove="1" noResize="1" noEditPoints="1" noAdjustHandles="1" noChangeArrowheads="1" noChangeShapeType="1" noTextEdit="1"/>
+          </p:cNvSpPr>
+          <p:nvPr>
+            <p:extLst>
+              <p:ext uri="{386F3935-93C4-4BCD-93E2-E3B085C9AB24}">
+                <p16:designElem xmlns:p16="http://schemas.microsoft.com/office/powerpoint/2015/main" val="1"/>
+              </p:ext>
+            </p:extLst>
+          </p:nvPr>
+        </p:nvSpPr>
+        <p:spPr>
+          <a:xfrm>
+            <a:off x="0" y="0"/>
+            <a:ext cx="12192000" cy="6858000"/>
+          </a:xfrm>
+          <a:prstGeom prst="rect">
+            <a:avLst/>
+          </a:prstGeom>
+          <a:solidFill>
+            <a:schemeClr val="tx1">
+              <a:lumMod val="95000"/>
+              <a:lumOff val="5000"/>
+            </a:schemeClr>
+          </a:solidFill>
+          <a:ln>
+            <a:noFill/>
+          </a:ln>
+        </p:spPr>
+        <p:style>
+          <a:lnRef idx="2">
+            <a:schemeClr val="accent1">
+              <a:shade val="50000"/>
+            </a:schemeClr>
+          </a:lnRef>
+          <a:fillRef idx="1">
+            <a:schemeClr val="accent1"/>
+          </a:fillRef>
+          <a:effectRef idx="0">
+            <a:schemeClr val="accent1"/>
+          </a:effectRef>
+          <a:fontRef idx="minor">
+            <a:schemeClr val="lt1"/>
+          </a:fontRef>
+        </p:style>
+        <p:txBody>
+          <a:bodyPr rtlCol="0" anchor="ctr"/>
+          <a:lstStyle/>
+          <a:p>
+            <a:pPr algn="ctr"/>
+            <a:endParaRPr lang="en-US" dirty="0">
+              <a:solidFill>
+                <a:schemeClr val="bg1"/>
+              </a:solidFill>
+            </a:endParaRPr>
+          </a:p>
+        </p:txBody>
+      </p:sp>
+      <p:sp>
+        <p:nvSpPr>
+          <p:cNvPr id="2" name="Título 1">
+            <a:extLst>
+              <a:ext uri="{FF2B5EF4-FFF2-40B4-BE49-F238E27FC236}">
+                <a16:creationId xmlns:a16="http://schemas.microsoft.com/office/drawing/2014/main" id="{AACA2F14-E065-70B0-AB14-606E4FF8662C}"/>
+              </a:ext>
+            </a:extLst>
+          </p:cNvPr>
+          <p:cNvSpPr>
+            <a:spLocks noGrp="1"/>
+          </p:cNvSpPr>
+          <p:nvPr>
+            <p:ph type="title"/>
+          </p:nvPr>
+        </p:nvSpPr>
+        <p:spPr>
+          <a:xfrm>
+            <a:off x="21083" y="0"/>
+            <a:ext cx="1036771" cy="1042219"/>
+          </a:xfrm>
+        </p:spPr>
+        <p:txBody>
+          <a:bodyPr anchor="ctr">
+            <a:normAutofit/>
+          </a:bodyPr>
+          <a:lstStyle/>
+          <a:p>
+            <a:r>
+              <a:rPr lang="es-ES" sz="1100" b="1" i="0" cap="all" dirty="0" err="1">
+                <a:solidFill>
+                  <a:schemeClr val="bg1"/>
+                </a:solidFill>
+                <a:effectLst/>
+                <a:latin typeface="Posterama" panose="020B0504020200020000" pitchFamily="34" charset="0"/>
+              </a:rPr>
+              <a:t>Jupyter</a:t>
+            </a:r>
+            <a:r>
+              <a:rPr lang="es-ES" sz="1100" b="1" i="0" cap="all" dirty="0">
+                <a:solidFill>
+                  <a:schemeClr val="bg1"/>
+                </a:solidFill>
+                <a:effectLst/>
+                <a:latin typeface="Posterama" panose="020B0504020200020000" pitchFamily="34" charset="0"/>
+              </a:rPr>
+              <a:t> Notebook</a:t>
+            </a:r>
+            <a:endParaRPr lang="es-CL" sz="1100" dirty="0">
+              <a:solidFill>
+                <a:schemeClr val="bg1"/>
+              </a:solidFill>
+            </a:endParaRPr>
+          </a:p>
+        </p:txBody>
+      </p:sp>
+      <p:cxnSp>
+        <p:nvCxnSpPr>
+          <p:cNvPr id="10" name="Straight Connector 9">
+            <a:extLst>
+              <a:ext uri="{FF2B5EF4-FFF2-40B4-BE49-F238E27FC236}">
+                <a16:creationId xmlns:a16="http://schemas.microsoft.com/office/drawing/2014/main" id="{067633D1-6EE6-4118-B9F0-B363477BEE7A}"/>
+              </a:ext>
+              <a:ext uri="{C183D7F6-B498-43B3-948B-1728B52AA6E4}">
+                <adec:decorative xmlns:adec="http://schemas.microsoft.com/office/drawing/2017/decorative" val="1"/>
+              </a:ext>
+            </a:extLst>
+          </p:cNvPr>
+          <p:cNvCxnSpPr>
+            <a:cxnSpLocks noGrp="1" noRot="1" noChangeAspect="1" noMove="1" noResize="1" noEditPoints="1" noAdjustHandles="1" noChangeArrowheads="1" noChangeShapeType="1"/>
+          </p:cNvCxnSpPr>
+          <p:nvPr>
+            <p:extLst>
+              <p:ext uri="{386F3935-93C4-4BCD-93E2-E3B085C9AB24}">
+                <p16:designElem xmlns:p16="http://schemas.microsoft.com/office/powerpoint/2015/main" val="1"/>
+              </p:ext>
+            </p:extLst>
+          </p:nvPr>
+        </p:nvCxnSpPr>
+        <p:spPr>
+          <a:xfrm flipH="1">
+            <a:off x="1014141" y="1450655"/>
+            <a:ext cx="3932030" cy="0"/>
+          </a:xfrm>
+          <a:prstGeom prst="line">
+            <a:avLst/>
+          </a:prstGeom>
+          <a:ln w="12700">
+            <a:solidFill>
+              <a:schemeClr val="accent2"/>
+            </a:solidFill>
+          </a:ln>
+        </p:spPr>
+        <p:style>
+          <a:lnRef idx="1">
+            <a:schemeClr val="accent1"/>
+          </a:lnRef>
+          <a:fillRef idx="0">
+            <a:schemeClr val="accent1"/>
+          </a:fillRef>
+          <a:effectRef idx="0">
+            <a:schemeClr val="accent1"/>
+          </a:effectRef>
+          <a:fontRef idx="minor">
+            <a:schemeClr val="tx1"/>
+          </a:fontRef>
+        </p:style>
+      </p:cxnSp>
+      <p:cxnSp>
+        <p:nvCxnSpPr>
+          <p:cNvPr id="12" name="Straight Connector 11">
+            <a:extLst>
+              <a:ext uri="{FF2B5EF4-FFF2-40B4-BE49-F238E27FC236}">
+                <a16:creationId xmlns:a16="http://schemas.microsoft.com/office/drawing/2014/main" id="{4AD7FFC6-42A9-49CB-B5E9-B3F6B038331B}"/>
+              </a:ext>
+              <a:ext uri="{C183D7F6-B498-43B3-948B-1728B52AA6E4}">
+                <adec:decorative xmlns:adec="http://schemas.microsoft.com/office/drawing/2017/decorative" val="1"/>
+              </a:ext>
+            </a:extLst>
+          </p:cNvPr>
+          <p:cNvCxnSpPr>
+            <a:cxnSpLocks noGrp="1" noRot="1" noChangeAspect="1" noMove="1" noResize="1" noEditPoints="1" noAdjustHandles="1" noChangeArrowheads="1" noChangeShapeType="1"/>
+          </p:cNvCxnSpPr>
+          <p:nvPr>
+            <p:extLst>
+              <p:ext uri="{386F3935-93C4-4BCD-93E2-E3B085C9AB24}">
+                <p16:designElem xmlns:p16="http://schemas.microsoft.com/office/powerpoint/2015/main" val="1"/>
+              </p:ext>
+            </p:extLst>
+          </p:nvPr>
+        </p:nvCxnSpPr>
+        <p:spPr>
+          <a:xfrm flipH="1">
+            <a:off x="1014141" y="5408571"/>
+            <a:ext cx="3932030" cy="0"/>
+          </a:xfrm>
+          <a:prstGeom prst="line">
+            <a:avLst/>
+          </a:prstGeom>
+          <a:ln w="12700">
+            <a:solidFill>
+              <a:schemeClr val="accent2"/>
+            </a:solidFill>
+          </a:ln>
+        </p:spPr>
+        <p:style>
+          <a:lnRef idx="1">
+            <a:schemeClr val="accent1"/>
+          </a:lnRef>
+          <a:fillRef idx="0">
+            <a:schemeClr val="accent1"/>
+          </a:fillRef>
+          <a:effectRef idx="0">
+            <a:schemeClr val="accent1"/>
+          </a:effectRef>
+          <a:fontRef idx="minor">
+            <a:schemeClr val="tx1"/>
+          </a:fontRef>
+        </p:style>
+      </p:cxnSp>
+      <p:pic>
+        <p:nvPicPr>
+          <p:cNvPr id="5" name="Imagen 4">
+            <a:extLst>
+              <a:ext uri="{FF2B5EF4-FFF2-40B4-BE49-F238E27FC236}">
+                <a16:creationId xmlns:a16="http://schemas.microsoft.com/office/drawing/2014/main" id="{27587E10-A1F7-38F1-EFD0-69EBB9E1FD28}"/>
+              </a:ext>
+            </a:extLst>
+          </p:cNvPr>
+          <p:cNvPicPr>
+            <a:picLocks noChangeAspect="1"/>
+          </p:cNvPicPr>
+          <p:nvPr/>
+        </p:nvPicPr>
+        <p:blipFill>
+          <a:blip r:embed="rId3"/>
+          <a:stretch>
+            <a:fillRect/>
+          </a:stretch>
+        </p:blipFill>
+        <p:spPr>
+          <a:xfrm>
+            <a:off x="1014141" y="370015"/>
+            <a:ext cx="9335803" cy="1752845"/>
+          </a:xfrm>
+          <a:prstGeom prst="rect">
+            <a:avLst/>
+          </a:prstGeom>
+        </p:spPr>
+      </p:pic>
+      <p:pic>
+        <p:nvPicPr>
+          <p:cNvPr id="7" name="Imagen 6">
+            <a:extLst>
+              <a:ext uri="{FF2B5EF4-FFF2-40B4-BE49-F238E27FC236}">
+                <a16:creationId xmlns:a16="http://schemas.microsoft.com/office/drawing/2014/main" id="{3CFCCDAE-1EAF-64A9-5FCF-13E2F08ED5E8}"/>
+              </a:ext>
+            </a:extLst>
+          </p:cNvPr>
+          <p:cNvPicPr>
+            <a:picLocks noChangeAspect="1"/>
+          </p:cNvPicPr>
+          <p:nvPr/>
+        </p:nvPicPr>
+        <p:blipFill>
+          <a:blip r:embed="rId4"/>
+          <a:stretch>
+            <a:fillRect/>
+          </a:stretch>
+        </p:blipFill>
+        <p:spPr>
+          <a:xfrm>
+            <a:off x="10642234" y="922542"/>
+            <a:ext cx="1257475" cy="647790"/>
+          </a:xfrm>
+          <a:prstGeom prst="rect">
+            <a:avLst/>
+          </a:prstGeom>
+        </p:spPr>
+      </p:pic>
+      <p:pic>
+        <p:nvPicPr>
+          <p:cNvPr id="11" name="Imagen 10">
+            <a:extLst>
+              <a:ext uri="{FF2B5EF4-FFF2-40B4-BE49-F238E27FC236}">
+                <a16:creationId xmlns:a16="http://schemas.microsoft.com/office/drawing/2014/main" id="{89E32D63-2E98-0081-159B-BD1D0BB66BF0}"/>
+              </a:ext>
+            </a:extLst>
+          </p:cNvPr>
+          <p:cNvPicPr>
+            <a:picLocks noChangeAspect="1"/>
+          </p:cNvPicPr>
+          <p:nvPr/>
+        </p:nvPicPr>
+        <p:blipFill>
+          <a:blip r:embed="rId5"/>
+          <a:stretch>
+            <a:fillRect/>
+          </a:stretch>
+        </p:blipFill>
+        <p:spPr>
+          <a:xfrm>
+            <a:off x="1014141" y="2531296"/>
+            <a:ext cx="4867954" cy="3667637"/>
+          </a:xfrm>
+          <a:prstGeom prst="rect">
+            <a:avLst/>
+          </a:prstGeom>
+        </p:spPr>
+      </p:pic>
+      <p:pic>
+        <p:nvPicPr>
+          <p:cNvPr id="14" name="Imagen 13">
+            <a:extLst>
+              <a:ext uri="{FF2B5EF4-FFF2-40B4-BE49-F238E27FC236}">
+                <a16:creationId xmlns:a16="http://schemas.microsoft.com/office/drawing/2014/main" id="{8898DA40-1C50-9A9F-72AB-F15BD0144A3D}"/>
+              </a:ext>
+            </a:extLst>
+          </p:cNvPr>
+          <p:cNvPicPr>
+            <a:picLocks noChangeAspect="1"/>
+          </p:cNvPicPr>
+          <p:nvPr/>
+        </p:nvPicPr>
+        <p:blipFill>
+          <a:blip r:embed="rId6"/>
+          <a:stretch>
+            <a:fillRect/>
+          </a:stretch>
+        </p:blipFill>
+        <p:spPr>
+          <a:xfrm>
+            <a:off x="6710676" y="2531296"/>
+            <a:ext cx="4467183" cy="3684683"/>
+          </a:xfrm>
+          <a:prstGeom prst="rect">
+            <a:avLst/>
+          </a:prstGeom>
+        </p:spPr>
+      </p:pic>
+    </p:spTree>
+    <p:extLst>
+      <p:ext uri="{BB962C8B-B14F-4D97-AF65-F5344CB8AC3E}">
+        <p14:creationId xmlns:p14="http://schemas.microsoft.com/office/powerpoint/2010/main" val="838712456"/>
+      </p:ext>
+    </p:extLst>
+  </p:cSld>
+  <p:clrMapOvr>
+    <a:masterClrMapping/>
+  </p:clrMapOvr>
 </p:sld>
 </file>
 
@@ -6806,21 +8929,6 @@
 </file>
 
 <file path=customXml/item1.xml><?xml version="1.0" encoding="utf-8"?>
-<p:properties xmlns:p="http://schemas.microsoft.com/office/2006/metadata/properties" xmlns:xsi="http://www.w3.org/2001/XMLSchema-instance" xmlns:pc="http://schemas.microsoft.com/office/infopath/2007/PartnerControls">
-  <documentManagement/>
-</p:properties>
-</file>
-
-<file path=customXml/item2.xml><?xml version="1.0" encoding="utf-8"?>
-<?mso-contentType ?>
-<FormTemplates xmlns="http://schemas.microsoft.com/sharepoint/v3/contenttype/forms">
-  <Display>DocumentLibraryForm</Display>
-  <Edit>DocumentLibraryForm</Edit>
-  <New>DocumentLibraryForm</New>
-</FormTemplates>
-</file>
-
-<file path=customXml/item3.xml><?xml version="1.0" encoding="utf-8"?>
 <ct:contentTypeSchema xmlns:ct="http://schemas.microsoft.com/office/2006/metadata/contentType" xmlns:ma="http://schemas.microsoft.com/office/2006/metadata/properties/metaAttributes" ct:_="" ma:_="" ma:contentTypeName="Documento" ma:contentTypeID="0x0101007D610B7E03E43648B54023B40DAEBBAD" ma:contentTypeVersion="11" ma:contentTypeDescription="Crear nuevo documento." ma:contentTypeScope="" ma:versionID="d0033081a9de946c6a4d14ed4f8fbada">
   <xsd:schema xmlns:xsd="http://www.w3.org/2001/XMLSchema" xmlns:xs="http://www.w3.org/2001/XMLSchema" xmlns:p="http://schemas.microsoft.com/office/2006/metadata/properties" xmlns:ns3="ae6c8b4c-5cae-48d3-a1c7-e7a534801cb7" xmlns:ns4="918ffc63-bd18-43c9-9e7d-617d71586248" targetNamespace="http://schemas.microsoft.com/office/2006/metadata/properties" ma:root="true" ma:fieldsID="3e160b201fdbe0b2ba3d268dfbc88a02" ns3:_="" ns4:_="">
     <xsd:import namespace="ae6c8b4c-5cae-48d3-a1c7-e7a534801cb7"/>
@@ -7031,32 +9139,22 @@
 </ct:contentTypeSchema>
 </file>
 
-<file path=customXml/itemProps1.xml><?xml version="1.0" encoding="utf-8"?>
-<ds:datastoreItem xmlns:ds="http://schemas.openxmlformats.org/officeDocument/2006/customXml" ds:itemID="{75F78292-1BB2-4F43-89E0-3DD037A89DFF}">
-  <ds:schemaRefs>
-    <ds:schemaRef ds:uri="918ffc63-bd18-43c9-9e7d-617d71586248"/>
-    <ds:schemaRef ds:uri="http://purl.org/dc/dcmitype/"/>
-    <ds:schemaRef ds:uri="ae6c8b4c-5cae-48d3-a1c7-e7a534801cb7"/>
-    <ds:schemaRef ds:uri="http://www.w3.org/XML/1998/namespace"/>
-    <ds:schemaRef ds:uri="http://purl.org/dc/elements/1.1/"/>
-    <ds:schemaRef ds:uri="http://schemas.microsoft.com/office/2006/documentManagement/types"/>
-    <ds:schemaRef ds:uri="http://purl.org/dc/terms/"/>
-    <ds:schemaRef ds:uri="http://schemas.microsoft.com/office/infopath/2007/PartnerControls"/>
-    <ds:schemaRef ds:uri="http://schemas.openxmlformats.org/package/2006/metadata/core-properties"/>
-    <ds:schemaRef ds:uri="http://schemas.microsoft.com/office/2006/metadata/properties"/>
-  </ds:schemaRefs>
-</ds:datastoreItem>
+<file path=customXml/item2.xml><?xml version="1.0" encoding="utf-8"?>
+<?mso-contentType ?>
+<FormTemplates xmlns="http://schemas.microsoft.com/sharepoint/v3/contenttype/forms">
+  <Display>DocumentLibraryForm</Display>
+  <Edit>DocumentLibraryForm</Edit>
+  <New>DocumentLibraryForm</New>
+</FormTemplates>
 </file>
 
-<file path=customXml/itemProps2.xml><?xml version="1.0" encoding="utf-8"?>
-<ds:datastoreItem xmlns:ds="http://schemas.openxmlformats.org/officeDocument/2006/customXml" ds:itemID="{12DAB561-8F77-41A4-ACD1-A6BFC7E8CE05}">
-  <ds:schemaRefs>
-    <ds:schemaRef ds:uri="http://schemas.microsoft.com/sharepoint/v3/contenttype/forms"/>
-  </ds:schemaRefs>
-</ds:datastoreItem>
+<file path=customXml/item3.xml><?xml version="1.0" encoding="utf-8"?>
+<p:properties xmlns:p="http://schemas.microsoft.com/office/2006/metadata/properties" xmlns:xsi="http://www.w3.org/2001/XMLSchema-instance" xmlns:pc="http://schemas.microsoft.com/office/infopath/2007/PartnerControls">
+  <documentManagement/>
+</p:properties>
 </file>
 
-<file path=customXml/itemProps3.xml><?xml version="1.0" encoding="utf-8"?>
+<file path=customXml/itemProps1.xml><?xml version="1.0" encoding="utf-8"?>
 <ds:datastoreItem xmlns:ds="http://schemas.openxmlformats.org/officeDocument/2006/customXml" ds:itemID="{45F9D5CF-4CE7-434D-807D-A5C0F9094981}">
   <ds:schemaRefs>
     <ds:schemaRef ds:uri="http://schemas.microsoft.com/office/2006/metadata/contentType"/>
@@ -7073,4 +9171,29 @@
     <ds:schemaRef ds:uri="http://schemas.microsoft.com/internal/obd"/>
   </ds:schemaRefs>
 </ds:datastoreItem>
+</file>
+
+<file path=customXml/itemProps2.xml><?xml version="1.0" encoding="utf-8"?>
+<ds:datastoreItem xmlns:ds="http://schemas.openxmlformats.org/officeDocument/2006/customXml" ds:itemID="{12DAB561-8F77-41A4-ACD1-A6BFC7E8CE05}">
+  <ds:schemaRefs>
+    <ds:schemaRef ds:uri="http://schemas.microsoft.com/sharepoint/v3/contenttype/forms"/>
+  </ds:schemaRefs>
+</ds:datastoreItem>
+</file>
+
+<file path=customXml/itemProps3.xml><?xml version="1.0" encoding="utf-8"?>
+<ds:datastoreItem xmlns:ds="http://schemas.openxmlformats.org/officeDocument/2006/customXml" ds:itemID="{75F78292-1BB2-4F43-89E0-3DD037A89DFF}">
+  <ds:schemaRefs>
+    <ds:schemaRef ds:uri="918ffc63-bd18-43c9-9e7d-617d71586248"/>
+    <ds:schemaRef ds:uri="http://purl.org/dc/dcmitype/"/>
+    <ds:schemaRef ds:uri="ae6c8b4c-5cae-48d3-a1c7-e7a534801cb7"/>
+    <ds:schemaRef ds:uri="http://www.w3.org/XML/1998/namespace"/>
+    <ds:schemaRef ds:uri="http://purl.org/dc/elements/1.1/"/>
+    <ds:schemaRef ds:uri="http://schemas.microsoft.com/office/2006/documentManagement/types"/>
+    <ds:schemaRef ds:uri="http://purl.org/dc/terms/"/>
+    <ds:schemaRef ds:uri="http://schemas.microsoft.com/office/infopath/2007/PartnerControls"/>
+    <ds:schemaRef ds:uri="http://schemas.openxmlformats.org/package/2006/metadata/core-properties"/>
+    <ds:schemaRef ds:uri="http://schemas.microsoft.com/office/2006/metadata/properties"/>
+  </ds:schemaRefs>
+</ds:datastoreItem>
 </file>